--- a/public_html/letolt/w3_suli_gellert.pptx
+++ b/public_html/letolt/w3_suli_gellert.pptx
@@ -5,33 +5,32 @@
     <p:sldMasterId id="2147483648" r:id="rId1"/>
   </p:sldMasterIdLst>
   <p:notesMasterIdLst>
-    <p:notesMasterId r:id="rId26"/>
+    <p:notesMasterId r:id="rId25"/>
   </p:notesMasterIdLst>
   <p:sldIdLst>
-    <p:sldId id="256" r:id="rId2"/>
-    <p:sldId id="258" r:id="rId3"/>
-    <p:sldId id="259" r:id="rId4"/>
-    <p:sldId id="257" r:id="rId5"/>
-    <p:sldId id="277" r:id="rId6"/>
-    <p:sldId id="278" r:id="rId7"/>
-    <p:sldId id="260" r:id="rId8"/>
-    <p:sldId id="262" r:id="rId9"/>
-    <p:sldId id="263" r:id="rId10"/>
-    <p:sldId id="269" r:id="rId11"/>
-    <p:sldId id="270" r:id="rId12"/>
-    <p:sldId id="271" r:id="rId13"/>
-    <p:sldId id="264" r:id="rId14"/>
-    <p:sldId id="265" r:id="rId15"/>
-    <p:sldId id="272" r:id="rId16"/>
-    <p:sldId id="274" r:id="rId17"/>
-    <p:sldId id="266" r:id="rId18"/>
-    <p:sldId id="273" r:id="rId19"/>
-    <p:sldId id="267" r:id="rId20"/>
-    <p:sldId id="280" r:id="rId21"/>
-    <p:sldId id="281" r:id="rId22"/>
-    <p:sldId id="268" r:id="rId23"/>
-    <p:sldId id="275" r:id="rId24"/>
-    <p:sldId id="279" r:id="rId25"/>
+    <p:sldId id="258" r:id="rId2"/>
+    <p:sldId id="259" r:id="rId3"/>
+    <p:sldId id="257" r:id="rId4"/>
+    <p:sldId id="277" r:id="rId5"/>
+    <p:sldId id="278" r:id="rId6"/>
+    <p:sldId id="260" r:id="rId7"/>
+    <p:sldId id="262" r:id="rId8"/>
+    <p:sldId id="263" r:id="rId9"/>
+    <p:sldId id="269" r:id="rId10"/>
+    <p:sldId id="270" r:id="rId11"/>
+    <p:sldId id="271" r:id="rId12"/>
+    <p:sldId id="264" r:id="rId13"/>
+    <p:sldId id="265" r:id="rId14"/>
+    <p:sldId id="272" r:id="rId15"/>
+    <p:sldId id="274" r:id="rId16"/>
+    <p:sldId id="266" r:id="rId17"/>
+    <p:sldId id="273" r:id="rId18"/>
+    <p:sldId id="267" r:id="rId19"/>
+    <p:sldId id="280" r:id="rId20"/>
+    <p:sldId id="281" r:id="rId21"/>
+    <p:sldId id="268" r:id="rId22"/>
+    <p:sldId id="275" r:id="rId23"/>
+    <p:sldId id="279" r:id="rId24"/>
   </p:sldIdLst>
   <p:sldSz cx="9144000" cy="6858000" type="screen4x3"/>
   <p:notesSz cx="6858000" cy="9144000"/>
@@ -216,7 +215,7 @@
             <a:fld id="{1F41982A-C32C-41AE-BCB4-ED7334530670}" type="datetimeFigureOut">
               <a:rPr lang="en-GB" smtClean="0"/>
               <a:pPr/>
-              <a:t>19/03/2016</a:t>
+              <a:t>26/03/2016</a:t>
             </a:fld>
             <a:endParaRPr lang="en-GB"/>
           </a:p>
@@ -550,7 +549,7 @@
             <a:fld id="{AB4C8FF1-4F91-4F9D-8BFD-68BC65970685}" type="slidenum">
               <a:rPr lang="en-GB" smtClean="0"/>
               <a:pPr/>
-              <a:t>2</a:t>
+              <a:t>1</a:t>
             </a:fld>
             <a:endParaRPr lang="en-GB"/>
           </a:p>
@@ -632,7 +631,7 @@
             <a:fld id="{AB4C8FF1-4F91-4F9D-8BFD-68BC65970685}" type="slidenum">
               <a:rPr lang="en-GB" smtClean="0"/>
               <a:pPr/>
-              <a:t>7</a:t>
+              <a:t>6</a:t>
             </a:fld>
             <a:endParaRPr lang="en-GB"/>
           </a:p>
@@ -714,7 +713,7 @@
             <a:fld id="{AB4C8FF1-4F91-4F9D-8BFD-68BC65970685}" type="slidenum">
               <a:rPr lang="en-GB" smtClean="0"/>
               <a:pPr/>
-              <a:t>8</a:t>
+              <a:t>7</a:t>
             </a:fld>
             <a:endParaRPr lang="en-GB"/>
           </a:p>
@@ -796,7 +795,7 @@
             <a:fld id="{AB4C8FF1-4F91-4F9D-8BFD-68BC65970685}" type="slidenum">
               <a:rPr lang="en-GB" smtClean="0"/>
               <a:pPr/>
-              <a:t>15</a:t>
+              <a:t>14</a:t>
             </a:fld>
             <a:endParaRPr lang="en-GB"/>
           </a:p>
@@ -992,7 +991,7 @@
             <a:fld id="{71635872-D2C1-45D4-AD12-742E72A2F060}" type="datetimeFigureOut">
               <a:rPr lang="en-GB" smtClean="0"/>
               <a:pPr/>
-              <a:t>19/03/2016</a:t>
+              <a:t>26/03/2016</a:t>
             </a:fld>
             <a:endParaRPr lang="en-GB"/>
           </a:p>
@@ -1159,7 +1158,7 @@
             <a:fld id="{71635872-D2C1-45D4-AD12-742E72A2F060}" type="datetimeFigureOut">
               <a:rPr lang="en-GB" smtClean="0"/>
               <a:pPr/>
-              <a:t>19/03/2016</a:t>
+              <a:t>26/03/2016</a:t>
             </a:fld>
             <a:endParaRPr lang="en-GB"/>
           </a:p>
@@ -1336,7 +1335,7 @@
             <a:fld id="{71635872-D2C1-45D4-AD12-742E72A2F060}" type="datetimeFigureOut">
               <a:rPr lang="en-GB" smtClean="0"/>
               <a:pPr/>
-              <a:t>19/03/2016</a:t>
+              <a:t>26/03/2016</a:t>
             </a:fld>
             <a:endParaRPr lang="en-GB"/>
           </a:p>
@@ -1503,7 +1502,7 @@
             <a:fld id="{71635872-D2C1-45D4-AD12-742E72A2F060}" type="datetimeFigureOut">
               <a:rPr lang="en-GB" smtClean="0"/>
               <a:pPr/>
-              <a:t>19/03/2016</a:t>
+              <a:t>26/03/2016</a:t>
             </a:fld>
             <a:endParaRPr lang="en-GB"/>
           </a:p>
@@ -1746,7 +1745,7 @@
             <a:fld id="{71635872-D2C1-45D4-AD12-742E72A2F060}" type="datetimeFigureOut">
               <a:rPr lang="en-GB" smtClean="0"/>
               <a:pPr/>
-              <a:t>19/03/2016</a:t>
+              <a:t>26/03/2016</a:t>
             </a:fld>
             <a:endParaRPr lang="en-GB"/>
           </a:p>
@@ -2031,7 +2030,7 @@
             <a:fld id="{71635872-D2C1-45D4-AD12-742E72A2F060}" type="datetimeFigureOut">
               <a:rPr lang="en-GB" smtClean="0"/>
               <a:pPr/>
-              <a:t>19/03/2016</a:t>
+              <a:t>26/03/2016</a:t>
             </a:fld>
             <a:endParaRPr lang="en-GB"/>
           </a:p>
@@ -2450,7 +2449,7 @@
             <a:fld id="{71635872-D2C1-45D4-AD12-742E72A2F060}" type="datetimeFigureOut">
               <a:rPr lang="en-GB" smtClean="0"/>
               <a:pPr/>
-              <a:t>19/03/2016</a:t>
+              <a:t>26/03/2016</a:t>
             </a:fld>
             <a:endParaRPr lang="en-GB"/>
           </a:p>
@@ -2565,7 +2564,7 @@
             <a:fld id="{71635872-D2C1-45D4-AD12-742E72A2F060}" type="datetimeFigureOut">
               <a:rPr lang="en-GB" smtClean="0"/>
               <a:pPr/>
-              <a:t>19/03/2016</a:t>
+              <a:t>26/03/2016</a:t>
             </a:fld>
             <a:endParaRPr lang="en-GB"/>
           </a:p>
@@ -2657,7 +2656,7 @@
             <a:fld id="{71635872-D2C1-45D4-AD12-742E72A2F060}" type="datetimeFigureOut">
               <a:rPr lang="en-GB" smtClean="0"/>
               <a:pPr/>
-              <a:t>19/03/2016</a:t>
+              <a:t>26/03/2016</a:t>
             </a:fld>
             <a:endParaRPr lang="en-GB"/>
           </a:p>
@@ -2931,7 +2930,7 @@
             <a:fld id="{71635872-D2C1-45D4-AD12-742E72A2F060}" type="datetimeFigureOut">
               <a:rPr lang="en-GB" smtClean="0"/>
               <a:pPr/>
-              <a:t>19/03/2016</a:t>
+              <a:t>26/03/2016</a:t>
             </a:fld>
             <a:endParaRPr lang="en-GB"/>
           </a:p>
@@ -3181,7 +3180,7 @@
             <a:fld id="{71635872-D2C1-45D4-AD12-742E72A2F060}" type="datetimeFigureOut">
               <a:rPr lang="en-GB" smtClean="0"/>
               <a:pPr/>
-              <a:t>19/03/2016</a:t>
+              <a:t>26/03/2016</a:t>
             </a:fld>
             <a:endParaRPr lang="en-GB"/>
           </a:p>
@@ -3415,7 +3414,7 @@
             <a:fld id="{71635872-D2C1-45D4-AD12-742E72A2F060}" type="datetimeFigureOut">
               <a:rPr lang="en-GB" smtClean="0"/>
               <a:pPr/>
-              <a:t>19/03/2016</a:t>
+              <a:t>26/03/2016</a:t>
             </a:fld>
             <a:endParaRPr lang="en-GB"/>
           </a:p>
@@ -3770,135 +3769,6 @@
 </file>
 
 <file path=ppt/slides/slide1.xml><?xml version="1.0" encoding="utf-8"?>
-<p:sld xmlns:a="http://schemas.openxmlformats.org/drawingml/2006/main" xmlns:r="http://schemas.openxmlformats.org/officeDocument/2006/relationships" xmlns:p="http://schemas.openxmlformats.org/presentationml/2006/main" show="0">
-  <p:cSld>
-    <p:spTree>
-      <p:nvGrpSpPr>
-        <p:cNvPr id="1" name=""/>
-        <p:cNvGrpSpPr/>
-        <p:nvPr/>
-      </p:nvGrpSpPr>
-      <p:grpSpPr>
-        <a:xfrm>
-          <a:off x="0" y="0"/>
-          <a:ext cx="0" cy="0"/>
-          <a:chOff x="0" y="0"/>
-          <a:chExt cx="0" cy="0"/>
-        </a:xfrm>
-      </p:grpSpPr>
-      <p:sp>
-        <p:nvSpPr>
-          <p:cNvPr id="2" name="Title 1"/>
-          <p:cNvSpPr>
-            <a:spLocks noGrp="1"/>
-          </p:cNvSpPr>
-          <p:nvPr>
-            <p:ph type="ctrTitle"/>
-          </p:nvPr>
-        </p:nvSpPr>
-        <p:spPr>
-          <a:xfrm>
-            <a:off x="683568" y="2636912"/>
-            <a:ext cx="7772400" cy="1470025"/>
-          </a:xfrm>
-        </p:spPr>
-        <p:txBody>
-          <a:bodyPr>
-            <a:normAutofit/>
-          </a:bodyPr>
-          <a:lstStyle/>
-          <a:p>
-            <a:r>
-              <a:rPr lang="hu-HU" sz="7200" b="1" dirty="0" smtClean="0">
-                <a:latin typeface="Arabic Typesetting" pitchFamily="66" charset="-78"/>
-                <a:cs typeface="Arabic Typesetting" pitchFamily="66" charset="-78"/>
-              </a:rPr>
-              <a:t>W3 Suli Projekt</a:t>
-            </a:r>
-            <a:endParaRPr lang="en-GB" sz="7200" b="1" dirty="0">
-              <a:latin typeface="Arabic Typesetting" pitchFamily="66" charset="-78"/>
-              <a:cs typeface="Arabic Typesetting" pitchFamily="66" charset="-78"/>
-            </a:endParaRPr>
-          </a:p>
-        </p:txBody>
-      </p:sp>
-      <p:sp>
-        <p:nvSpPr>
-          <p:cNvPr id="3" name="Subtitle 2"/>
-          <p:cNvSpPr>
-            <a:spLocks noGrp="1"/>
-          </p:cNvSpPr>
-          <p:nvPr>
-            <p:ph type="subTitle" idx="1"/>
-          </p:nvPr>
-        </p:nvSpPr>
-        <p:spPr/>
-        <p:txBody>
-          <a:bodyPr/>
-          <a:lstStyle/>
-          <a:p>
-            <a:r>
-              <a:rPr lang="hu-HU" b="1" dirty="0" smtClean="0">
-                <a:solidFill>
-                  <a:schemeClr val="tx1"/>
-                </a:solidFill>
-                <a:latin typeface="Arabic Typesetting" pitchFamily="66" charset="-78"/>
-                <a:cs typeface="Arabic Typesetting" pitchFamily="66" charset="-78"/>
-              </a:rPr>
-              <a:t>Projektvezető: </a:t>
-            </a:r>
-            <a:r>
-              <a:rPr lang="hu-HU" dirty="0" smtClean="0">
-                <a:solidFill>
-                  <a:schemeClr val="tx1"/>
-                </a:solidFill>
-                <a:latin typeface="Arabic Typesetting" pitchFamily="66" charset="-78"/>
-                <a:cs typeface="Arabic Typesetting" pitchFamily="66" charset="-78"/>
-              </a:rPr>
-              <a:t>Gál Tamás</a:t>
-            </a:r>
-          </a:p>
-          <a:p>
-            <a:r>
-              <a:rPr lang="hu-HU" b="1" dirty="0" smtClean="0">
-                <a:solidFill>
-                  <a:schemeClr val="tx1"/>
-                </a:solidFill>
-                <a:latin typeface="Arabic Typesetting" pitchFamily="66" charset="-78"/>
-                <a:cs typeface="Arabic Typesetting" pitchFamily="66" charset="-78"/>
-              </a:rPr>
-              <a:t>Előadó: </a:t>
-            </a:r>
-            <a:r>
-              <a:rPr lang="hu-HU" dirty="0" smtClean="0">
-                <a:solidFill>
-                  <a:schemeClr val="tx1"/>
-                </a:solidFill>
-                <a:latin typeface="Arabic Typesetting" pitchFamily="66" charset="-78"/>
-                <a:cs typeface="Arabic Typesetting" pitchFamily="66" charset="-78"/>
-              </a:rPr>
-              <a:t>Tóth-Kovács Gellért</a:t>
-            </a:r>
-          </a:p>
-        </p:txBody>
-      </p:sp>
-    </p:spTree>
-  </p:cSld>
-  <p:clrMapOvr>
-    <a:masterClrMapping/>
-  </p:clrMapOvr>
-  <p:transition/>
-  <p:timing>
-    <p:tnLst>
-      <p:par>
-        <p:cTn id="1" dur="indefinite" restart="never" nodeType="tmRoot"/>
-      </p:par>
-    </p:tnLst>
-  </p:timing>
-</p:sld>
-</file>
-
-<file path=ppt/slides/slide10.xml><?xml version="1.0" encoding="utf-8"?>
 <p:sld xmlns:a="http://schemas.openxmlformats.org/drawingml/2006/main" xmlns:r="http://schemas.openxmlformats.org/officeDocument/2006/relationships" xmlns:p="http://schemas.openxmlformats.org/presentationml/2006/main">
   <p:cSld>
     <p:spTree>
@@ -3915,1825 +3785,6 @@
           <a:chExt cx="0" cy="0"/>
         </a:xfrm>
       </p:grpSpPr>
-      <p:grpSp>
-        <p:nvGrpSpPr>
-          <p:cNvPr id="17" name="Group 16"/>
-          <p:cNvGrpSpPr/>
-          <p:nvPr/>
-        </p:nvGrpSpPr>
-        <p:grpSpPr>
-          <a:xfrm>
-            <a:off x="827584" y="1484784"/>
-            <a:ext cx="7488832" cy="3888432"/>
-            <a:chOff x="1187624" y="476672"/>
-            <a:chExt cx="6984776" cy="3528392"/>
-          </a:xfrm>
-        </p:grpSpPr>
-        <p:grpSp>
-          <p:nvGrpSpPr>
-            <p:cNvPr id="12" name="Group 11"/>
-            <p:cNvGrpSpPr/>
-            <p:nvPr/>
-          </p:nvGrpSpPr>
-          <p:grpSpPr>
-            <a:xfrm>
-              <a:off x="1187624" y="476672"/>
-              <a:ext cx="6984776" cy="3528392"/>
-              <a:chOff x="1115616" y="404664"/>
-              <a:chExt cx="6984776" cy="3528392"/>
-            </a:xfrm>
-          </p:grpSpPr>
-          <p:grpSp>
-            <p:nvGrpSpPr>
-              <p:cNvPr id="10" name="Group 9"/>
-              <p:cNvGrpSpPr/>
-              <p:nvPr/>
-            </p:nvGrpSpPr>
-            <p:grpSpPr>
-              <a:xfrm>
-                <a:off x="1115616" y="404664"/>
-                <a:ext cx="6984776" cy="3528392"/>
-                <a:chOff x="1259632" y="548680"/>
-                <a:chExt cx="6984776" cy="2952328"/>
-              </a:xfrm>
-            </p:grpSpPr>
-            <p:sp>
-              <p:nvSpPr>
-                <p:cNvPr id="4" name="Rectangle 3"/>
-                <p:cNvSpPr/>
-                <p:nvPr/>
-              </p:nvSpPr>
-              <p:spPr>
-                <a:xfrm>
-                  <a:off x="1259632" y="548680"/>
-                  <a:ext cx="6984776" cy="2952328"/>
-                </a:xfrm>
-                <a:prstGeom prst="rect">
-                  <a:avLst/>
-                </a:prstGeom>
-              </p:spPr>
-              <p:style>
-                <a:lnRef idx="2">
-                  <a:schemeClr val="accent1">
-                    <a:shade val="50000"/>
-                  </a:schemeClr>
-                </a:lnRef>
-                <a:fillRef idx="1">
-                  <a:schemeClr val="accent1"/>
-                </a:fillRef>
-                <a:effectRef idx="0">
-                  <a:schemeClr val="accent1"/>
-                </a:effectRef>
-                <a:fontRef idx="minor">
-                  <a:schemeClr val="lt1"/>
-                </a:fontRef>
-              </p:style>
-              <p:txBody>
-                <a:bodyPr rtlCol="0" anchor="ctr"/>
-                <a:lstStyle/>
-                <a:p>
-                  <a:pPr algn="ctr"/>
-                  <a:endParaRPr lang="en-GB" b="1" dirty="0">
-                    <a:solidFill>
-                      <a:schemeClr val="tx1"/>
-                    </a:solidFill>
-                  </a:endParaRPr>
-                </a:p>
-              </p:txBody>
-            </p:sp>
-            <p:sp>
-              <p:nvSpPr>
-                <p:cNvPr id="5" name="Rectangle 4"/>
-                <p:cNvSpPr/>
-                <p:nvPr/>
-              </p:nvSpPr>
-              <p:spPr>
-                <a:xfrm>
-                  <a:off x="1259632" y="548680"/>
-                  <a:ext cx="6984776" cy="648072"/>
-                </a:xfrm>
-                <a:prstGeom prst="rect">
-                  <a:avLst/>
-                </a:prstGeom>
-                <a:solidFill>
-                  <a:srgbClr val="FF0000"/>
-                </a:solidFill>
-              </p:spPr>
-              <p:style>
-                <a:lnRef idx="2">
-                  <a:schemeClr val="accent1">
-                    <a:shade val="50000"/>
-                  </a:schemeClr>
-                </a:lnRef>
-                <a:fillRef idx="1">
-                  <a:schemeClr val="accent1"/>
-                </a:fillRef>
-                <a:effectRef idx="0">
-                  <a:schemeClr val="accent1"/>
-                </a:effectRef>
-                <a:fontRef idx="minor">
-                  <a:schemeClr val="lt1"/>
-                </a:fontRef>
-              </p:style>
-              <p:txBody>
-                <a:bodyPr rtlCol="0" anchor="ctr"/>
-                <a:lstStyle/>
-                <a:p>
-                  <a:pPr algn="ctr"/>
-                  <a:r>
-                    <a:rPr lang="hu-HU" sz="2000" b="1" dirty="0" smtClean="0">
-                      <a:solidFill>
-                        <a:schemeClr val="tx1"/>
-                      </a:solidFill>
-                    </a:rPr>
-                    <a:t>Fejléc</a:t>
-                  </a:r>
-                  <a:endParaRPr lang="en-GB" sz="2000" b="1" dirty="0">
-                    <a:solidFill>
-                      <a:schemeClr val="tx1"/>
-                    </a:solidFill>
-                  </a:endParaRPr>
-                </a:p>
-              </p:txBody>
-            </p:sp>
-            <p:sp>
-              <p:nvSpPr>
-                <p:cNvPr id="6" name="Rectangle 5"/>
-                <p:cNvSpPr/>
-                <p:nvPr/>
-              </p:nvSpPr>
-              <p:spPr>
-                <a:xfrm>
-                  <a:off x="1259632" y="1196752"/>
-                  <a:ext cx="6984776" cy="288032"/>
-                </a:xfrm>
-                <a:prstGeom prst="rect">
-                  <a:avLst/>
-                </a:prstGeom>
-                <a:solidFill>
-                  <a:srgbClr val="FFFF00"/>
-                </a:solidFill>
-              </p:spPr>
-              <p:style>
-                <a:lnRef idx="2">
-                  <a:schemeClr val="accent1">
-                    <a:shade val="50000"/>
-                  </a:schemeClr>
-                </a:lnRef>
-                <a:fillRef idx="1">
-                  <a:schemeClr val="accent1"/>
-                </a:fillRef>
-                <a:effectRef idx="0">
-                  <a:schemeClr val="accent1"/>
-                </a:effectRef>
-                <a:fontRef idx="minor">
-                  <a:schemeClr val="lt1"/>
-                </a:fontRef>
-              </p:style>
-              <p:txBody>
-                <a:bodyPr rtlCol="0" anchor="ctr"/>
-                <a:lstStyle/>
-                <a:p>
-                  <a:pPr algn="ctr"/>
-                  <a:r>
-                    <a:rPr lang="hu-HU" b="1" dirty="0" smtClean="0">
-                      <a:solidFill>
-                        <a:schemeClr val="tx1"/>
-                      </a:solidFill>
-                    </a:rPr>
-                    <a:t>Menüsor</a:t>
-                  </a:r>
-                  <a:endParaRPr lang="en-GB" b="1" dirty="0">
-                    <a:solidFill>
-                      <a:schemeClr val="tx1"/>
-                    </a:solidFill>
-                  </a:endParaRPr>
-                </a:p>
-              </p:txBody>
-            </p:sp>
-            <p:sp>
-              <p:nvSpPr>
-                <p:cNvPr id="7" name="Rectangle 6"/>
-                <p:cNvSpPr/>
-                <p:nvPr/>
-              </p:nvSpPr>
-              <p:spPr>
-                <a:xfrm>
-                  <a:off x="1259632" y="1484784"/>
-                  <a:ext cx="1224136" cy="1728192"/>
-                </a:xfrm>
-                <a:prstGeom prst="rect">
-                  <a:avLst/>
-                </a:prstGeom>
-                <a:solidFill>
-                  <a:srgbClr val="00B050"/>
-                </a:solidFill>
-              </p:spPr>
-              <p:style>
-                <a:lnRef idx="2">
-                  <a:schemeClr val="accent1">
-                    <a:shade val="50000"/>
-                  </a:schemeClr>
-                </a:lnRef>
-                <a:fillRef idx="1">
-                  <a:schemeClr val="accent1"/>
-                </a:fillRef>
-                <a:effectRef idx="0">
-                  <a:schemeClr val="accent1"/>
-                </a:effectRef>
-                <a:fontRef idx="minor">
-                  <a:schemeClr val="lt1"/>
-                </a:fontRef>
-              </p:style>
-              <p:txBody>
-                <a:bodyPr rtlCol="0" anchor="ctr"/>
-                <a:lstStyle/>
-                <a:p>
-                  <a:pPr algn="ctr"/>
-                  <a:r>
-                    <a:rPr lang="hu-HU" b="1" dirty="0" smtClean="0">
-                      <a:solidFill>
-                        <a:schemeClr val="tx1"/>
-                      </a:solidFill>
-                    </a:rPr>
-                    <a:t>Helyi menü</a:t>
-                  </a:r>
-                  <a:endParaRPr lang="en-GB" b="1" dirty="0">
-                    <a:solidFill>
-                      <a:schemeClr val="tx1"/>
-                    </a:solidFill>
-                  </a:endParaRPr>
-                </a:p>
-              </p:txBody>
-            </p:sp>
-            <p:sp>
-              <p:nvSpPr>
-                <p:cNvPr id="8" name="Rectangle 7"/>
-                <p:cNvSpPr/>
-                <p:nvPr/>
-              </p:nvSpPr>
-              <p:spPr>
-                <a:xfrm>
-                  <a:off x="7020272" y="1484784"/>
-                  <a:ext cx="1224136" cy="1728192"/>
-                </a:xfrm>
-                <a:prstGeom prst="rect">
-                  <a:avLst/>
-                </a:prstGeom>
-                <a:solidFill>
-                  <a:srgbClr val="00B050"/>
-                </a:solidFill>
-              </p:spPr>
-              <p:style>
-                <a:lnRef idx="2">
-                  <a:schemeClr val="accent1">
-                    <a:shade val="50000"/>
-                  </a:schemeClr>
-                </a:lnRef>
-                <a:fillRef idx="1">
-                  <a:schemeClr val="accent1"/>
-                </a:fillRef>
-                <a:effectRef idx="0">
-                  <a:schemeClr val="accent1"/>
-                </a:effectRef>
-                <a:fontRef idx="minor">
-                  <a:schemeClr val="lt1"/>
-                </a:fontRef>
-              </p:style>
-              <p:txBody>
-                <a:bodyPr rtlCol="0" anchor="ctr"/>
-                <a:lstStyle/>
-                <a:p>
-                  <a:pPr algn="ctr"/>
-                  <a:r>
-                    <a:rPr lang="hu-HU" b="1" dirty="0" smtClean="0">
-                      <a:solidFill>
-                        <a:schemeClr val="tx1"/>
-                      </a:solidFill>
-                    </a:rPr>
-                    <a:t>Kiegészítő tartalom</a:t>
-                  </a:r>
-                  <a:endParaRPr lang="en-GB" b="1" dirty="0">
-                    <a:solidFill>
-                      <a:schemeClr val="tx1"/>
-                    </a:solidFill>
-                  </a:endParaRPr>
-                </a:p>
-              </p:txBody>
-            </p:sp>
-            <p:sp>
-              <p:nvSpPr>
-                <p:cNvPr id="9" name="Rectangle 8"/>
-                <p:cNvSpPr/>
-                <p:nvPr/>
-              </p:nvSpPr>
-              <p:spPr>
-                <a:xfrm>
-                  <a:off x="1259632" y="3212976"/>
-                  <a:ext cx="6984776" cy="288032"/>
-                </a:xfrm>
-                <a:prstGeom prst="rect">
-                  <a:avLst/>
-                </a:prstGeom>
-                <a:solidFill>
-                  <a:schemeClr val="accent5">
-                    <a:lumMod val="40000"/>
-                    <a:lumOff val="60000"/>
-                  </a:schemeClr>
-                </a:solidFill>
-              </p:spPr>
-              <p:style>
-                <a:lnRef idx="2">
-                  <a:schemeClr val="accent1">
-                    <a:shade val="50000"/>
-                  </a:schemeClr>
-                </a:lnRef>
-                <a:fillRef idx="1">
-                  <a:schemeClr val="accent1"/>
-                </a:fillRef>
-                <a:effectRef idx="0">
-                  <a:schemeClr val="accent1"/>
-                </a:effectRef>
-                <a:fontRef idx="minor">
-                  <a:schemeClr val="lt1"/>
-                </a:fontRef>
-              </p:style>
-              <p:txBody>
-                <a:bodyPr rtlCol="0" anchor="ctr"/>
-                <a:lstStyle/>
-                <a:p>
-                  <a:pPr algn="ctr"/>
-                  <a:r>
-                    <a:rPr lang="hu-HU" b="1" dirty="0" smtClean="0">
-                      <a:solidFill>
-                        <a:schemeClr val="tx1"/>
-                      </a:solidFill>
-                    </a:rPr>
-                    <a:t>Lábléc</a:t>
-                  </a:r>
-                  <a:endParaRPr lang="en-GB" b="1" dirty="0">
-                    <a:solidFill>
-                      <a:schemeClr val="tx1"/>
-                    </a:solidFill>
-                  </a:endParaRPr>
-                </a:p>
-              </p:txBody>
-            </p:sp>
-          </p:grpSp>
-          <p:sp>
-            <p:nvSpPr>
-              <p:cNvPr id="11" name="Rectangle 10"/>
-              <p:cNvSpPr/>
-              <p:nvPr/>
-            </p:nvSpPr>
-            <p:spPr>
-              <a:xfrm>
-                <a:off x="2339752" y="1515454"/>
-                <a:ext cx="4536504" cy="2057562"/>
-              </a:xfrm>
-              <a:prstGeom prst="rect">
-                <a:avLst/>
-              </a:prstGeom>
-            </p:spPr>
-            <p:style>
-              <a:lnRef idx="2">
-                <a:schemeClr val="accent1">
-                  <a:shade val="50000"/>
-                </a:schemeClr>
-              </a:lnRef>
-              <a:fillRef idx="1">
-                <a:schemeClr val="accent1"/>
-              </a:fillRef>
-              <a:effectRef idx="0">
-                <a:schemeClr val="accent1"/>
-              </a:effectRef>
-              <a:fontRef idx="minor">
-                <a:schemeClr val="lt1"/>
-              </a:fontRef>
-            </p:style>
-            <p:txBody>
-              <a:bodyPr rtlCol="0" anchor="ctr"/>
-              <a:lstStyle/>
-              <a:p>
-                <a:pPr algn="ctr"/>
-                <a:r>
-                  <a:rPr lang="hu-HU" b="1" dirty="0" smtClean="0">
-                    <a:solidFill>
-                      <a:schemeClr val="tx1"/>
-                    </a:solidFill>
-                  </a:rPr>
-                  <a:t>Tartalom</a:t>
-                </a:r>
-                <a:endParaRPr lang="en-GB" b="1" dirty="0">
-                  <a:solidFill>
-                    <a:schemeClr val="tx1"/>
-                  </a:solidFill>
-                </a:endParaRPr>
-              </a:p>
-            </p:txBody>
-          </p:sp>
-        </p:grpSp>
-        <p:pic>
-          <p:nvPicPr>
-            <p:cNvPr id="13" name="Kép 11"/>
-            <p:cNvPicPr>
-              <a:picLocks noChangeAspect="1"/>
-            </p:cNvPicPr>
-            <p:nvPr/>
-          </p:nvPicPr>
-          <p:blipFill>
-            <a:blip r:embed="rId2" cstate="print">
-              <a:extLst>
-                <a:ext uri="{28A0092B-C50C-407E-A947-70E740481C1C}">
-                  <a14:useLocalDpi xmlns="" xmlns:a14="http://schemas.microsoft.com/office/drawing/2010/main" val="0"/>
-                </a:ext>
-              </a:extLst>
-            </a:blip>
-            <a:srcRect r="69230" b="-11533"/>
-            <a:stretch>
-              <a:fillRect/>
-            </a:stretch>
-          </p:blipFill>
-          <p:spPr>
-            <a:xfrm>
-              <a:off x="1259632" y="1268760"/>
-              <a:ext cx="288032" cy="288032"/>
-            </a:xfrm>
-            <a:prstGeom prst="rect">
-              <a:avLst/>
-            </a:prstGeom>
-          </p:spPr>
-        </p:pic>
-      </p:grpSp>
-      <p:sp>
-        <p:nvSpPr>
-          <p:cNvPr id="14" name="TextBox 13"/>
-          <p:cNvSpPr txBox="1"/>
-          <p:nvPr/>
-        </p:nvSpPr>
-        <p:spPr>
-          <a:xfrm>
-            <a:off x="0" y="5517232"/>
-            <a:ext cx="9144000" cy="553998"/>
-          </a:xfrm>
-          <a:prstGeom prst="rect">
-            <a:avLst/>
-          </a:prstGeom>
-          <a:noFill/>
-        </p:spPr>
-        <p:txBody>
-          <a:bodyPr wrap="square" rtlCol="0">
-            <a:spAutoFit/>
-          </a:bodyPr>
-          <a:lstStyle/>
-          <a:p>
-            <a:pPr algn="ctr"/>
-            <a:r>
-              <a:rPr lang="hu-HU" sz="3000" i="1" dirty="0" smtClean="0">
-                <a:latin typeface="Arabic Typesetting" pitchFamily="66" charset="-78"/>
-                <a:cs typeface="Arabic Typesetting" pitchFamily="66" charset="-78"/>
-              </a:rPr>
-              <a:t>A blogmotor szerkezetének terve</a:t>
-            </a:r>
-            <a:endParaRPr lang="en-GB" sz="3000" i="1" dirty="0">
-              <a:latin typeface="Arabic Typesetting" pitchFamily="66" charset="-78"/>
-              <a:cs typeface="Arabic Typesetting" pitchFamily="66" charset="-78"/>
-            </a:endParaRPr>
-          </a:p>
-        </p:txBody>
-      </p:sp>
-    </p:spTree>
-  </p:cSld>
-  <p:clrMapOvr>
-    <a:masterClrMapping/>
-  </p:clrMapOvr>
-  <p:timing>
-    <p:tnLst>
-      <p:par>
-        <p:cTn id="1" dur="indefinite" restart="never" nodeType="tmRoot"/>
-      </p:par>
-    </p:tnLst>
-  </p:timing>
-</p:sld>
-</file>
-
-<file path=ppt/slides/slide11.xml><?xml version="1.0" encoding="utf-8"?>
-<p:sld xmlns:a="http://schemas.openxmlformats.org/drawingml/2006/main" xmlns:r="http://schemas.openxmlformats.org/officeDocument/2006/relationships" xmlns:p="http://schemas.openxmlformats.org/presentationml/2006/main">
-  <p:cSld>
-    <p:spTree>
-      <p:nvGrpSpPr>
-        <p:cNvPr id="1" name=""/>
-        <p:cNvGrpSpPr/>
-        <p:nvPr/>
-      </p:nvGrpSpPr>
-      <p:grpSpPr>
-        <a:xfrm>
-          <a:off x="0" y="0"/>
-          <a:ext cx="0" cy="0"/>
-          <a:chOff x="0" y="0"/>
-          <a:chExt cx="0" cy="0"/>
-        </a:xfrm>
-      </p:grpSpPr>
-      <p:pic>
-        <p:nvPicPr>
-          <p:cNvPr id="4" name="Picture 2" descr="C:\Users\Gelcsi\Desktop\w3suli\Screenshot from 2016-03-19 14_54_06.png"/>
-          <p:cNvPicPr>
-            <a:picLocks noChangeAspect="1" noChangeArrowheads="1"/>
-          </p:cNvPicPr>
-          <p:nvPr/>
-        </p:nvPicPr>
-        <p:blipFill>
-          <a:blip r:embed="rId2" cstate="print"/>
-          <a:srcRect/>
-          <a:stretch>
-            <a:fillRect/>
-          </a:stretch>
-        </p:blipFill>
-        <p:spPr bwMode="auto">
-          <a:xfrm>
-            <a:off x="539552" y="1628800"/>
-            <a:ext cx="8064896" cy="3562045"/>
-          </a:xfrm>
-          <a:prstGeom prst="rect">
-            <a:avLst/>
-          </a:prstGeom>
-          <a:ln w="38100" cap="sq">
-            <a:solidFill>
-              <a:srgbClr val="000000"/>
-            </a:solidFill>
-            <a:prstDash val="solid"/>
-            <a:miter lim="800000"/>
-          </a:ln>
-          <a:effectLst>
-            <a:outerShdw blurRad="50800" dist="38100" dir="2700000" algn="tl" rotWithShape="0">
-              <a:srgbClr val="000000">
-                <a:alpha val="43000"/>
-              </a:srgbClr>
-            </a:outerShdw>
-          </a:effectLst>
-        </p:spPr>
-      </p:pic>
-      <p:sp>
-        <p:nvSpPr>
-          <p:cNvPr id="5" name="TextBox 4"/>
-          <p:cNvSpPr txBox="1"/>
-          <p:nvPr/>
-        </p:nvSpPr>
-        <p:spPr>
-          <a:xfrm>
-            <a:off x="0" y="5517232"/>
-            <a:ext cx="9144000" cy="553998"/>
-          </a:xfrm>
-          <a:prstGeom prst="rect">
-            <a:avLst/>
-          </a:prstGeom>
-          <a:noFill/>
-        </p:spPr>
-        <p:txBody>
-          <a:bodyPr wrap="square" rtlCol="0">
-            <a:spAutoFit/>
-          </a:bodyPr>
-          <a:lstStyle/>
-          <a:p>
-            <a:pPr algn="ctr"/>
-            <a:r>
-              <a:rPr lang="hu-HU" sz="3000" i="1" dirty="0" smtClean="0">
-                <a:latin typeface="Arabic Typesetting" pitchFamily="66" charset="-78"/>
-                <a:cs typeface="Arabic Typesetting" pitchFamily="66" charset="-78"/>
-              </a:rPr>
-              <a:t>A blogmotor szerkezetének megvalósítása</a:t>
-            </a:r>
-            <a:endParaRPr lang="en-GB" sz="3000" i="1" dirty="0">
-              <a:latin typeface="Arabic Typesetting" pitchFamily="66" charset="-78"/>
-              <a:cs typeface="Arabic Typesetting" pitchFamily="66" charset="-78"/>
-            </a:endParaRPr>
-          </a:p>
-        </p:txBody>
-      </p:sp>
-    </p:spTree>
-  </p:cSld>
-  <p:clrMapOvr>
-    <a:masterClrMapping/>
-  </p:clrMapOvr>
-  <p:timing>
-    <p:tnLst>
-      <p:par>
-        <p:cTn id="1" dur="indefinite" restart="never" nodeType="tmRoot"/>
-      </p:par>
-    </p:tnLst>
-  </p:timing>
-</p:sld>
-</file>
-
-<file path=ppt/slides/slide12.xml><?xml version="1.0" encoding="utf-8"?>
-<p:sld xmlns:a="http://schemas.openxmlformats.org/drawingml/2006/main" xmlns:r="http://schemas.openxmlformats.org/officeDocument/2006/relationships" xmlns:p="http://schemas.openxmlformats.org/presentationml/2006/main">
-  <p:cSld>
-    <p:spTree>
-      <p:nvGrpSpPr>
-        <p:cNvPr id="1" name=""/>
-        <p:cNvGrpSpPr/>
-        <p:nvPr/>
-      </p:nvGrpSpPr>
-      <p:grpSpPr>
-        <a:xfrm>
-          <a:off x="0" y="0"/>
-          <a:ext cx="0" cy="0"/>
-          <a:chOff x="0" y="0"/>
-          <a:chExt cx="0" cy="0"/>
-        </a:xfrm>
-      </p:grpSpPr>
-      <p:pic>
-        <p:nvPicPr>
-          <p:cNvPr id="4" name="Picture 2" descr="C:\Users\Gelcsi\Desktop\w3suli\Screenshot from 2016-03-19 14_06_47.png"/>
-          <p:cNvPicPr>
-            <a:picLocks noChangeAspect="1" noChangeArrowheads="1"/>
-          </p:cNvPicPr>
-          <p:nvPr/>
-        </p:nvPicPr>
-        <p:blipFill>
-          <a:blip r:embed="rId2" cstate="print"/>
-          <a:srcRect/>
-          <a:stretch>
-            <a:fillRect/>
-          </a:stretch>
-        </p:blipFill>
-        <p:spPr bwMode="auto">
-          <a:xfrm>
-            <a:off x="611560" y="1484784"/>
-            <a:ext cx="7975878" cy="3888432"/>
-          </a:xfrm>
-          <a:prstGeom prst="rect">
-            <a:avLst/>
-          </a:prstGeom>
-          <a:ln w="38100" cap="sq">
-            <a:solidFill>
-              <a:srgbClr val="000000"/>
-            </a:solidFill>
-            <a:prstDash val="solid"/>
-            <a:miter lim="800000"/>
-          </a:ln>
-          <a:effectLst>
-            <a:outerShdw blurRad="50800" dist="38100" dir="2700000" algn="tl" rotWithShape="0">
-              <a:srgbClr val="000000">
-                <a:alpha val="43000"/>
-              </a:srgbClr>
-            </a:outerShdw>
-          </a:effectLst>
-        </p:spPr>
-      </p:pic>
-      <p:sp>
-        <p:nvSpPr>
-          <p:cNvPr id="5" name="TextBox 4"/>
-          <p:cNvSpPr txBox="1"/>
-          <p:nvPr/>
-        </p:nvSpPr>
-        <p:spPr>
-          <a:xfrm>
-            <a:off x="0" y="5517232"/>
-            <a:ext cx="9144000" cy="553998"/>
-          </a:xfrm>
-          <a:prstGeom prst="rect">
-            <a:avLst/>
-          </a:prstGeom>
-          <a:noFill/>
-        </p:spPr>
-        <p:txBody>
-          <a:bodyPr wrap="square" rtlCol="0">
-            <a:spAutoFit/>
-          </a:bodyPr>
-          <a:lstStyle/>
-          <a:p>
-            <a:pPr algn="ctr"/>
-            <a:r>
-              <a:rPr lang="hu-HU" sz="3000" i="1" dirty="0" smtClean="0">
-                <a:latin typeface="Arabic Typesetting" pitchFamily="66" charset="-78"/>
-                <a:cs typeface="Arabic Typesetting" pitchFamily="66" charset="-78"/>
-              </a:rPr>
-              <a:t>A blogmotor szerkezetének kódja</a:t>
-            </a:r>
-            <a:endParaRPr lang="en-GB" sz="3000" i="1" dirty="0">
-              <a:latin typeface="Arabic Typesetting" pitchFamily="66" charset="-78"/>
-              <a:cs typeface="Arabic Typesetting" pitchFamily="66" charset="-78"/>
-            </a:endParaRPr>
-          </a:p>
-        </p:txBody>
-      </p:sp>
-    </p:spTree>
-  </p:cSld>
-  <p:clrMapOvr>
-    <a:masterClrMapping/>
-  </p:clrMapOvr>
-  <p:timing>
-    <p:tnLst>
-      <p:par>
-        <p:cTn id="1" dur="indefinite" restart="never" nodeType="tmRoot"/>
-      </p:par>
-    </p:tnLst>
-  </p:timing>
-</p:sld>
-</file>
-
-<file path=ppt/slides/slide13.xml><?xml version="1.0" encoding="utf-8"?>
-<p:sld xmlns:a="http://schemas.openxmlformats.org/drawingml/2006/main" xmlns:r="http://schemas.openxmlformats.org/officeDocument/2006/relationships" xmlns:p="http://schemas.openxmlformats.org/presentationml/2006/main">
-  <p:cSld>
-    <p:spTree>
-      <p:nvGrpSpPr>
-        <p:cNvPr id="1" name=""/>
-        <p:cNvGrpSpPr/>
-        <p:nvPr/>
-      </p:nvGrpSpPr>
-      <p:grpSpPr>
-        <a:xfrm>
-          <a:off x="0" y="0"/>
-          <a:ext cx="0" cy="0"/>
-          <a:chOff x="0" y="0"/>
-          <a:chExt cx="0" cy="0"/>
-        </a:xfrm>
-      </p:grpSpPr>
-      <p:sp>
-        <p:nvSpPr>
-          <p:cNvPr id="2" name="Title 1"/>
-          <p:cNvSpPr>
-            <a:spLocks noGrp="1"/>
-          </p:cNvSpPr>
-          <p:nvPr>
-            <p:ph type="title"/>
-          </p:nvPr>
-        </p:nvSpPr>
-        <p:spPr/>
-        <p:txBody>
-          <a:bodyPr>
-            <a:normAutofit/>
-          </a:bodyPr>
-          <a:lstStyle/>
-          <a:p>
-            <a:r>
-              <a:rPr lang="hu-HU" sz="6000" b="1" dirty="0" smtClean="0">
-                <a:latin typeface="Arabic Typesetting" pitchFamily="66" charset="-78"/>
-                <a:cs typeface="Arabic Typesetting" pitchFamily="66" charset="-78"/>
-              </a:rPr>
-              <a:t>CSS</a:t>
-            </a:r>
-            <a:endParaRPr lang="en-GB" sz="6000" b="1" dirty="0">
-              <a:latin typeface="Arabic Typesetting" pitchFamily="66" charset="-78"/>
-              <a:cs typeface="Arabic Typesetting" pitchFamily="66" charset="-78"/>
-            </a:endParaRPr>
-          </a:p>
-        </p:txBody>
-      </p:sp>
-      <p:sp>
-        <p:nvSpPr>
-          <p:cNvPr id="5" name="Content Placeholder 2"/>
-          <p:cNvSpPr>
-            <a:spLocks noGrp="1"/>
-          </p:cNvSpPr>
-          <p:nvPr>
-            <p:ph idx="1"/>
-          </p:nvPr>
-        </p:nvSpPr>
-        <p:spPr>
-          <a:xfrm>
-            <a:off x="457200" y="1600200"/>
-            <a:ext cx="8363272" cy="4525963"/>
-          </a:xfrm>
-        </p:spPr>
-        <p:txBody>
-          <a:bodyPr>
-            <a:normAutofit/>
-          </a:bodyPr>
-          <a:lstStyle/>
-          <a:p>
-            <a:r>
-              <a:rPr lang="hu-HU" sz="3000" dirty="0" smtClean="0">
-                <a:latin typeface="Arabic Typesetting" pitchFamily="66" charset="-78"/>
-                <a:cs typeface="Arabic Typesetting" pitchFamily="66" charset="-78"/>
-              </a:rPr>
-              <a:t>blogmotor kinézetének/stílusának kialakítása</a:t>
-            </a:r>
-          </a:p>
-          <a:p>
-            <a:pPr lvl="1"/>
-            <a:r>
-              <a:rPr lang="hu-HU" dirty="0" smtClean="0">
-                <a:latin typeface="Arabic Typesetting" pitchFamily="66" charset="-78"/>
-                <a:cs typeface="Arabic Typesetting" pitchFamily="66" charset="-78"/>
-              </a:rPr>
-              <a:t>a felhasználó több – előre elkészített – stíluslapból választhat</a:t>
-            </a:r>
-          </a:p>
-          <a:p>
-            <a:pPr lvl="2"/>
-            <a:r>
-              <a:rPr lang="hu-HU" sz="2800" dirty="0" smtClean="0">
-                <a:latin typeface="Arabic Typesetting" pitchFamily="66" charset="-78"/>
-                <a:cs typeface="Arabic Typesetting" pitchFamily="66" charset="-78"/>
-              </a:rPr>
-              <a:t>a megjelenítő eszköz felbontásához illeszkedik (reszponzív)</a:t>
-            </a:r>
-          </a:p>
-          <a:p>
-            <a:pPr lvl="2"/>
-            <a:r>
-              <a:rPr lang="hu-HU" sz="2800" dirty="0" smtClean="0">
-                <a:latin typeface="Arabic Typesetting" pitchFamily="66" charset="-78"/>
-                <a:cs typeface="Arabic Typesetting" pitchFamily="66" charset="-78"/>
-              </a:rPr>
-              <a:t>akadálymentesített</a:t>
-            </a:r>
-          </a:p>
-          <a:p>
-            <a:pPr lvl="1"/>
-            <a:endParaRPr lang="hu-HU" sz="2600" dirty="0" smtClean="0">
-              <a:latin typeface="Arabic Typesetting" pitchFamily="66" charset="-78"/>
-              <a:cs typeface="Arabic Typesetting" pitchFamily="66" charset="-78"/>
-            </a:endParaRPr>
-          </a:p>
-        </p:txBody>
-      </p:sp>
-      <p:pic>
-        <p:nvPicPr>
-          <p:cNvPr id="4" name="Kép 3"/>
-          <p:cNvPicPr>
-            <a:picLocks noChangeAspect="1"/>
-          </p:cNvPicPr>
-          <p:nvPr/>
-        </p:nvPicPr>
-        <p:blipFill>
-          <a:blip r:embed="rId2" cstate="print">
-            <a:extLst>
-              <a:ext uri="{28A0092B-C50C-407E-A947-70E740481C1C}">
-                <a14:useLocalDpi xmlns="" xmlns:a14="http://schemas.microsoft.com/office/drawing/2010/main" val="0"/>
-              </a:ext>
-            </a:extLst>
-          </a:blip>
-          <a:stretch>
-            <a:fillRect/>
-          </a:stretch>
-        </p:blipFill>
-        <p:spPr>
-          <a:xfrm>
-            <a:off x="539552" y="3861048"/>
-            <a:ext cx="8028384" cy="1749412"/>
-          </a:xfrm>
-          <a:prstGeom prst="rect">
-            <a:avLst/>
-          </a:prstGeom>
-          <a:ln w="38100" cap="sq">
-            <a:solidFill>
-              <a:srgbClr val="000000"/>
-            </a:solidFill>
-            <a:prstDash val="solid"/>
-            <a:miter lim="800000"/>
-          </a:ln>
-          <a:effectLst>
-            <a:outerShdw blurRad="50800" dist="38100" dir="2700000" algn="tl" rotWithShape="0">
-              <a:srgbClr val="000000">
-                <a:alpha val="43000"/>
-              </a:srgbClr>
-            </a:outerShdw>
-          </a:effectLst>
-        </p:spPr>
-      </p:pic>
-      <p:sp>
-        <p:nvSpPr>
-          <p:cNvPr id="6" name="TextBox 5"/>
-          <p:cNvSpPr txBox="1"/>
-          <p:nvPr/>
-        </p:nvSpPr>
-        <p:spPr>
-          <a:xfrm>
-            <a:off x="0" y="5733256"/>
-            <a:ext cx="9144000" cy="553998"/>
-          </a:xfrm>
-          <a:prstGeom prst="rect">
-            <a:avLst/>
-          </a:prstGeom>
-          <a:noFill/>
-        </p:spPr>
-        <p:txBody>
-          <a:bodyPr wrap="square" rtlCol="0">
-            <a:spAutoFit/>
-          </a:bodyPr>
-          <a:lstStyle/>
-          <a:p>
-            <a:pPr algn="ctr"/>
-            <a:r>
-              <a:rPr lang="hu-HU" sz="3000" i="1" dirty="0" smtClean="0">
-                <a:latin typeface="Arabic Typesetting" pitchFamily="66" charset="-78"/>
-                <a:cs typeface="Arabic Typesetting" pitchFamily="66" charset="-78"/>
-              </a:rPr>
-              <a:t>A blogmotor stílusának kialakítása  </a:t>
-            </a:r>
-            <a:endParaRPr lang="en-GB" sz="3000" i="1" dirty="0">
-              <a:latin typeface="Arabic Typesetting" pitchFamily="66" charset="-78"/>
-              <a:cs typeface="Arabic Typesetting" pitchFamily="66" charset="-78"/>
-            </a:endParaRPr>
-          </a:p>
-        </p:txBody>
-      </p:sp>
-    </p:spTree>
-  </p:cSld>
-  <p:clrMapOvr>
-    <a:masterClrMapping/>
-  </p:clrMapOvr>
-  <p:timing>
-    <p:tnLst>
-      <p:par>
-        <p:cTn id="1" dur="indefinite" restart="never" nodeType="tmRoot"/>
-      </p:par>
-    </p:tnLst>
-  </p:timing>
-</p:sld>
-</file>
-
-<file path=ppt/slides/slide14.xml><?xml version="1.0" encoding="utf-8"?>
-<p:sld xmlns:a="http://schemas.openxmlformats.org/drawingml/2006/main" xmlns:r="http://schemas.openxmlformats.org/officeDocument/2006/relationships" xmlns:p="http://schemas.openxmlformats.org/presentationml/2006/main">
-  <p:cSld>
-    <p:spTree>
-      <p:nvGrpSpPr>
-        <p:cNvPr id="1" name=""/>
-        <p:cNvGrpSpPr/>
-        <p:nvPr/>
-      </p:nvGrpSpPr>
-      <p:grpSpPr>
-        <a:xfrm>
-          <a:off x="0" y="0"/>
-          <a:ext cx="0" cy="0"/>
-          <a:chOff x="0" y="0"/>
-          <a:chExt cx="0" cy="0"/>
-        </a:xfrm>
-      </p:grpSpPr>
-      <p:sp>
-        <p:nvSpPr>
-          <p:cNvPr id="2" name="Title 1"/>
-          <p:cNvSpPr>
-            <a:spLocks noGrp="1"/>
-          </p:cNvSpPr>
-          <p:nvPr>
-            <p:ph type="title"/>
-          </p:nvPr>
-        </p:nvSpPr>
-        <p:spPr/>
-        <p:txBody>
-          <a:bodyPr>
-            <a:normAutofit/>
-          </a:bodyPr>
-          <a:lstStyle/>
-          <a:p>
-            <a:r>
-              <a:rPr lang="hu-HU" sz="6000" b="1" dirty="0" smtClean="0">
-                <a:latin typeface="Arabic Typesetting" pitchFamily="66" charset="-78"/>
-                <a:cs typeface="Arabic Typesetting" pitchFamily="66" charset="-78"/>
-              </a:rPr>
-              <a:t>PHP</a:t>
-            </a:r>
-            <a:endParaRPr lang="en-GB" sz="6000" b="1" dirty="0">
-              <a:latin typeface="Arabic Typesetting" pitchFamily="66" charset="-78"/>
-              <a:cs typeface="Arabic Typesetting" pitchFamily="66" charset="-78"/>
-            </a:endParaRPr>
-          </a:p>
-        </p:txBody>
-      </p:sp>
-      <p:sp>
-        <p:nvSpPr>
-          <p:cNvPr id="4" name="Content Placeholder 2"/>
-          <p:cNvSpPr>
-            <a:spLocks noGrp="1"/>
-          </p:cNvSpPr>
-          <p:nvPr>
-            <p:ph idx="1"/>
-          </p:nvPr>
-        </p:nvSpPr>
-        <p:spPr>
-          <a:xfrm>
-            <a:off x="457200" y="1600200"/>
-            <a:ext cx="8363272" cy="4525963"/>
-          </a:xfrm>
-        </p:spPr>
-        <p:txBody>
-          <a:bodyPr>
-            <a:normAutofit/>
-          </a:bodyPr>
-          <a:lstStyle/>
-          <a:p>
-            <a:r>
-              <a:rPr lang="hu-HU" sz="3000" dirty="0" smtClean="0">
-                <a:latin typeface="Arabic Typesetting" pitchFamily="66" charset="-78"/>
-                <a:cs typeface="Arabic Typesetting" pitchFamily="66" charset="-78"/>
-              </a:rPr>
-              <a:t>az űrlapokkal elküldött adatok feldolgozása</a:t>
-            </a:r>
-          </a:p>
-          <a:p>
-            <a:pPr lvl="1"/>
-            <a:r>
-              <a:rPr lang="hu-HU" dirty="0" smtClean="0">
-                <a:latin typeface="Arabic Typesetting" pitchFamily="66" charset="-78"/>
-                <a:cs typeface="Arabic Typesetting" pitchFamily="66" charset="-78"/>
-              </a:rPr>
-              <a:t>felhasználók kezelése (regisztráció, bejelentkezés, kijelentkezés)</a:t>
-            </a:r>
-          </a:p>
-          <a:p>
-            <a:pPr lvl="1"/>
-            <a:r>
-              <a:rPr lang="hu-HU" dirty="0" smtClean="0">
-                <a:latin typeface="Arabic Typesetting" pitchFamily="66" charset="-78"/>
-                <a:cs typeface="Arabic Typesetting" pitchFamily="66" charset="-78"/>
-              </a:rPr>
-              <a:t>tartalmak kezelése (létrehozás, szerkesztés, törlés)</a:t>
-            </a:r>
-          </a:p>
-          <a:p>
-            <a:r>
-              <a:rPr lang="hu-HU" sz="3000" dirty="0" smtClean="0">
-                <a:latin typeface="Arabic Typesetting" pitchFamily="66" charset="-78"/>
-                <a:cs typeface="Arabic Typesetting" pitchFamily="66" charset="-78"/>
-              </a:rPr>
-              <a:t>felhasználói szint/jogosultság vizsgálata</a:t>
-            </a:r>
-          </a:p>
-          <a:p>
-            <a:pPr lvl="1"/>
-            <a:r>
-              <a:rPr lang="hu-HU" sz="2600" dirty="0" smtClean="0">
-                <a:latin typeface="Arabic Typesetting" pitchFamily="66" charset="-78"/>
-                <a:cs typeface="Arabic Typesetting" pitchFamily="66" charset="-78"/>
-              </a:rPr>
-              <a:t>1. szint: látogató</a:t>
-            </a:r>
-          </a:p>
-          <a:p>
-            <a:pPr lvl="1"/>
-            <a:r>
-              <a:rPr lang="hu-HU" sz="2600" dirty="0" smtClean="0">
-                <a:latin typeface="Arabic Typesetting" pitchFamily="66" charset="-78"/>
-                <a:cs typeface="Arabic Typesetting" pitchFamily="66" charset="-78"/>
-              </a:rPr>
-              <a:t>2. szint: regisztrált/belépett felhasználó</a:t>
-            </a:r>
-          </a:p>
-          <a:p>
-            <a:pPr lvl="2"/>
-            <a:r>
-              <a:rPr lang="hu-HU" sz="2600" dirty="0" smtClean="0">
-                <a:latin typeface="Arabic Typesetting" pitchFamily="66" charset="-78"/>
-                <a:cs typeface="Arabic Typesetting" pitchFamily="66" charset="-78"/>
-              </a:rPr>
-              <a:t>3. szint: moderátor</a:t>
-            </a:r>
-          </a:p>
-          <a:p>
-            <a:pPr lvl="2"/>
-            <a:r>
-              <a:rPr lang="hu-HU" sz="2600" dirty="0" smtClean="0">
-                <a:latin typeface="Arabic Typesetting" pitchFamily="66" charset="-78"/>
-                <a:cs typeface="Arabic Typesetting" pitchFamily="66" charset="-78"/>
-              </a:rPr>
-              <a:t>4. szint: rendszergazda</a:t>
-            </a:r>
-          </a:p>
-          <a:p>
-            <a:pPr lvl="2"/>
-            <a:r>
-              <a:rPr lang="hu-HU" sz="2600" dirty="0" smtClean="0">
-                <a:latin typeface="Arabic Typesetting" pitchFamily="66" charset="-78"/>
-                <a:cs typeface="Arabic Typesetting" pitchFamily="66" charset="-78"/>
-              </a:rPr>
-              <a:t>5. szint: kiemelt rendszergazda</a:t>
-            </a:r>
-          </a:p>
-        </p:txBody>
-      </p:sp>
-    </p:spTree>
-  </p:cSld>
-  <p:clrMapOvr>
-    <a:masterClrMapping/>
-  </p:clrMapOvr>
-  <p:timing>
-    <p:tnLst>
-      <p:par>
-        <p:cTn id="1" dur="indefinite" restart="never" nodeType="tmRoot"/>
-      </p:par>
-    </p:tnLst>
-  </p:timing>
-</p:sld>
-</file>
-
-<file path=ppt/slides/slide15.xml><?xml version="1.0" encoding="utf-8"?>
-<p:sld xmlns:a="http://schemas.openxmlformats.org/drawingml/2006/main" xmlns:r="http://schemas.openxmlformats.org/officeDocument/2006/relationships" xmlns:p="http://schemas.openxmlformats.org/presentationml/2006/main">
-  <p:cSld>
-    <p:spTree>
-      <p:nvGrpSpPr>
-        <p:cNvPr id="1" name=""/>
-        <p:cNvGrpSpPr/>
-        <p:nvPr/>
-      </p:nvGrpSpPr>
-      <p:grpSpPr>
-        <a:xfrm>
-          <a:off x="0" y="0"/>
-          <a:ext cx="0" cy="0"/>
-          <a:chOff x="0" y="0"/>
-          <a:chExt cx="0" cy="0"/>
-        </a:xfrm>
-      </p:grpSpPr>
-      <p:pic>
-        <p:nvPicPr>
-          <p:cNvPr id="3074" name="Picture 2" descr="C:\Users\Gelcsi\Desktop\w3suli\w3kepek\Screenshot from 2016-03-19 14_54_28.png"/>
-          <p:cNvPicPr>
-            <a:picLocks noChangeAspect="1" noChangeArrowheads="1"/>
-          </p:cNvPicPr>
-          <p:nvPr/>
-        </p:nvPicPr>
-        <p:blipFill>
-          <a:blip r:embed="rId3" cstate="print"/>
-          <a:srcRect/>
-          <a:stretch>
-            <a:fillRect/>
-          </a:stretch>
-        </p:blipFill>
-        <p:spPr bwMode="auto">
-          <a:xfrm>
-            <a:off x="611560" y="1268760"/>
-            <a:ext cx="7909223" cy="4446767"/>
-          </a:xfrm>
-          <a:prstGeom prst="rect">
-            <a:avLst/>
-          </a:prstGeom>
-          <a:ln w="38100" cap="sq">
-            <a:solidFill>
-              <a:srgbClr val="000000"/>
-            </a:solidFill>
-            <a:prstDash val="solid"/>
-            <a:miter lim="800000"/>
-          </a:ln>
-          <a:effectLst>
-            <a:outerShdw blurRad="50800" dist="38100" dir="2700000" algn="tl" rotWithShape="0">
-              <a:srgbClr val="000000">
-                <a:alpha val="43000"/>
-              </a:srgbClr>
-            </a:outerShdw>
-          </a:effectLst>
-        </p:spPr>
-      </p:pic>
-      <p:sp>
-        <p:nvSpPr>
-          <p:cNvPr id="5" name="TextBox 4"/>
-          <p:cNvSpPr txBox="1"/>
-          <p:nvPr/>
-        </p:nvSpPr>
-        <p:spPr>
-          <a:xfrm>
-            <a:off x="0" y="5805264"/>
-            <a:ext cx="9144000" cy="553998"/>
-          </a:xfrm>
-          <a:prstGeom prst="rect">
-            <a:avLst/>
-          </a:prstGeom>
-          <a:noFill/>
-        </p:spPr>
-        <p:txBody>
-          <a:bodyPr wrap="square" rtlCol="0">
-            <a:spAutoFit/>
-          </a:bodyPr>
-          <a:lstStyle/>
-          <a:p>
-            <a:pPr algn="ctr"/>
-            <a:r>
-              <a:rPr lang="hu-HU" sz="3000" i="1" dirty="0" smtClean="0">
-                <a:latin typeface="Arabic Typesetting" pitchFamily="66" charset="-78"/>
-                <a:cs typeface="Arabic Typesetting" pitchFamily="66" charset="-78"/>
-              </a:rPr>
-              <a:t>Az oldal alapadatainak űrlapja </a:t>
-            </a:r>
-            <a:endParaRPr lang="en-GB" sz="3000" i="1" dirty="0">
-              <a:latin typeface="Arabic Typesetting" pitchFamily="66" charset="-78"/>
-              <a:cs typeface="Arabic Typesetting" pitchFamily="66" charset="-78"/>
-            </a:endParaRPr>
-          </a:p>
-        </p:txBody>
-      </p:sp>
-    </p:spTree>
-  </p:cSld>
-  <p:clrMapOvr>
-    <a:masterClrMapping/>
-  </p:clrMapOvr>
-  <p:timing>
-    <p:tnLst>
-      <p:par>
-        <p:cTn id="1" dur="indefinite" restart="never" nodeType="tmRoot"/>
-      </p:par>
-    </p:tnLst>
-  </p:timing>
-</p:sld>
-</file>
-
-<file path=ppt/slides/slide16.xml><?xml version="1.0" encoding="utf-8"?>
-<p:sld xmlns:a="http://schemas.openxmlformats.org/drawingml/2006/main" xmlns:r="http://schemas.openxmlformats.org/officeDocument/2006/relationships" xmlns:p="http://schemas.openxmlformats.org/presentationml/2006/main">
-  <p:cSld>
-    <p:spTree>
-      <p:nvGrpSpPr>
-        <p:cNvPr id="1" name=""/>
-        <p:cNvGrpSpPr/>
-        <p:nvPr/>
-      </p:nvGrpSpPr>
-      <p:grpSpPr>
-        <a:xfrm>
-          <a:off x="0" y="0"/>
-          <a:ext cx="0" cy="0"/>
-          <a:chOff x="0" y="0"/>
-          <a:chExt cx="0" cy="0"/>
-        </a:xfrm>
-      </p:grpSpPr>
-      <p:pic>
-        <p:nvPicPr>
-          <p:cNvPr id="5123" name="Picture 3"/>
-          <p:cNvPicPr>
-            <a:picLocks noChangeAspect="1" noChangeArrowheads="1"/>
-          </p:cNvPicPr>
-          <p:nvPr/>
-        </p:nvPicPr>
-        <p:blipFill>
-          <a:blip r:embed="rId2" cstate="print"/>
-          <a:srcRect/>
-          <a:stretch>
-            <a:fillRect/>
-          </a:stretch>
-        </p:blipFill>
-        <p:spPr bwMode="auto">
-          <a:xfrm>
-            <a:off x="755576" y="1196752"/>
-            <a:ext cx="7656339" cy="4532348"/>
-          </a:xfrm>
-          <a:prstGeom prst="rect">
-            <a:avLst/>
-          </a:prstGeom>
-          <a:ln w="38100" cap="sq">
-            <a:solidFill>
-              <a:srgbClr val="000000"/>
-            </a:solidFill>
-            <a:prstDash val="solid"/>
-            <a:miter lim="800000"/>
-          </a:ln>
-          <a:effectLst>
-            <a:outerShdw blurRad="50800" dist="38100" dir="2700000" algn="tl" rotWithShape="0">
-              <a:srgbClr val="000000">
-                <a:alpha val="43000"/>
-              </a:srgbClr>
-            </a:outerShdw>
-          </a:effectLst>
-        </p:spPr>
-      </p:pic>
-      <p:sp>
-        <p:nvSpPr>
-          <p:cNvPr id="7" name="TextBox 6"/>
-          <p:cNvSpPr txBox="1"/>
-          <p:nvPr/>
-        </p:nvSpPr>
-        <p:spPr>
-          <a:xfrm>
-            <a:off x="0" y="5805264"/>
-            <a:ext cx="9144000" cy="553998"/>
-          </a:xfrm>
-          <a:prstGeom prst="rect">
-            <a:avLst/>
-          </a:prstGeom>
-          <a:noFill/>
-        </p:spPr>
-        <p:txBody>
-          <a:bodyPr wrap="square" rtlCol="0">
-            <a:spAutoFit/>
-          </a:bodyPr>
-          <a:lstStyle/>
-          <a:p>
-            <a:pPr algn="ctr"/>
-            <a:r>
-              <a:rPr lang="hu-HU" sz="3000" i="1" dirty="0" smtClean="0">
-                <a:latin typeface="Arabic Typesetting" pitchFamily="66" charset="-78"/>
-                <a:cs typeface="Arabic Typesetting" pitchFamily="66" charset="-78"/>
-              </a:rPr>
-              <a:t>Az űrlappal elküldött adatok kezelése</a:t>
-            </a:r>
-            <a:endParaRPr lang="en-GB" sz="3000" i="1" dirty="0">
-              <a:latin typeface="Arabic Typesetting" pitchFamily="66" charset="-78"/>
-              <a:cs typeface="Arabic Typesetting" pitchFamily="66" charset="-78"/>
-            </a:endParaRPr>
-          </a:p>
-        </p:txBody>
-      </p:sp>
-    </p:spTree>
-  </p:cSld>
-  <p:clrMapOvr>
-    <a:masterClrMapping/>
-  </p:clrMapOvr>
-  <p:timing>
-    <p:tnLst>
-      <p:par>
-        <p:cTn id="1" dur="indefinite" restart="never" nodeType="tmRoot"/>
-      </p:par>
-    </p:tnLst>
-  </p:timing>
-</p:sld>
-</file>
-
-<file path=ppt/slides/slide17.xml><?xml version="1.0" encoding="utf-8"?>
-<p:sld xmlns:a="http://schemas.openxmlformats.org/drawingml/2006/main" xmlns:r="http://schemas.openxmlformats.org/officeDocument/2006/relationships" xmlns:p="http://schemas.openxmlformats.org/presentationml/2006/main">
-  <p:cSld>
-    <p:spTree>
-      <p:nvGrpSpPr>
-        <p:cNvPr id="1" name=""/>
-        <p:cNvGrpSpPr/>
-        <p:nvPr/>
-      </p:nvGrpSpPr>
-      <p:grpSpPr>
-        <a:xfrm>
-          <a:off x="0" y="0"/>
-          <a:ext cx="0" cy="0"/>
-          <a:chOff x="0" y="0"/>
-          <a:chExt cx="0" cy="0"/>
-        </a:xfrm>
-      </p:grpSpPr>
-      <p:sp>
-        <p:nvSpPr>
-          <p:cNvPr id="2" name="Title 1"/>
-          <p:cNvSpPr>
-            <a:spLocks noGrp="1"/>
-          </p:cNvSpPr>
-          <p:nvPr>
-            <p:ph type="title"/>
-          </p:nvPr>
-        </p:nvSpPr>
-        <p:spPr/>
-        <p:txBody>
-          <a:bodyPr>
-            <a:normAutofit/>
-          </a:bodyPr>
-          <a:lstStyle/>
-          <a:p>
-            <a:r>
-              <a:rPr lang="hu-HU" sz="6000" b="1" dirty="0" smtClean="0">
-                <a:latin typeface="Arabic Typesetting" pitchFamily="66" charset="-78"/>
-                <a:cs typeface="Arabic Typesetting" pitchFamily="66" charset="-78"/>
-              </a:rPr>
-              <a:t>MySQLi</a:t>
-            </a:r>
-            <a:endParaRPr lang="en-GB" sz="6000" b="1" dirty="0">
-              <a:latin typeface="Arabic Typesetting" pitchFamily="66" charset="-78"/>
-              <a:cs typeface="Arabic Typesetting" pitchFamily="66" charset="-78"/>
-            </a:endParaRPr>
-          </a:p>
-        </p:txBody>
-      </p:sp>
-      <p:sp>
-        <p:nvSpPr>
-          <p:cNvPr id="4" name="Content Placeholder 2"/>
-          <p:cNvSpPr>
-            <a:spLocks noGrp="1"/>
-          </p:cNvSpPr>
-          <p:nvPr>
-            <p:ph idx="1"/>
-          </p:nvPr>
-        </p:nvSpPr>
-        <p:spPr>
-          <a:xfrm>
-            <a:off x="457200" y="1600200"/>
-            <a:ext cx="8363272" cy="4525963"/>
-          </a:xfrm>
-        </p:spPr>
-        <p:txBody>
-          <a:bodyPr>
-            <a:normAutofit/>
-          </a:bodyPr>
-          <a:lstStyle/>
-          <a:p>
-            <a:r>
-              <a:rPr lang="hu-HU" sz="3000" dirty="0" smtClean="0">
-                <a:latin typeface="Arabic Typesetting" pitchFamily="66" charset="-78"/>
-                <a:cs typeface="Arabic Typesetting" pitchFamily="66" charset="-78"/>
-              </a:rPr>
-              <a:t>az űrlapokkal elküldött adatok tárolása</a:t>
-            </a:r>
-          </a:p>
-          <a:p>
-            <a:pPr lvl="1"/>
-            <a:r>
-              <a:rPr lang="hu-HU" dirty="0" smtClean="0">
-                <a:latin typeface="Arabic Typesetting" pitchFamily="66" charset="-78"/>
-                <a:cs typeface="Arabic Typesetting" pitchFamily="66" charset="-78"/>
-              </a:rPr>
-              <a:t>webhely alapadatai (iskola neve és elérhetőségei)</a:t>
-            </a:r>
-          </a:p>
-          <a:p>
-            <a:pPr lvl="1"/>
-            <a:r>
-              <a:rPr lang="hu-HU" dirty="0" smtClean="0">
-                <a:latin typeface="Arabic Typesetting" pitchFamily="66" charset="-78"/>
-                <a:cs typeface="Arabic Typesetting" pitchFamily="66" charset="-78"/>
-              </a:rPr>
-              <a:t>oldalak tartalmi elemei (leírás, tartalom + oldalhoz tartozó cikkek)</a:t>
-            </a:r>
-          </a:p>
-          <a:p>
-            <a:pPr lvl="1"/>
-            <a:r>
-              <a:rPr lang="hu-HU" dirty="0" smtClean="0">
-                <a:latin typeface="Arabic Typesetting" pitchFamily="66" charset="-78"/>
-                <a:cs typeface="Arabic Typesetting" pitchFamily="66" charset="-78"/>
-              </a:rPr>
-              <a:t>kiegészítő tartalmak</a:t>
-            </a:r>
-          </a:p>
-          <a:p>
-            <a:pPr lvl="1"/>
-            <a:r>
-              <a:rPr lang="hu-HU" dirty="0" smtClean="0">
-                <a:latin typeface="Arabic Typesetting" pitchFamily="66" charset="-78"/>
-                <a:cs typeface="Arabic Typesetting" pitchFamily="66" charset="-78"/>
-              </a:rPr>
-              <a:t>menüsor</a:t>
-            </a:r>
-          </a:p>
-          <a:p>
-            <a:pPr lvl="1"/>
-            <a:r>
-              <a:rPr lang="hu-HU" dirty="0" smtClean="0">
-                <a:latin typeface="Arabic Typesetting" pitchFamily="66" charset="-78"/>
-                <a:cs typeface="Arabic Typesetting" pitchFamily="66" charset="-78"/>
-              </a:rPr>
-              <a:t>felhasználók adatai (felhasználónév, jelszó, felhasználói szint)</a:t>
-            </a:r>
-          </a:p>
-          <a:p>
-            <a:pPr lvl="1"/>
-            <a:r>
-              <a:rPr lang="hu-HU" dirty="0" smtClean="0">
-                <a:latin typeface="Arabic Typesetting" pitchFamily="66" charset="-78"/>
-                <a:cs typeface="Arabic Typesetting" pitchFamily="66" charset="-78"/>
-              </a:rPr>
-              <a:t>felhasználói csoportok és csoporttagok </a:t>
-            </a:r>
-          </a:p>
-          <a:p>
-            <a:pPr lvl="1"/>
-            <a:endParaRPr lang="hu-HU" sz="2600" dirty="0" smtClean="0">
-              <a:latin typeface="Arabic Typesetting" pitchFamily="66" charset="-78"/>
-              <a:cs typeface="Arabic Typesetting" pitchFamily="66" charset="-78"/>
-            </a:endParaRPr>
-          </a:p>
-        </p:txBody>
-      </p:sp>
-    </p:spTree>
-  </p:cSld>
-  <p:clrMapOvr>
-    <a:masterClrMapping/>
-  </p:clrMapOvr>
-  <p:timing>
-    <p:tnLst>
-      <p:par>
-        <p:cTn id="1" dur="indefinite" restart="never" nodeType="tmRoot"/>
-      </p:par>
-    </p:tnLst>
-  </p:timing>
-</p:sld>
-</file>
-
-<file path=ppt/slides/slide18.xml><?xml version="1.0" encoding="utf-8"?>
-<p:sld xmlns:a="http://schemas.openxmlformats.org/drawingml/2006/main" xmlns:r="http://schemas.openxmlformats.org/officeDocument/2006/relationships" xmlns:p="http://schemas.openxmlformats.org/presentationml/2006/main">
-  <p:cSld>
-    <p:spTree>
-      <p:nvGrpSpPr>
-        <p:cNvPr id="1" name=""/>
-        <p:cNvGrpSpPr/>
-        <p:nvPr/>
-      </p:nvGrpSpPr>
-      <p:grpSpPr>
-        <a:xfrm>
-          <a:off x="0" y="0"/>
-          <a:ext cx="0" cy="0"/>
-          <a:chOff x="0" y="0"/>
-          <a:chExt cx="0" cy="0"/>
-        </a:xfrm>
-      </p:grpSpPr>
-      <p:pic>
-        <p:nvPicPr>
-          <p:cNvPr id="4098" name="Picture 2" descr="C:\Users\Gelcsi\Desktop\w3suli\w3kepek\Screenshot from 2016-03-19 14_01_52.png"/>
-          <p:cNvPicPr>
-            <a:picLocks noChangeAspect="1" noChangeArrowheads="1"/>
-          </p:cNvPicPr>
-          <p:nvPr/>
-        </p:nvPicPr>
-        <p:blipFill>
-          <a:blip r:embed="rId2" cstate="print"/>
-          <a:srcRect/>
-          <a:stretch>
-            <a:fillRect/>
-          </a:stretch>
-        </p:blipFill>
-        <p:spPr bwMode="auto">
-          <a:xfrm>
-            <a:off x="611560" y="1268760"/>
-            <a:ext cx="7925162" cy="4455729"/>
-          </a:xfrm>
-          <a:prstGeom prst="rect">
-            <a:avLst/>
-          </a:prstGeom>
-          <a:ln w="38100" cap="sq">
-            <a:solidFill>
-              <a:srgbClr val="000000"/>
-            </a:solidFill>
-            <a:prstDash val="solid"/>
-            <a:miter lim="800000"/>
-          </a:ln>
-          <a:effectLst>
-            <a:outerShdw blurRad="50800" dist="38100" dir="2700000" algn="tl" rotWithShape="0">
-              <a:srgbClr val="000000">
-                <a:alpha val="43000"/>
-              </a:srgbClr>
-            </a:outerShdw>
-          </a:effectLst>
-        </p:spPr>
-      </p:pic>
-      <p:sp>
-        <p:nvSpPr>
-          <p:cNvPr id="5" name="TextBox 4"/>
-          <p:cNvSpPr txBox="1"/>
-          <p:nvPr/>
-        </p:nvSpPr>
-        <p:spPr>
-          <a:xfrm>
-            <a:off x="0" y="5805264"/>
-            <a:ext cx="9144000" cy="553998"/>
-          </a:xfrm>
-          <a:prstGeom prst="rect">
-            <a:avLst/>
-          </a:prstGeom>
-          <a:noFill/>
-        </p:spPr>
-        <p:txBody>
-          <a:bodyPr wrap="square" rtlCol="0">
-            <a:spAutoFit/>
-          </a:bodyPr>
-          <a:lstStyle/>
-          <a:p>
-            <a:pPr algn="ctr"/>
-            <a:r>
-              <a:rPr lang="hu-HU" sz="3000" i="1" dirty="0" smtClean="0">
-                <a:latin typeface="Arabic Typesetting" pitchFamily="66" charset="-78"/>
-                <a:cs typeface="Arabic Typesetting" pitchFamily="66" charset="-78"/>
-              </a:rPr>
-              <a:t>Az adattáblák adminisztrációja - phpMyAdmin</a:t>
-            </a:r>
-            <a:endParaRPr lang="en-GB" sz="3000" i="1" dirty="0">
-              <a:latin typeface="Arabic Typesetting" pitchFamily="66" charset="-78"/>
-              <a:cs typeface="Arabic Typesetting" pitchFamily="66" charset="-78"/>
-            </a:endParaRPr>
-          </a:p>
-        </p:txBody>
-      </p:sp>
-    </p:spTree>
-  </p:cSld>
-  <p:clrMapOvr>
-    <a:masterClrMapping/>
-  </p:clrMapOvr>
-  <p:timing>
-    <p:tnLst>
-      <p:par>
-        <p:cTn id="1" dur="indefinite" restart="never" nodeType="tmRoot"/>
-      </p:par>
-    </p:tnLst>
-  </p:timing>
-</p:sld>
-</file>
-
-<file path=ppt/slides/slide19.xml><?xml version="1.0" encoding="utf-8"?>
-<p:sld xmlns:a="http://schemas.openxmlformats.org/drawingml/2006/main" xmlns:r="http://schemas.openxmlformats.org/officeDocument/2006/relationships" xmlns:p="http://schemas.openxmlformats.org/presentationml/2006/main">
-  <p:cSld>
-    <p:spTree>
-      <p:nvGrpSpPr>
-        <p:cNvPr id="1" name=""/>
-        <p:cNvGrpSpPr/>
-        <p:nvPr/>
-      </p:nvGrpSpPr>
-      <p:grpSpPr>
-        <a:xfrm>
-          <a:off x="0" y="0"/>
-          <a:ext cx="0" cy="0"/>
-          <a:chOff x="0" y="0"/>
-          <a:chExt cx="0" cy="0"/>
-        </a:xfrm>
-      </p:grpSpPr>
-      <p:sp>
-        <p:nvSpPr>
-          <p:cNvPr id="2" name="Title 1"/>
-          <p:cNvSpPr>
-            <a:spLocks noGrp="1"/>
-          </p:cNvSpPr>
-          <p:nvPr>
-            <p:ph type="title"/>
-          </p:nvPr>
-        </p:nvSpPr>
-        <p:spPr/>
-        <p:txBody>
-          <a:bodyPr>
-            <a:normAutofit/>
-          </a:bodyPr>
-          <a:lstStyle/>
-          <a:p>
-            <a:r>
-              <a:rPr lang="hu-HU" sz="6000" b="1" dirty="0" smtClean="0">
-                <a:latin typeface="Arabic Typesetting" pitchFamily="66" charset="-78"/>
-                <a:cs typeface="Arabic Typesetting" pitchFamily="66" charset="-78"/>
-              </a:rPr>
-              <a:t>GitHub</a:t>
-            </a:r>
-            <a:endParaRPr lang="en-GB" sz="6000" b="1" dirty="0">
-              <a:latin typeface="Arabic Typesetting" pitchFamily="66" charset="-78"/>
-              <a:cs typeface="Arabic Typesetting" pitchFamily="66" charset="-78"/>
-            </a:endParaRPr>
-          </a:p>
-        </p:txBody>
-      </p:sp>
-      <p:sp>
-        <p:nvSpPr>
-          <p:cNvPr id="4" name="Content Placeholder 2"/>
-          <p:cNvSpPr>
-            <a:spLocks noGrp="1"/>
-          </p:cNvSpPr>
-          <p:nvPr>
-            <p:ph idx="1"/>
-          </p:nvPr>
-        </p:nvSpPr>
-        <p:spPr>
-          <a:xfrm>
-            <a:off x="457200" y="1600200"/>
-            <a:ext cx="8363272" cy="4525963"/>
-          </a:xfrm>
-        </p:spPr>
-        <p:txBody>
-          <a:bodyPr>
-            <a:normAutofit/>
-          </a:bodyPr>
-          <a:lstStyle/>
-          <a:p>
-            <a:r>
-              <a:rPr lang="hu-HU" sz="3000" dirty="0" smtClean="0">
-                <a:latin typeface="Arabic Typesetting" pitchFamily="66" charset="-78"/>
-                <a:cs typeface="Arabic Typesetting" pitchFamily="66" charset="-78"/>
-              </a:rPr>
-              <a:t>blogmotor aktuális állapotának figyelése (+ változások követése)</a:t>
-            </a:r>
-          </a:p>
-          <a:p>
-            <a:pPr lvl="1"/>
-            <a:r>
-              <a:rPr lang="hu-HU" dirty="0" smtClean="0">
-                <a:latin typeface="Arabic Typesetting" pitchFamily="66" charset="-78"/>
-                <a:cs typeface="Arabic Typesetting" pitchFamily="66" charset="-78"/>
-              </a:rPr>
-              <a:t>régebbi verziókra visszatérés lehetősége</a:t>
-            </a:r>
-          </a:p>
-          <a:p>
-            <a:pPr lvl="1"/>
-            <a:r>
-              <a:rPr lang="hu-HU" dirty="0" smtClean="0">
-                <a:latin typeface="Arabic Typesetting" pitchFamily="66" charset="-78"/>
-                <a:cs typeface="Arabic Typesetting" pitchFamily="66" charset="-78"/>
-              </a:rPr>
-              <a:t>fejlesztők szinkron-munkájának megvalósítása</a:t>
-            </a:r>
-          </a:p>
-          <a:p>
-            <a:pPr lvl="2"/>
-            <a:r>
-              <a:rPr lang="hu-HU" sz="2800" dirty="0" smtClean="0">
-                <a:latin typeface="Arabic Typesetting" pitchFamily="66" charset="-78"/>
-                <a:cs typeface="Arabic Typesetting" pitchFamily="66" charset="-78"/>
-              </a:rPr>
-              <a:t>többverziós munka esetén: fork/branch</a:t>
-            </a:r>
-          </a:p>
-          <a:p>
-            <a:pPr lvl="2"/>
-            <a:r>
-              <a:rPr lang="hu-HU" sz="2800" dirty="0" smtClean="0">
-                <a:latin typeface="Arabic Typesetting" pitchFamily="66" charset="-78"/>
-                <a:cs typeface="Arabic Typesetting" pitchFamily="66" charset="-78"/>
-              </a:rPr>
-              <a:t>különböző fájlok módosítása esetén: master branch</a:t>
-            </a:r>
-          </a:p>
-        </p:txBody>
-      </p:sp>
-      <p:pic>
-        <p:nvPicPr>
-          <p:cNvPr id="6146" name="Picture 2"/>
-          <p:cNvPicPr>
-            <a:picLocks noChangeAspect="1" noChangeArrowheads="1"/>
-          </p:cNvPicPr>
-          <p:nvPr/>
-        </p:nvPicPr>
-        <p:blipFill>
-          <a:blip r:embed="rId2" cstate="print"/>
-          <a:srcRect/>
-          <a:stretch>
-            <a:fillRect/>
-          </a:stretch>
-        </p:blipFill>
-        <p:spPr bwMode="auto">
-          <a:xfrm>
-            <a:off x="899592" y="4509120"/>
-            <a:ext cx="7285037" cy="1400175"/>
-          </a:xfrm>
-          <a:prstGeom prst="rect">
-            <a:avLst/>
-          </a:prstGeom>
-          <a:ln w="38100" cap="sq">
-            <a:solidFill>
-              <a:srgbClr val="000000"/>
-            </a:solidFill>
-            <a:prstDash val="solid"/>
-            <a:miter lim="800000"/>
-          </a:ln>
-          <a:effectLst>
-            <a:outerShdw blurRad="50800" dist="38100" dir="2700000" algn="tl" rotWithShape="0">
-              <a:srgbClr val="000000">
-                <a:alpha val="43000"/>
-              </a:srgbClr>
-            </a:outerShdw>
-          </a:effectLst>
-        </p:spPr>
-      </p:pic>
-      <p:sp>
-        <p:nvSpPr>
-          <p:cNvPr id="5" name="TextBox 4"/>
-          <p:cNvSpPr txBox="1"/>
-          <p:nvPr/>
-        </p:nvSpPr>
-        <p:spPr>
-          <a:xfrm>
-            <a:off x="0" y="6021288"/>
-            <a:ext cx="9144000" cy="553998"/>
-          </a:xfrm>
-          <a:prstGeom prst="rect">
-            <a:avLst/>
-          </a:prstGeom>
-          <a:noFill/>
-        </p:spPr>
-        <p:txBody>
-          <a:bodyPr wrap="square" rtlCol="0">
-            <a:spAutoFit/>
-          </a:bodyPr>
-          <a:lstStyle/>
-          <a:p>
-            <a:pPr algn="ctr"/>
-            <a:r>
-              <a:rPr lang="hu-HU" sz="3000" i="1" dirty="0" smtClean="0">
-                <a:latin typeface="Arabic Typesetting" pitchFamily="66" charset="-78"/>
-                <a:cs typeface="Arabic Typesetting" pitchFamily="66" charset="-78"/>
-              </a:rPr>
-              <a:t>A projekt főága és mellékága</a:t>
-            </a:r>
-            <a:endParaRPr lang="en-GB" sz="3000" i="1" dirty="0">
-              <a:latin typeface="Arabic Typesetting" pitchFamily="66" charset="-78"/>
-              <a:cs typeface="Arabic Typesetting" pitchFamily="66" charset="-78"/>
-            </a:endParaRPr>
-          </a:p>
-        </p:txBody>
-      </p:sp>
-    </p:spTree>
-  </p:cSld>
-  <p:clrMapOvr>
-    <a:masterClrMapping/>
-  </p:clrMapOvr>
-  <p:timing>
-    <p:tnLst>
-      <p:par>
-        <p:cTn id="1" dur="indefinite" restart="never" nodeType="tmRoot"/>
-      </p:par>
-    </p:tnLst>
-  </p:timing>
-</p:sld>
-</file>
-
-<file path=ppt/slides/slide2.xml><?xml version="1.0" encoding="utf-8"?>
-<p:sld xmlns:a="http://schemas.openxmlformats.org/drawingml/2006/main" xmlns:r="http://schemas.openxmlformats.org/officeDocument/2006/relationships" xmlns:p="http://schemas.openxmlformats.org/presentationml/2006/main">
-  <p:cSld>
-    <p:spTree>
-      <p:nvGrpSpPr>
-        <p:cNvPr id="1" name=""/>
-        <p:cNvGrpSpPr/>
-        <p:nvPr/>
-      </p:nvGrpSpPr>
-      <p:grpSpPr>
-        <a:xfrm>
-          <a:off x="0" y="0"/>
-          <a:ext cx="0" cy="0"/>
-          <a:chOff x="0" y="0"/>
-          <a:chExt cx="0" cy="0"/>
-        </a:xfrm>
-      </p:grpSpPr>
       <p:sp>
         <p:nvSpPr>
           <p:cNvPr id="2" name="Title 1"/>
@@ -5838,7 +3889,7 @@
           <a:blip r:embed="rId3" cstate="print">
             <a:extLst>
               <a:ext uri="{28A0092B-C50C-407E-A947-70E740481C1C}">
-                <a14:useLocalDpi xmlns="" xmlns:a14="http://schemas.microsoft.com/office/drawing/2010/main" val="0"/>
+                <a14:useLocalDpi xmlns:a14="http://schemas.microsoft.com/office/drawing/2010/main" xmlns="" val="0"/>
               </a:ext>
             </a:extLst>
           </a:blip>
@@ -5868,7 +3919,7 @@
           <a:blip r:embed="rId4" cstate="print">
             <a:extLst>
               <a:ext uri="{28A0092B-C50C-407E-A947-70E740481C1C}">
-                <a14:useLocalDpi xmlns="" xmlns:a14="http://schemas.microsoft.com/office/drawing/2010/main" val="0"/>
+                <a14:useLocalDpi xmlns:a14="http://schemas.microsoft.com/office/drawing/2010/main" xmlns="" val="0"/>
               </a:ext>
             </a:extLst>
           </a:blip>
@@ -6117,7 +4168,1314 @@
 </p:sld>
 </file>
 
-<file path=ppt/slides/slide20.xml><?xml version="1.0" encoding="utf-8"?>
+<file path=ppt/slides/slide10.xml><?xml version="1.0" encoding="utf-8"?>
+<p:sld xmlns:a="http://schemas.openxmlformats.org/drawingml/2006/main" xmlns:r="http://schemas.openxmlformats.org/officeDocument/2006/relationships" xmlns:p="http://schemas.openxmlformats.org/presentationml/2006/main">
+  <p:cSld>
+    <p:spTree>
+      <p:nvGrpSpPr>
+        <p:cNvPr id="1" name=""/>
+        <p:cNvGrpSpPr/>
+        <p:nvPr/>
+      </p:nvGrpSpPr>
+      <p:grpSpPr>
+        <a:xfrm>
+          <a:off x="0" y="0"/>
+          <a:ext cx="0" cy="0"/>
+          <a:chOff x="0" y="0"/>
+          <a:chExt cx="0" cy="0"/>
+        </a:xfrm>
+      </p:grpSpPr>
+      <p:pic>
+        <p:nvPicPr>
+          <p:cNvPr id="4" name="Picture 2" descr="C:\Users\Gelcsi\Desktop\w3suli\Screenshot from 2016-03-19 14_54_06.png"/>
+          <p:cNvPicPr>
+            <a:picLocks noChangeAspect="1" noChangeArrowheads="1"/>
+          </p:cNvPicPr>
+          <p:nvPr/>
+        </p:nvPicPr>
+        <p:blipFill>
+          <a:blip r:embed="rId2" cstate="print"/>
+          <a:srcRect/>
+          <a:stretch>
+            <a:fillRect/>
+          </a:stretch>
+        </p:blipFill>
+        <p:spPr bwMode="auto">
+          <a:xfrm>
+            <a:off x="539552" y="1628800"/>
+            <a:ext cx="8064896" cy="3562045"/>
+          </a:xfrm>
+          <a:prstGeom prst="rect">
+            <a:avLst/>
+          </a:prstGeom>
+          <a:ln w="38100" cap="sq">
+            <a:solidFill>
+              <a:srgbClr val="000000"/>
+            </a:solidFill>
+            <a:prstDash val="solid"/>
+            <a:miter lim="800000"/>
+          </a:ln>
+          <a:effectLst>
+            <a:outerShdw blurRad="50800" dist="38100" dir="2700000" algn="tl" rotWithShape="0">
+              <a:srgbClr val="000000">
+                <a:alpha val="43000"/>
+              </a:srgbClr>
+            </a:outerShdw>
+          </a:effectLst>
+        </p:spPr>
+      </p:pic>
+      <p:sp>
+        <p:nvSpPr>
+          <p:cNvPr id="5" name="TextBox 4"/>
+          <p:cNvSpPr txBox="1"/>
+          <p:nvPr/>
+        </p:nvSpPr>
+        <p:spPr>
+          <a:xfrm>
+            <a:off x="0" y="5517232"/>
+            <a:ext cx="9144000" cy="553998"/>
+          </a:xfrm>
+          <a:prstGeom prst="rect">
+            <a:avLst/>
+          </a:prstGeom>
+          <a:noFill/>
+        </p:spPr>
+        <p:txBody>
+          <a:bodyPr wrap="square" rtlCol="0">
+            <a:spAutoFit/>
+          </a:bodyPr>
+          <a:lstStyle/>
+          <a:p>
+            <a:pPr algn="ctr"/>
+            <a:r>
+              <a:rPr lang="hu-HU" sz="3000" i="1" dirty="0" smtClean="0">
+                <a:latin typeface="Arabic Typesetting" pitchFamily="66" charset="-78"/>
+                <a:cs typeface="Arabic Typesetting" pitchFamily="66" charset="-78"/>
+              </a:rPr>
+              <a:t>A blogmotor szerkezetének megvalósítása</a:t>
+            </a:r>
+            <a:endParaRPr lang="en-GB" sz="3000" i="1" dirty="0">
+              <a:latin typeface="Arabic Typesetting" pitchFamily="66" charset="-78"/>
+              <a:cs typeface="Arabic Typesetting" pitchFamily="66" charset="-78"/>
+            </a:endParaRPr>
+          </a:p>
+        </p:txBody>
+      </p:sp>
+    </p:spTree>
+  </p:cSld>
+  <p:clrMapOvr>
+    <a:masterClrMapping/>
+  </p:clrMapOvr>
+  <p:timing>
+    <p:tnLst>
+      <p:par>
+        <p:cTn id="1" dur="indefinite" restart="never" nodeType="tmRoot"/>
+      </p:par>
+    </p:tnLst>
+  </p:timing>
+</p:sld>
+</file>
+
+<file path=ppt/slides/slide11.xml><?xml version="1.0" encoding="utf-8"?>
+<p:sld xmlns:a="http://schemas.openxmlformats.org/drawingml/2006/main" xmlns:r="http://schemas.openxmlformats.org/officeDocument/2006/relationships" xmlns:p="http://schemas.openxmlformats.org/presentationml/2006/main">
+  <p:cSld>
+    <p:spTree>
+      <p:nvGrpSpPr>
+        <p:cNvPr id="1" name=""/>
+        <p:cNvGrpSpPr/>
+        <p:nvPr/>
+      </p:nvGrpSpPr>
+      <p:grpSpPr>
+        <a:xfrm>
+          <a:off x="0" y="0"/>
+          <a:ext cx="0" cy="0"/>
+          <a:chOff x="0" y="0"/>
+          <a:chExt cx="0" cy="0"/>
+        </a:xfrm>
+      </p:grpSpPr>
+      <p:sp>
+        <p:nvSpPr>
+          <p:cNvPr id="5" name="TextBox 4"/>
+          <p:cNvSpPr txBox="1"/>
+          <p:nvPr/>
+        </p:nvSpPr>
+        <p:spPr>
+          <a:xfrm>
+            <a:off x="0" y="5517232"/>
+            <a:ext cx="9144000" cy="553998"/>
+          </a:xfrm>
+          <a:prstGeom prst="rect">
+            <a:avLst/>
+          </a:prstGeom>
+          <a:noFill/>
+        </p:spPr>
+        <p:txBody>
+          <a:bodyPr wrap="square" rtlCol="0">
+            <a:spAutoFit/>
+          </a:bodyPr>
+          <a:lstStyle/>
+          <a:p>
+            <a:pPr algn="ctr"/>
+            <a:r>
+              <a:rPr lang="hu-HU" sz="3000" i="1" dirty="0" smtClean="0">
+                <a:latin typeface="Arabic Typesetting" pitchFamily="66" charset="-78"/>
+                <a:cs typeface="Arabic Typesetting" pitchFamily="66" charset="-78"/>
+              </a:rPr>
+              <a:t>A blogmotor szerkezetének kódja</a:t>
+            </a:r>
+            <a:endParaRPr lang="en-GB" sz="3000" i="1" dirty="0">
+              <a:latin typeface="Arabic Typesetting" pitchFamily="66" charset="-78"/>
+              <a:cs typeface="Arabic Typesetting" pitchFamily="66" charset="-78"/>
+            </a:endParaRPr>
+          </a:p>
+        </p:txBody>
+      </p:sp>
+      <p:pic>
+        <p:nvPicPr>
+          <p:cNvPr id="3074" name="Picture 2"/>
+          <p:cNvPicPr>
+            <a:picLocks noChangeAspect="1" noChangeArrowheads="1"/>
+          </p:cNvPicPr>
+          <p:nvPr/>
+        </p:nvPicPr>
+        <p:blipFill>
+          <a:blip r:embed="rId2" cstate="print"/>
+          <a:srcRect/>
+          <a:stretch>
+            <a:fillRect/>
+          </a:stretch>
+        </p:blipFill>
+        <p:spPr bwMode="auto">
+          <a:xfrm>
+            <a:off x="539552" y="1484784"/>
+            <a:ext cx="8052092" cy="3941043"/>
+          </a:xfrm>
+          <a:prstGeom prst="rect">
+            <a:avLst/>
+          </a:prstGeom>
+          <a:ln w="38100" cap="sq">
+            <a:solidFill>
+              <a:srgbClr val="000000"/>
+            </a:solidFill>
+            <a:prstDash val="solid"/>
+            <a:miter lim="800000"/>
+          </a:ln>
+          <a:effectLst>
+            <a:outerShdw blurRad="50800" dist="38100" dir="2700000" algn="tl" rotWithShape="0">
+              <a:srgbClr val="000000">
+                <a:alpha val="43000"/>
+              </a:srgbClr>
+            </a:outerShdw>
+          </a:effectLst>
+        </p:spPr>
+      </p:pic>
+    </p:spTree>
+  </p:cSld>
+  <p:clrMapOvr>
+    <a:masterClrMapping/>
+  </p:clrMapOvr>
+  <p:timing>
+    <p:tnLst>
+      <p:par>
+        <p:cTn id="1" dur="indefinite" restart="never" nodeType="tmRoot"/>
+      </p:par>
+    </p:tnLst>
+  </p:timing>
+</p:sld>
+</file>
+
+<file path=ppt/slides/slide12.xml><?xml version="1.0" encoding="utf-8"?>
+<p:sld xmlns:a="http://schemas.openxmlformats.org/drawingml/2006/main" xmlns:r="http://schemas.openxmlformats.org/officeDocument/2006/relationships" xmlns:p="http://schemas.openxmlformats.org/presentationml/2006/main">
+  <p:cSld>
+    <p:spTree>
+      <p:nvGrpSpPr>
+        <p:cNvPr id="1" name=""/>
+        <p:cNvGrpSpPr/>
+        <p:nvPr/>
+      </p:nvGrpSpPr>
+      <p:grpSpPr>
+        <a:xfrm>
+          <a:off x="0" y="0"/>
+          <a:ext cx="0" cy="0"/>
+          <a:chOff x="0" y="0"/>
+          <a:chExt cx="0" cy="0"/>
+        </a:xfrm>
+      </p:grpSpPr>
+      <p:sp>
+        <p:nvSpPr>
+          <p:cNvPr id="2" name="Title 1"/>
+          <p:cNvSpPr>
+            <a:spLocks noGrp="1"/>
+          </p:cNvSpPr>
+          <p:nvPr>
+            <p:ph type="title"/>
+          </p:nvPr>
+        </p:nvSpPr>
+        <p:spPr/>
+        <p:txBody>
+          <a:bodyPr>
+            <a:normAutofit/>
+          </a:bodyPr>
+          <a:lstStyle/>
+          <a:p>
+            <a:r>
+              <a:rPr lang="hu-HU" sz="6000" b="1" dirty="0" smtClean="0">
+                <a:latin typeface="Arabic Typesetting" pitchFamily="66" charset="-78"/>
+                <a:cs typeface="Arabic Typesetting" pitchFamily="66" charset="-78"/>
+              </a:rPr>
+              <a:t>CSS</a:t>
+            </a:r>
+            <a:endParaRPr lang="en-GB" sz="6000" b="1" dirty="0">
+              <a:latin typeface="Arabic Typesetting" pitchFamily="66" charset="-78"/>
+              <a:cs typeface="Arabic Typesetting" pitchFamily="66" charset="-78"/>
+            </a:endParaRPr>
+          </a:p>
+        </p:txBody>
+      </p:sp>
+      <p:sp>
+        <p:nvSpPr>
+          <p:cNvPr id="5" name="Content Placeholder 2"/>
+          <p:cNvSpPr>
+            <a:spLocks noGrp="1"/>
+          </p:cNvSpPr>
+          <p:nvPr>
+            <p:ph idx="1"/>
+          </p:nvPr>
+        </p:nvSpPr>
+        <p:spPr>
+          <a:xfrm>
+            <a:off x="457200" y="1600200"/>
+            <a:ext cx="8363272" cy="4525963"/>
+          </a:xfrm>
+        </p:spPr>
+        <p:txBody>
+          <a:bodyPr>
+            <a:normAutofit/>
+          </a:bodyPr>
+          <a:lstStyle/>
+          <a:p>
+            <a:r>
+              <a:rPr lang="hu-HU" sz="3000" dirty="0" smtClean="0">
+                <a:latin typeface="Arabic Typesetting" pitchFamily="66" charset="-78"/>
+                <a:cs typeface="Arabic Typesetting" pitchFamily="66" charset="-78"/>
+              </a:rPr>
+              <a:t>blogmotor kinézetének/stílusának kialakítása</a:t>
+            </a:r>
+          </a:p>
+          <a:p>
+            <a:pPr lvl="1"/>
+            <a:r>
+              <a:rPr lang="hu-HU" dirty="0" smtClean="0">
+                <a:latin typeface="Arabic Typesetting" pitchFamily="66" charset="-78"/>
+                <a:cs typeface="Arabic Typesetting" pitchFamily="66" charset="-78"/>
+              </a:rPr>
+              <a:t>a felhasználó több – előre elkészített – stíluslapból választhat</a:t>
+            </a:r>
+          </a:p>
+          <a:p>
+            <a:pPr lvl="2"/>
+            <a:r>
+              <a:rPr lang="hu-HU" sz="2800" dirty="0" smtClean="0">
+                <a:latin typeface="Arabic Typesetting" pitchFamily="66" charset="-78"/>
+                <a:cs typeface="Arabic Typesetting" pitchFamily="66" charset="-78"/>
+              </a:rPr>
+              <a:t>a megjelenítő eszköz felbontásához illeszkedik (reszponzív)</a:t>
+            </a:r>
+          </a:p>
+          <a:p>
+            <a:pPr lvl="2"/>
+            <a:r>
+              <a:rPr lang="hu-HU" sz="2800" dirty="0" smtClean="0">
+                <a:latin typeface="Arabic Typesetting" pitchFamily="66" charset="-78"/>
+                <a:cs typeface="Arabic Typesetting" pitchFamily="66" charset="-78"/>
+              </a:rPr>
+              <a:t>akadálymentesített</a:t>
+            </a:r>
+          </a:p>
+          <a:p>
+            <a:pPr lvl="1"/>
+            <a:endParaRPr lang="hu-HU" sz="2600" dirty="0" smtClean="0">
+              <a:latin typeface="Arabic Typesetting" pitchFamily="66" charset="-78"/>
+              <a:cs typeface="Arabic Typesetting" pitchFamily="66" charset="-78"/>
+            </a:endParaRPr>
+          </a:p>
+        </p:txBody>
+      </p:sp>
+      <p:pic>
+        <p:nvPicPr>
+          <p:cNvPr id="4" name="Kép 3"/>
+          <p:cNvPicPr>
+            <a:picLocks noChangeAspect="1"/>
+          </p:cNvPicPr>
+          <p:nvPr/>
+        </p:nvPicPr>
+        <p:blipFill>
+          <a:blip r:embed="rId2" cstate="print">
+            <a:extLst>
+              <a:ext uri="{28A0092B-C50C-407E-A947-70E740481C1C}">
+                <a14:useLocalDpi xmlns:a14="http://schemas.microsoft.com/office/drawing/2010/main" xmlns="" val="0"/>
+              </a:ext>
+            </a:extLst>
+          </a:blip>
+          <a:stretch>
+            <a:fillRect/>
+          </a:stretch>
+        </p:blipFill>
+        <p:spPr>
+          <a:xfrm>
+            <a:off x="539552" y="3861048"/>
+            <a:ext cx="8028384" cy="1749412"/>
+          </a:xfrm>
+          <a:prstGeom prst="rect">
+            <a:avLst/>
+          </a:prstGeom>
+          <a:ln w="38100" cap="sq">
+            <a:solidFill>
+              <a:srgbClr val="000000"/>
+            </a:solidFill>
+            <a:prstDash val="solid"/>
+            <a:miter lim="800000"/>
+          </a:ln>
+          <a:effectLst>
+            <a:outerShdw blurRad="50800" dist="38100" dir="2700000" algn="tl" rotWithShape="0">
+              <a:srgbClr val="000000">
+                <a:alpha val="43000"/>
+              </a:srgbClr>
+            </a:outerShdw>
+          </a:effectLst>
+        </p:spPr>
+      </p:pic>
+      <p:sp>
+        <p:nvSpPr>
+          <p:cNvPr id="6" name="TextBox 5"/>
+          <p:cNvSpPr txBox="1"/>
+          <p:nvPr/>
+        </p:nvSpPr>
+        <p:spPr>
+          <a:xfrm>
+            <a:off x="0" y="5733256"/>
+            <a:ext cx="9144000" cy="553998"/>
+          </a:xfrm>
+          <a:prstGeom prst="rect">
+            <a:avLst/>
+          </a:prstGeom>
+          <a:noFill/>
+        </p:spPr>
+        <p:txBody>
+          <a:bodyPr wrap="square" rtlCol="0">
+            <a:spAutoFit/>
+          </a:bodyPr>
+          <a:lstStyle/>
+          <a:p>
+            <a:pPr algn="ctr"/>
+            <a:r>
+              <a:rPr lang="hu-HU" sz="3000" i="1" dirty="0" smtClean="0">
+                <a:latin typeface="Arabic Typesetting" pitchFamily="66" charset="-78"/>
+                <a:cs typeface="Arabic Typesetting" pitchFamily="66" charset="-78"/>
+              </a:rPr>
+              <a:t>A blogmotor stílusának kialakítása  </a:t>
+            </a:r>
+            <a:endParaRPr lang="en-GB" sz="3000" i="1" dirty="0">
+              <a:latin typeface="Arabic Typesetting" pitchFamily="66" charset="-78"/>
+              <a:cs typeface="Arabic Typesetting" pitchFamily="66" charset="-78"/>
+            </a:endParaRPr>
+          </a:p>
+        </p:txBody>
+      </p:sp>
+    </p:spTree>
+  </p:cSld>
+  <p:clrMapOvr>
+    <a:masterClrMapping/>
+  </p:clrMapOvr>
+  <p:timing>
+    <p:tnLst>
+      <p:par>
+        <p:cTn id="1" dur="indefinite" restart="never" nodeType="tmRoot"/>
+      </p:par>
+    </p:tnLst>
+  </p:timing>
+</p:sld>
+</file>
+
+<file path=ppt/slides/slide13.xml><?xml version="1.0" encoding="utf-8"?>
+<p:sld xmlns:a="http://schemas.openxmlformats.org/drawingml/2006/main" xmlns:r="http://schemas.openxmlformats.org/officeDocument/2006/relationships" xmlns:p="http://schemas.openxmlformats.org/presentationml/2006/main">
+  <p:cSld>
+    <p:spTree>
+      <p:nvGrpSpPr>
+        <p:cNvPr id="1" name=""/>
+        <p:cNvGrpSpPr/>
+        <p:nvPr/>
+      </p:nvGrpSpPr>
+      <p:grpSpPr>
+        <a:xfrm>
+          <a:off x="0" y="0"/>
+          <a:ext cx="0" cy="0"/>
+          <a:chOff x="0" y="0"/>
+          <a:chExt cx="0" cy="0"/>
+        </a:xfrm>
+      </p:grpSpPr>
+      <p:sp>
+        <p:nvSpPr>
+          <p:cNvPr id="2" name="Title 1"/>
+          <p:cNvSpPr>
+            <a:spLocks noGrp="1"/>
+          </p:cNvSpPr>
+          <p:nvPr>
+            <p:ph type="title"/>
+          </p:nvPr>
+        </p:nvSpPr>
+        <p:spPr/>
+        <p:txBody>
+          <a:bodyPr>
+            <a:normAutofit/>
+          </a:bodyPr>
+          <a:lstStyle/>
+          <a:p>
+            <a:r>
+              <a:rPr lang="hu-HU" sz="6000" b="1" dirty="0" smtClean="0">
+                <a:latin typeface="Arabic Typesetting" pitchFamily="66" charset="-78"/>
+                <a:cs typeface="Arabic Typesetting" pitchFamily="66" charset="-78"/>
+              </a:rPr>
+              <a:t>PHP</a:t>
+            </a:r>
+            <a:endParaRPr lang="en-GB" sz="6000" b="1" dirty="0">
+              <a:latin typeface="Arabic Typesetting" pitchFamily="66" charset="-78"/>
+              <a:cs typeface="Arabic Typesetting" pitchFamily="66" charset="-78"/>
+            </a:endParaRPr>
+          </a:p>
+        </p:txBody>
+      </p:sp>
+      <p:sp>
+        <p:nvSpPr>
+          <p:cNvPr id="4" name="Content Placeholder 2"/>
+          <p:cNvSpPr>
+            <a:spLocks noGrp="1"/>
+          </p:cNvSpPr>
+          <p:nvPr>
+            <p:ph idx="1"/>
+          </p:nvPr>
+        </p:nvSpPr>
+        <p:spPr>
+          <a:xfrm>
+            <a:off x="457200" y="1600200"/>
+            <a:ext cx="8363272" cy="4525963"/>
+          </a:xfrm>
+        </p:spPr>
+        <p:txBody>
+          <a:bodyPr>
+            <a:normAutofit/>
+          </a:bodyPr>
+          <a:lstStyle/>
+          <a:p>
+            <a:r>
+              <a:rPr lang="hu-HU" sz="3000" dirty="0" smtClean="0">
+                <a:latin typeface="Arabic Typesetting" pitchFamily="66" charset="-78"/>
+                <a:cs typeface="Arabic Typesetting" pitchFamily="66" charset="-78"/>
+              </a:rPr>
+              <a:t>az űrlapokkal elküldött adatok feldolgozása</a:t>
+            </a:r>
+          </a:p>
+          <a:p>
+            <a:pPr lvl="1"/>
+            <a:r>
+              <a:rPr lang="hu-HU" dirty="0" smtClean="0">
+                <a:latin typeface="Arabic Typesetting" pitchFamily="66" charset="-78"/>
+                <a:cs typeface="Arabic Typesetting" pitchFamily="66" charset="-78"/>
+              </a:rPr>
+              <a:t>felhasználók kezelése (regisztráció, bejelentkezés, kijelentkezés)</a:t>
+            </a:r>
+          </a:p>
+          <a:p>
+            <a:pPr lvl="1"/>
+            <a:r>
+              <a:rPr lang="hu-HU" dirty="0" smtClean="0">
+                <a:latin typeface="Arabic Typesetting" pitchFamily="66" charset="-78"/>
+                <a:cs typeface="Arabic Typesetting" pitchFamily="66" charset="-78"/>
+              </a:rPr>
+              <a:t>tartalmak kezelése (létrehozás, szerkesztés, törlés)</a:t>
+            </a:r>
+          </a:p>
+          <a:p>
+            <a:r>
+              <a:rPr lang="hu-HU" sz="3000" dirty="0" smtClean="0">
+                <a:latin typeface="Arabic Typesetting" pitchFamily="66" charset="-78"/>
+                <a:cs typeface="Arabic Typesetting" pitchFamily="66" charset="-78"/>
+              </a:rPr>
+              <a:t>felhasználói szint/jogosultság vizsgálata</a:t>
+            </a:r>
+          </a:p>
+          <a:p>
+            <a:pPr lvl="1"/>
+            <a:r>
+              <a:rPr lang="hu-HU" sz="2600" dirty="0" smtClean="0">
+                <a:latin typeface="Arabic Typesetting" pitchFamily="66" charset="-78"/>
+                <a:cs typeface="Arabic Typesetting" pitchFamily="66" charset="-78"/>
+              </a:rPr>
+              <a:t>1. szint: látogató</a:t>
+            </a:r>
+          </a:p>
+          <a:p>
+            <a:pPr lvl="1"/>
+            <a:r>
+              <a:rPr lang="hu-HU" sz="2600" dirty="0" smtClean="0">
+                <a:latin typeface="Arabic Typesetting" pitchFamily="66" charset="-78"/>
+                <a:cs typeface="Arabic Typesetting" pitchFamily="66" charset="-78"/>
+              </a:rPr>
+              <a:t>2. szint: regisztrált/belépett felhasználó</a:t>
+            </a:r>
+          </a:p>
+          <a:p>
+            <a:pPr lvl="2"/>
+            <a:r>
+              <a:rPr lang="hu-HU" sz="2600" dirty="0" smtClean="0">
+                <a:latin typeface="Arabic Typesetting" pitchFamily="66" charset="-78"/>
+                <a:cs typeface="Arabic Typesetting" pitchFamily="66" charset="-78"/>
+              </a:rPr>
+              <a:t>3. szint: moderátor</a:t>
+            </a:r>
+          </a:p>
+          <a:p>
+            <a:pPr lvl="2"/>
+            <a:r>
+              <a:rPr lang="hu-HU" sz="2600" dirty="0" smtClean="0">
+                <a:latin typeface="Arabic Typesetting" pitchFamily="66" charset="-78"/>
+                <a:cs typeface="Arabic Typesetting" pitchFamily="66" charset="-78"/>
+              </a:rPr>
+              <a:t>4. szint: rendszergazda</a:t>
+            </a:r>
+          </a:p>
+          <a:p>
+            <a:pPr lvl="2"/>
+            <a:r>
+              <a:rPr lang="hu-HU" sz="2600" dirty="0" smtClean="0">
+                <a:latin typeface="Arabic Typesetting" pitchFamily="66" charset="-78"/>
+                <a:cs typeface="Arabic Typesetting" pitchFamily="66" charset="-78"/>
+              </a:rPr>
+              <a:t>5. szint: kiemelt rendszergazda</a:t>
+            </a:r>
+          </a:p>
+        </p:txBody>
+      </p:sp>
+    </p:spTree>
+  </p:cSld>
+  <p:clrMapOvr>
+    <a:masterClrMapping/>
+  </p:clrMapOvr>
+  <p:timing>
+    <p:tnLst>
+      <p:par>
+        <p:cTn id="1" dur="indefinite" restart="never" nodeType="tmRoot"/>
+      </p:par>
+    </p:tnLst>
+  </p:timing>
+</p:sld>
+</file>
+
+<file path=ppt/slides/slide14.xml><?xml version="1.0" encoding="utf-8"?>
+<p:sld xmlns:a="http://schemas.openxmlformats.org/drawingml/2006/main" xmlns:r="http://schemas.openxmlformats.org/officeDocument/2006/relationships" xmlns:p="http://schemas.openxmlformats.org/presentationml/2006/main">
+  <p:cSld>
+    <p:spTree>
+      <p:nvGrpSpPr>
+        <p:cNvPr id="1" name=""/>
+        <p:cNvGrpSpPr/>
+        <p:nvPr/>
+      </p:nvGrpSpPr>
+      <p:grpSpPr>
+        <a:xfrm>
+          <a:off x="0" y="0"/>
+          <a:ext cx="0" cy="0"/>
+          <a:chOff x="0" y="0"/>
+          <a:chExt cx="0" cy="0"/>
+        </a:xfrm>
+      </p:grpSpPr>
+      <p:pic>
+        <p:nvPicPr>
+          <p:cNvPr id="3074" name="Picture 2" descr="C:\Users\Gelcsi\Desktop\w3suli\w3kepek\Screenshot from 2016-03-19 14_54_28.png"/>
+          <p:cNvPicPr>
+            <a:picLocks noChangeAspect="1" noChangeArrowheads="1"/>
+          </p:cNvPicPr>
+          <p:nvPr/>
+        </p:nvPicPr>
+        <p:blipFill>
+          <a:blip r:embed="rId3" cstate="print"/>
+          <a:srcRect/>
+          <a:stretch>
+            <a:fillRect/>
+          </a:stretch>
+        </p:blipFill>
+        <p:spPr bwMode="auto">
+          <a:xfrm>
+            <a:off x="611560" y="1268760"/>
+            <a:ext cx="7909223" cy="4446767"/>
+          </a:xfrm>
+          <a:prstGeom prst="rect">
+            <a:avLst/>
+          </a:prstGeom>
+          <a:ln w="38100" cap="sq">
+            <a:solidFill>
+              <a:srgbClr val="000000"/>
+            </a:solidFill>
+            <a:prstDash val="solid"/>
+            <a:miter lim="800000"/>
+          </a:ln>
+          <a:effectLst>
+            <a:outerShdw blurRad="50800" dist="38100" dir="2700000" algn="tl" rotWithShape="0">
+              <a:srgbClr val="000000">
+                <a:alpha val="43000"/>
+              </a:srgbClr>
+            </a:outerShdw>
+          </a:effectLst>
+        </p:spPr>
+      </p:pic>
+      <p:sp>
+        <p:nvSpPr>
+          <p:cNvPr id="5" name="TextBox 4"/>
+          <p:cNvSpPr txBox="1"/>
+          <p:nvPr/>
+        </p:nvSpPr>
+        <p:spPr>
+          <a:xfrm>
+            <a:off x="0" y="5805264"/>
+            <a:ext cx="9144000" cy="553998"/>
+          </a:xfrm>
+          <a:prstGeom prst="rect">
+            <a:avLst/>
+          </a:prstGeom>
+          <a:noFill/>
+        </p:spPr>
+        <p:txBody>
+          <a:bodyPr wrap="square" rtlCol="0">
+            <a:spAutoFit/>
+          </a:bodyPr>
+          <a:lstStyle/>
+          <a:p>
+            <a:pPr algn="ctr"/>
+            <a:r>
+              <a:rPr lang="hu-HU" sz="3000" i="1" dirty="0" smtClean="0">
+                <a:latin typeface="Arabic Typesetting" pitchFamily="66" charset="-78"/>
+                <a:cs typeface="Arabic Typesetting" pitchFamily="66" charset="-78"/>
+              </a:rPr>
+              <a:t>Az oldal alapadatainak űrlapja </a:t>
+            </a:r>
+            <a:endParaRPr lang="en-GB" sz="3000" i="1" dirty="0">
+              <a:latin typeface="Arabic Typesetting" pitchFamily="66" charset="-78"/>
+              <a:cs typeface="Arabic Typesetting" pitchFamily="66" charset="-78"/>
+            </a:endParaRPr>
+          </a:p>
+        </p:txBody>
+      </p:sp>
+    </p:spTree>
+  </p:cSld>
+  <p:clrMapOvr>
+    <a:masterClrMapping/>
+  </p:clrMapOvr>
+  <p:timing>
+    <p:tnLst>
+      <p:par>
+        <p:cTn id="1" dur="indefinite" restart="never" nodeType="tmRoot"/>
+      </p:par>
+    </p:tnLst>
+  </p:timing>
+</p:sld>
+</file>
+
+<file path=ppt/slides/slide15.xml><?xml version="1.0" encoding="utf-8"?>
+<p:sld xmlns:a="http://schemas.openxmlformats.org/drawingml/2006/main" xmlns:r="http://schemas.openxmlformats.org/officeDocument/2006/relationships" xmlns:p="http://schemas.openxmlformats.org/presentationml/2006/main">
+  <p:cSld>
+    <p:spTree>
+      <p:nvGrpSpPr>
+        <p:cNvPr id="1" name=""/>
+        <p:cNvGrpSpPr/>
+        <p:nvPr/>
+      </p:nvGrpSpPr>
+      <p:grpSpPr>
+        <a:xfrm>
+          <a:off x="0" y="0"/>
+          <a:ext cx="0" cy="0"/>
+          <a:chOff x="0" y="0"/>
+          <a:chExt cx="0" cy="0"/>
+        </a:xfrm>
+      </p:grpSpPr>
+      <p:sp>
+        <p:nvSpPr>
+          <p:cNvPr id="7" name="TextBox 6"/>
+          <p:cNvSpPr txBox="1"/>
+          <p:nvPr/>
+        </p:nvSpPr>
+        <p:spPr>
+          <a:xfrm>
+            <a:off x="0" y="5805264"/>
+            <a:ext cx="9144000" cy="553998"/>
+          </a:xfrm>
+          <a:prstGeom prst="rect">
+            <a:avLst/>
+          </a:prstGeom>
+          <a:noFill/>
+        </p:spPr>
+        <p:txBody>
+          <a:bodyPr wrap="square" rtlCol="0">
+            <a:spAutoFit/>
+          </a:bodyPr>
+          <a:lstStyle/>
+          <a:p>
+            <a:pPr algn="ctr"/>
+            <a:r>
+              <a:rPr lang="hu-HU" sz="3000" i="1" dirty="0" smtClean="0">
+                <a:latin typeface="Arabic Typesetting" pitchFamily="66" charset="-78"/>
+                <a:cs typeface="Arabic Typesetting" pitchFamily="66" charset="-78"/>
+              </a:rPr>
+              <a:t>Az űrlappal elküldött adatok kezelése</a:t>
+            </a:r>
+            <a:endParaRPr lang="en-GB" sz="3000" i="1" dirty="0">
+              <a:latin typeface="Arabic Typesetting" pitchFamily="66" charset="-78"/>
+              <a:cs typeface="Arabic Typesetting" pitchFamily="66" charset="-78"/>
+            </a:endParaRPr>
+          </a:p>
+        </p:txBody>
+      </p:sp>
+      <p:pic>
+        <p:nvPicPr>
+          <p:cNvPr id="1027" name="Picture 3"/>
+          <p:cNvPicPr>
+            <a:picLocks noChangeAspect="1" noChangeArrowheads="1"/>
+          </p:cNvPicPr>
+          <p:nvPr/>
+        </p:nvPicPr>
+        <p:blipFill>
+          <a:blip r:embed="rId2" cstate="print"/>
+          <a:srcRect/>
+          <a:stretch>
+            <a:fillRect/>
+          </a:stretch>
+        </p:blipFill>
+        <p:spPr bwMode="auto">
+          <a:xfrm>
+            <a:off x="611560" y="1124744"/>
+            <a:ext cx="7808235" cy="4617119"/>
+          </a:xfrm>
+          <a:prstGeom prst="rect">
+            <a:avLst/>
+          </a:prstGeom>
+          <a:ln w="38100" cap="sq">
+            <a:solidFill>
+              <a:srgbClr val="000000"/>
+            </a:solidFill>
+            <a:prstDash val="solid"/>
+            <a:miter lim="800000"/>
+          </a:ln>
+          <a:effectLst>
+            <a:outerShdw blurRad="50800" dist="38100" dir="2700000" algn="tl" rotWithShape="0">
+              <a:srgbClr val="000000">
+                <a:alpha val="43000"/>
+              </a:srgbClr>
+            </a:outerShdw>
+          </a:effectLst>
+        </p:spPr>
+      </p:pic>
+    </p:spTree>
+  </p:cSld>
+  <p:clrMapOvr>
+    <a:masterClrMapping/>
+  </p:clrMapOvr>
+  <p:timing>
+    <p:tnLst>
+      <p:par>
+        <p:cTn id="1" dur="indefinite" restart="never" nodeType="tmRoot"/>
+      </p:par>
+    </p:tnLst>
+  </p:timing>
+</p:sld>
+</file>
+
+<file path=ppt/slides/slide16.xml><?xml version="1.0" encoding="utf-8"?>
+<p:sld xmlns:a="http://schemas.openxmlformats.org/drawingml/2006/main" xmlns:r="http://schemas.openxmlformats.org/officeDocument/2006/relationships" xmlns:p="http://schemas.openxmlformats.org/presentationml/2006/main">
+  <p:cSld>
+    <p:spTree>
+      <p:nvGrpSpPr>
+        <p:cNvPr id="1" name=""/>
+        <p:cNvGrpSpPr/>
+        <p:nvPr/>
+      </p:nvGrpSpPr>
+      <p:grpSpPr>
+        <a:xfrm>
+          <a:off x="0" y="0"/>
+          <a:ext cx="0" cy="0"/>
+          <a:chOff x="0" y="0"/>
+          <a:chExt cx="0" cy="0"/>
+        </a:xfrm>
+      </p:grpSpPr>
+      <p:sp>
+        <p:nvSpPr>
+          <p:cNvPr id="2" name="Title 1"/>
+          <p:cNvSpPr>
+            <a:spLocks noGrp="1"/>
+          </p:cNvSpPr>
+          <p:nvPr>
+            <p:ph type="title"/>
+          </p:nvPr>
+        </p:nvSpPr>
+        <p:spPr/>
+        <p:txBody>
+          <a:bodyPr>
+            <a:normAutofit/>
+          </a:bodyPr>
+          <a:lstStyle/>
+          <a:p>
+            <a:r>
+              <a:rPr lang="hu-HU" sz="6000" b="1" dirty="0" smtClean="0">
+                <a:latin typeface="Arabic Typesetting" pitchFamily="66" charset="-78"/>
+                <a:cs typeface="Arabic Typesetting" pitchFamily="66" charset="-78"/>
+              </a:rPr>
+              <a:t>MySQLi</a:t>
+            </a:r>
+            <a:endParaRPr lang="en-GB" sz="6000" b="1" dirty="0">
+              <a:latin typeface="Arabic Typesetting" pitchFamily="66" charset="-78"/>
+              <a:cs typeface="Arabic Typesetting" pitchFamily="66" charset="-78"/>
+            </a:endParaRPr>
+          </a:p>
+        </p:txBody>
+      </p:sp>
+      <p:sp>
+        <p:nvSpPr>
+          <p:cNvPr id="4" name="Content Placeholder 2"/>
+          <p:cNvSpPr>
+            <a:spLocks noGrp="1"/>
+          </p:cNvSpPr>
+          <p:nvPr>
+            <p:ph idx="1"/>
+          </p:nvPr>
+        </p:nvSpPr>
+        <p:spPr>
+          <a:xfrm>
+            <a:off x="457200" y="1600200"/>
+            <a:ext cx="8363272" cy="4525963"/>
+          </a:xfrm>
+        </p:spPr>
+        <p:txBody>
+          <a:bodyPr>
+            <a:normAutofit/>
+          </a:bodyPr>
+          <a:lstStyle/>
+          <a:p>
+            <a:r>
+              <a:rPr lang="hu-HU" sz="3000" dirty="0" smtClean="0">
+                <a:latin typeface="Arabic Typesetting" pitchFamily="66" charset="-78"/>
+                <a:cs typeface="Arabic Typesetting" pitchFamily="66" charset="-78"/>
+              </a:rPr>
+              <a:t>az űrlapokkal elküldött adatok tárolása</a:t>
+            </a:r>
+          </a:p>
+          <a:p>
+            <a:pPr lvl="1"/>
+            <a:r>
+              <a:rPr lang="hu-HU" dirty="0" smtClean="0">
+                <a:latin typeface="Arabic Typesetting" pitchFamily="66" charset="-78"/>
+                <a:cs typeface="Arabic Typesetting" pitchFamily="66" charset="-78"/>
+              </a:rPr>
+              <a:t>webhely alapadatai (iskola neve és elérhetőségei)</a:t>
+            </a:r>
+          </a:p>
+          <a:p>
+            <a:pPr lvl="1"/>
+            <a:r>
+              <a:rPr lang="hu-HU" dirty="0" smtClean="0">
+                <a:latin typeface="Arabic Typesetting" pitchFamily="66" charset="-78"/>
+                <a:cs typeface="Arabic Typesetting" pitchFamily="66" charset="-78"/>
+              </a:rPr>
+              <a:t>oldalak tartalmi elemei (leírás, tartalom + oldalhoz tartozó cikkek)</a:t>
+            </a:r>
+          </a:p>
+          <a:p>
+            <a:pPr lvl="1"/>
+            <a:r>
+              <a:rPr lang="hu-HU" dirty="0" smtClean="0">
+                <a:latin typeface="Arabic Typesetting" pitchFamily="66" charset="-78"/>
+                <a:cs typeface="Arabic Typesetting" pitchFamily="66" charset="-78"/>
+              </a:rPr>
+              <a:t>kiegészítő tartalmak</a:t>
+            </a:r>
+          </a:p>
+          <a:p>
+            <a:pPr lvl="1"/>
+            <a:r>
+              <a:rPr lang="hu-HU" dirty="0" smtClean="0">
+                <a:latin typeface="Arabic Typesetting" pitchFamily="66" charset="-78"/>
+                <a:cs typeface="Arabic Typesetting" pitchFamily="66" charset="-78"/>
+              </a:rPr>
+              <a:t>menüsor</a:t>
+            </a:r>
+          </a:p>
+          <a:p>
+            <a:pPr lvl="1"/>
+            <a:r>
+              <a:rPr lang="hu-HU" dirty="0" smtClean="0">
+                <a:latin typeface="Arabic Typesetting" pitchFamily="66" charset="-78"/>
+                <a:cs typeface="Arabic Typesetting" pitchFamily="66" charset="-78"/>
+              </a:rPr>
+              <a:t>felhasználók adatai (felhasználónév, jelszó, felhasználói szint)</a:t>
+            </a:r>
+          </a:p>
+          <a:p>
+            <a:pPr lvl="1"/>
+            <a:r>
+              <a:rPr lang="hu-HU" smtClean="0">
+                <a:latin typeface="Arabic Typesetting" pitchFamily="66" charset="-78"/>
+                <a:cs typeface="Arabic Typesetting" pitchFamily="66" charset="-78"/>
+              </a:rPr>
+              <a:t>felhasználói </a:t>
+            </a:r>
+            <a:r>
+              <a:rPr lang="hu-HU" dirty="0" smtClean="0">
+                <a:latin typeface="Arabic Typesetting" pitchFamily="66" charset="-78"/>
+                <a:cs typeface="Arabic Typesetting" pitchFamily="66" charset="-78"/>
+              </a:rPr>
+              <a:t>csoportok és csoporttagok </a:t>
+            </a:r>
+          </a:p>
+          <a:p>
+            <a:pPr lvl="1"/>
+            <a:endParaRPr lang="hu-HU" sz="2600" dirty="0" smtClean="0">
+              <a:latin typeface="Arabic Typesetting" pitchFamily="66" charset="-78"/>
+              <a:cs typeface="Arabic Typesetting" pitchFamily="66" charset="-78"/>
+            </a:endParaRPr>
+          </a:p>
+        </p:txBody>
+      </p:sp>
+    </p:spTree>
+  </p:cSld>
+  <p:clrMapOvr>
+    <a:masterClrMapping/>
+  </p:clrMapOvr>
+  <p:timing>
+    <p:tnLst>
+      <p:par>
+        <p:cTn id="1" dur="indefinite" restart="never" nodeType="tmRoot"/>
+      </p:par>
+    </p:tnLst>
+  </p:timing>
+</p:sld>
+</file>
+
+<file path=ppt/slides/slide17.xml><?xml version="1.0" encoding="utf-8"?>
+<p:sld xmlns:a="http://schemas.openxmlformats.org/drawingml/2006/main" xmlns:r="http://schemas.openxmlformats.org/officeDocument/2006/relationships" xmlns:p="http://schemas.openxmlformats.org/presentationml/2006/main">
+  <p:cSld>
+    <p:spTree>
+      <p:nvGrpSpPr>
+        <p:cNvPr id="1" name=""/>
+        <p:cNvGrpSpPr/>
+        <p:nvPr/>
+      </p:nvGrpSpPr>
+      <p:grpSpPr>
+        <a:xfrm>
+          <a:off x="0" y="0"/>
+          <a:ext cx="0" cy="0"/>
+          <a:chOff x="0" y="0"/>
+          <a:chExt cx="0" cy="0"/>
+        </a:xfrm>
+      </p:grpSpPr>
+      <p:sp>
+        <p:nvSpPr>
+          <p:cNvPr id="5" name="TextBox 4"/>
+          <p:cNvSpPr txBox="1"/>
+          <p:nvPr/>
+        </p:nvSpPr>
+        <p:spPr>
+          <a:xfrm>
+            <a:off x="0" y="5805264"/>
+            <a:ext cx="9144000" cy="553998"/>
+          </a:xfrm>
+          <a:prstGeom prst="rect">
+            <a:avLst/>
+          </a:prstGeom>
+          <a:noFill/>
+        </p:spPr>
+        <p:txBody>
+          <a:bodyPr wrap="square" rtlCol="0">
+            <a:spAutoFit/>
+          </a:bodyPr>
+          <a:lstStyle/>
+          <a:p>
+            <a:pPr algn="ctr"/>
+            <a:r>
+              <a:rPr lang="hu-HU" sz="3000" i="1" dirty="0" smtClean="0">
+                <a:latin typeface="Arabic Typesetting" pitchFamily="66" charset="-78"/>
+                <a:cs typeface="Arabic Typesetting" pitchFamily="66" charset="-78"/>
+              </a:rPr>
+              <a:t>Az adattáblák adminisztrációja - phpMyAdmin</a:t>
+            </a:r>
+            <a:endParaRPr lang="en-GB" sz="3000" i="1" dirty="0">
+              <a:latin typeface="Arabic Typesetting" pitchFamily="66" charset="-78"/>
+              <a:cs typeface="Arabic Typesetting" pitchFamily="66" charset="-78"/>
+            </a:endParaRPr>
+          </a:p>
+        </p:txBody>
+      </p:sp>
+      <p:pic>
+        <p:nvPicPr>
+          <p:cNvPr id="2050" name="Picture 2" descr="C:\Users\Gelcsi\Desktop\documents-export-2016-03-21\Screenshot from 2016-03-21 14_33_05.png"/>
+          <p:cNvPicPr>
+            <a:picLocks noChangeAspect="1" noChangeArrowheads="1"/>
+          </p:cNvPicPr>
+          <p:nvPr/>
+        </p:nvPicPr>
+        <p:blipFill>
+          <a:blip r:embed="rId2" cstate="print"/>
+          <a:srcRect/>
+          <a:stretch>
+            <a:fillRect/>
+          </a:stretch>
+        </p:blipFill>
+        <p:spPr bwMode="auto">
+          <a:xfrm>
+            <a:off x="467544" y="1124744"/>
+            <a:ext cx="8196910" cy="4608512"/>
+          </a:xfrm>
+          <a:prstGeom prst="rect">
+            <a:avLst/>
+          </a:prstGeom>
+          <a:ln w="38100" cap="sq">
+            <a:solidFill>
+              <a:srgbClr val="000000"/>
+            </a:solidFill>
+            <a:prstDash val="solid"/>
+            <a:miter lim="800000"/>
+          </a:ln>
+          <a:effectLst>
+            <a:outerShdw blurRad="50800" dist="38100" dir="2700000" algn="tl" rotWithShape="0">
+              <a:srgbClr val="000000">
+                <a:alpha val="43000"/>
+              </a:srgbClr>
+            </a:outerShdw>
+          </a:effectLst>
+        </p:spPr>
+      </p:pic>
+    </p:spTree>
+  </p:cSld>
+  <p:clrMapOvr>
+    <a:masterClrMapping/>
+  </p:clrMapOvr>
+  <p:timing>
+    <p:tnLst>
+      <p:par>
+        <p:cTn id="1" dur="indefinite" restart="never" nodeType="tmRoot"/>
+      </p:par>
+    </p:tnLst>
+  </p:timing>
+</p:sld>
+</file>
+
+<file path=ppt/slides/slide18.xml><?xml version="1.0" encoding="utf-8"?>
+<p:sld xmlns:a="http://schemas.openxmlformats.org/drawingml/2006/main" xmlns:r="http://schemas.openxmlformats.org/officeDocument/2006/relationships" xmlns:p="http://schemas.openxmlformats.org/presentationml/2006/main">
+  <p:cSld>
+    <p:spTree>
+      <p:nvGrpSpPr>
+        <p:cNvPr id="1" name=""/>
+        <p:cNvGrpSpPr/>
+        <p:nvPr/>
+      </p:nvGrpSpPr>
+      <p:grpSpPr>
+        <a:xfrm>
+          <a:off x="0" y="0"/>
+          <a:ext cx="0" cy="0"/>
+          <a:chOff x="0" y="0"/>
+          <a:chExt cx="0" cy="0"/>
+        </a:xfrm>
+      </p:grpSpPr>
+      <p:sp>
+        <p:nvSpPr>
+          <p:cNvPr id="2" name="Title 1"/>
+          <p:cNvSpPr>
+            <a:spLocks noGrp="1"/>
+          </p:cNvSpPr>
+          <p:nvPr>
+            <p:ph type="title"/>
+          </p:nvPr>
+        </p:nvSpPr>
+        <p:spPr/>
+        <p:txBody>
+          <a:bodyPr>
+            <a:normAutofit/>
+          </a:bodyPr>
+          <a:lstStyle/>
+          <a:p>
+            <a:r>
+              <a:rPr lang="hu-HU" sz="6000" b="1" dirty="0" smtClean="0">
+                <a:latin typeface="Arabic Typesetting" pitchFamily="66" charset="-78"/>
+                <a:cs typeface="Arabic Typesetting" pitchFamily="66" charset="-78"/>
+              </a:rPr>
+              <a:t>GitHub</a:t>
+            </a:r>
+            <a:endParaRPr lang="en-GB" sz="6000" b="1" dirty="0">
+              <a:latin typeface="Arabic Typesetting" pitchFamily="66" charset="-78"/>
+              <a:cs typeface="Arabic Typesetting" pitchFamily="66" charset="-78"/>
+            </a:endParaRPr>
+          </a:p>
+        </p:txBody>
+      </p:sp>
+      <p:sp>
+        <p:nvSpPr>
+          <p:cNvPr id="4" name="Content Placeholder 2"/>
+          <p:cNvSpPr>
+            <a:spLocks noGrp="1"/>
+          </p:cNvSpPr>
+          <p:nvPr>
+            <p:ph idx="1"/>
+          </p:nvPr>
+        </p:nvSpPr>
+        <p:spPr>
+          <a:xfrm>
+            <a:off x="457200" y="1600200"/>
+            <a:ext cx="8363272" cy="4525963"/>
+          </a:xfrm>
+        </p:spPr>
+        <p:txBody>
+          <a:bodyPr>
+            <a:normAutofit/>
+          </a:bodyPr>
+          <a:lstStyle/>
+          <a:p>
+            <a:r>
+              <a:rPr lang="hu-HU" sz="3000" dirty="0" smtClean="0">
+                <a:latin typeface="Arabic Typesetting" pitchFamily="66" charset="-78"/>
+                <a:cs typeface="Arabic Typesetting" pitchFamily="66" charset="-78"/>
+              </a:rPr>
+              <a:t>blogmotor aktuális állapotának figyelése (+ változások követése)</a:t>
+            </a:r>
+          </a:p>
+          <a:p>
+            <a:pPr lvl="1"/>
+            <a:r>
+              <a:rPr lang="hu-HU" dirty="0" smtClean="0">
+                <a:latin typeface="Arabic Typesetting" pitchFamily="66" charset="-78"/>
+                <a:cs typeface="Arabic Typesetting" pitchFamily="66" charset="-78"/>
+              </a:rPr>
+              <a:t>régebbi verziókra visszatérés lehetősége</a:t>
+            </a:r>
+          </a:p>
+          <a:p>
+            <a:pPr lvl="1"/>
+            <a:r>
+              <a:rPr lang="hu-HU" dirty="0" smtClean="0">
+                <a:latin typeface="Arabic Typesetting" pitchFamily="66" charset="-78"/>
+                <a:cs typeface="Arabic Typesetting" pitchFamily="66" charset="-78"/>
+              </a:rPr>
+              <a:t>fejlesztők szinkron-munkájának megvalósítása</a:t>
+            </a:r>
+          </a:p>
+          <a:p>
+            <a:pPr lvl="2"/>
+            <a:r>
+              <a:rPr lang="hu-HU" sz="2800" dirty="0" smtClean="0">
+                <a:latin typeface="Arabic Typesetting" pitchFamily="66" charset="-78"/>
+                <a:cs typeface="Arabic Typesetting" pitchFamily="66" charset="-78"/>
+              </a:rPr>
+              <a:t>többverziós munka esetén: fork/branch</a:t>
+            </a:r>
+          </a:p>
+          <a:p>
+            <a:pPr lvl="2"/>
+            <a:r>
+              <a:rPr lang="hu-HU" sz="2800" dirty="0" smtClean="0">
+                <a:latin typeface="Arabic Typesetting" pitchFamily="66" charset="-78"/>
+                <a:cs typeface="Arabic Typesetting" pitchFamily="66" charset="-78"/>
+              </a:rPr>
+              <a:t>különböző fájlok módosítása esetén: master branch</a:t>
+            </a:r>
+          </a:p>
+        </p:txBody>
+      </p:sp>
+      <p:pic>
+        <p:nvPicPr>
+          <p:cNvPr id="6146" name="Picture 2"/>
+          <p:cNvPicPr>
+            <a:picLocks noChangeAspect="1" noChangeArrowheads="1"/>
+          </p:cNvPicPr>
+          <p:nvPr/>
+        </p:nvPicPr>
+        <p:blipFill>
+          <a:blip r:embed="rId2" cstate="print"/>
+          <a:srcRect/>
+          <a:stretch>
+            <a:fillRect/>
+          </a:stretch>
+        </p:blipFill>
+        <p:spPr bwMode="auto">
+          <a:xfrm>
+            <a:off x="899592" y="4509120"/>
+            <a:ext cx="7285037" cy="1400175"/>
+          </a:xfrm>
+          <a:prstGeom prst="rect">
+            <a:avLst/>
+          </a:prstGeom>
+          <a:ln w="38100" cap="sq">
+            <a:solidFill>
+              <a:srgbClr val="000000"/>
+            </a:solidFill>
+            <a:prstDash val="solid"/>
+            <a:miter lim="800000"/>
+          </a:ln>
+          <a:effectLst>
+            <a:outerShdw blurRad="50800" dist="38100" dir="2700000" algn="tl" rotWithShape="0">
+              <a:srgbClr val="000000">
+                <a:alpha val="43000"/>
+              </a:srgbClr>
+            </a:outerShdw>
+          </a:effectLst>
+        </p:spPr>
+      </p:pic>
+      <p:sp>
+        <p:nvSpPr>
+          <p:cNvPr id="5" name="TextBox 4"/>
+          <p:cNvSpPr txBox="1"/>
+          <p:nvPr/>
+        </p:nvSpPr>
+        <p:spPr>
+          <a:xfrm>
+            <a:off x="0" y="6021288"/>
+            <a:ext cx="9144000" cy="553998"/>
+          </a:xfrm>
+          <a:prstGeom prst="rect">
+            <a:avLst/>
+          </a:prstGeom>
+          <a:noFill/>
+        </p:spPr>
+        <p:txBody>
+          <a:bodyPr wrap="square" rtlCol="0">
+            <a:spAutoFit/>
+          </a:bodyPr>
+          <a:lstStyle/>
+          <a:p>
+            <a:pPr algn="ctr"/>
+            <a:r>
+              <a:rPr lang="hu-HU" sz="3000" i="1" dirty="0" smtClean="0">
+                <a:latin typeface="Arabic Typesetting" pitchFamily="66" charset="-78"/>
+                <a:cs typeface="Arabic Typesetting" pitchFamily="66" charset="-78"/>
+              </a:rPr>
+              <a:t>A projekt főága és mellékága</a:t>
+            </a:r>
+            <a:endParaRPr lang="en-GB" sz="3000" i="1" dirty="0">
+              <a:latin typeface="Arabic Typesetting" pitchFamily="66" charset="-78"/>
+              <a:cs typeface="Arabic Typesetting" pitchFamily="66" charset="-78"/>
+            </a:endParaRPr>
+          </a:p>
+        </p:txBody>
+      </p:sp>
+    </p:spTree>
+  </p:cSld>
+  <p:clrMapOvr>
+    <a:masterClrMapping/>
+  </p:clrMapOvr>
+  <p:timing>
+    <p:tnLst>
+      <p:par>
+        <p:cTn id="1" dur="indefinite" restart="never" nodeType="tmRoot"/>
+      </p:par>
+    </p:tnLst>
+  </p:timing>
+</p:sld>
+</file>
+
+<file path=ppt/slides/slide19.xml><?xml version="1.0" encoding="utf-8"?>
 <p:sld xmlns:a="http://schemas.openxmlformats.org/drawingml/2006/main" xmlns:r="http://schemas.openxmlformats.org/officeDocument/2006/relationships" xmlns:p="http://schemas.openxmlformats.org/presentationml/2006/main">
   <p:cSld>
     <p:spTree>
@@ -6215,10 +5573,167 @@
   <p:clrMapOvr>
     <a:masterClrMapping/>
   </p:clrMapOvr>
+  <p:timing>
+    <p:tnLst>
+      <p:par>
+        <p:cTn id="1" dur="indefinite" restart="never" nodeType="tmRoot"/>
+      </p:par>
+    </p:tnLst>
+  </p:timing>
 </p:sld>
 </file>
 
-<file path=ppt/slides/slide21.xml><?xml version="1.0" encoding="utf-8"?>
+<file path=ppt/slides/slide2.xml><?xml version="1.0" encoding="utf-8"?>
+<p:sld xmlns:a="http://schemas.openxmlformats.org/drawingml/2006/main" xmlns:r="http://schemas.openxmlformats.org/officeDocument/2006/relationships" xmlns:p="http://schemas.openxmlformats.org/presentationml/2006/main">
+  <p:cSld>
+    <p:spTree>
+      <p:nvGrpSpPr>
+        <p:cNvPr id="1" name=""/>
+        <p:cNvGrpSpPr/>
+        <p:nvPr/>
+      </p:nvGrpSpPr>
+      <p:grpSpPr>
+        <a:xfrm>
+          <a:off x="0" y="0"/>
+          <a:ext cx="0" cy="0"/>
+          <a:chOff x="0" y="0"/>
+          <a:chExt cx="0" cy="0"/>
+        </a:xfrm>
+      </p:grpSpPr>
+      <p:sp>
+        <p:nvSpPr>
+          <p:cNvPr id="2" name="Title 1"/>
+          <p:cNvSpPr>
+            <a:spLocks noGrp="1"/>
+          </p:cNvSpPr>
+          <p:nvPr>
+            <p:ph type="title"/>
+          </p:nvPr>
+        </p:nvSpPr>
+        <p:spPr/>
+        <p:txBody>
+          <a:bodyPr>
+            <a:normAutofit/>
+          </a:bodyPr>
+          <a:lstStyle/>
+          <a:p>
+            <a:r>
+              <a:rPr lang="hu-HU" sz="6000" b="1" dirty="0" smtClean="0">
+                <a:latin typeface="Arabic Typesetting" pitchFamily="66" charset="-78"/>
+                <a:cs typeface="Arabic Typesetting" pitchFamily="66" charset="-78"/>
+              </a:rPr>
+              <a:t>Előzménye</a:t>
+            </a:r>
+            <a:endParaRPr lang="en-GB" sz="6000" b="1" dirty="0">
+              <a:latin typeface="Arabic Typesetting" pitchFamily="66" charset="-78"/>
+              <a:cs typeface="Arabic Typesetting" pitchFamily="66" charset="-78"/>
+            </a:endParaRPr>
+          </a:p>
+        </p:txBody>
+      </p:sp>
+      <p:sp>
+        <p:nvSpPr>
+          <p:cNvPr id="3" name="Content Placeholder 2"/>
+          <p:cNvSpPr>
+            <a:spLocks noGrp="1"/>
+          </p:cNvSpPr>
+          <p:nvPr>
+            <p:ph idx="1"/>
+          </p:nvPr>
+        </p:nvSpPr>
+        <p:spPr/>
+        <p:txBody>
+          <a:bodyPr>
+            <a:normAutofit/>
+          </a:bodyPr>
+          <a:lstStyle/>
+          <a:p>
+            <a:r>
+              <a:rPr lang="hu-HU" dirty="0" smtClean="0">
+                <a:latin typeface="Arabic Typesetting" pitchFamily="66" charset="-78"/>
+                <a:cs typeface="Arabic Typesetting" pitchFamily="66" charset="-78"/>
+              </a:rPr>
+              <a:t>számos lehetőség létezik egy iskola életének bemutatására</a:t>
+            </a:r>
+          </a:p>
+          <a:p>
+            <a:pPr lvl="1"/>
+            <a:r>
+              <a:rPr lang="hu-HU" sz="3200" dirty="0" smtClean="0">
+                <a:latin typeface="Arabic Typesetting" pitchFamily="66" charset="-78"/>
+                <a:cs typeface="Arabic Typesetting" pitchFamily="66" charset="-78"/>
+              </a:rPr>
+              <a:t>bárki létrehozhat már szabadon weboldalakat</a:t>
+            </a:r>
+          </a:p>
+          <a:p>
+            <a:pPr lvl="1"/>
+            <a:r>
+              <a:rPr lang="hu-HU" sz="3200" dirty="0" smtClean="0">
+                <a:latin typeface="Arabic Typesetting" pitchFamily="66" charset="-78"/>
+                <a:cs typeface="Arabic Typesetting" pitchFamily="66" charset="-78"/>
+              </a:rPr>
+              <a:t>a tartalmak publikálása ellenőrzés nélkül is megtörténhet</a:t>
+            </a:r>
+          </a:p>
+          <a:p>
+            <a:r>
+              <a:rPr lang="hu-HU" dirty="0" smtClean="0">
+                <a:latin typeface="Arabic Typesetting" pitchFamily="66" charset="-78"/>
+                <a:cs typeface="Arabic Typesetting" pitchFamily="66" charset="-78"/>
+              </a:rPr>
+              <a:t>rendszeressé vált az internetes kommunikáció</a:t>
+            </a:r>
+          </a:p>
+          <a:p>
+            <a:pPr lvl="1"/>
+            <a:r>
+              <a:rPr lang="hu-HU" sz="3200" dirty="0" smtClean="0">
+                <a:latin typeface="Arabic Typesetting" pitchFamily="66" charset="-78"/>
+                <a:cs typeface="Arabic Typesetting" pitchFamily="66" charset="-78"/>
+              </a:rPr>
+              <a:t>információközlés levelezőrendszeren keresztül</a:t>
+            </a:r>
+          </a:p>
+          <a:p>
+            <a:pPr lvl="1"/>
+            <a:r>
+              <a:rPr lang="hu-HU" sz="3200" dirty="0" smtClean="0">
+                <a:latin typeface="Arabic Typesetting" pitchFamily="66" charset="-78"/>
+                <a:cs typeface="Arabic Typesetting" pitchFamily="66" charset="-78"/>
+              </a:rPr>
+              <a:t>tananyagok megosztása különféle platformokon</a:t>
+            </a:r>
+            <a:endParaRPr lang="hu-HU" sz="2800" dirty="0" smtClean="0">
+              <a:latin typeface="Arabic Typesetting" pitchFamily="66" charset="-78"/>
+              <a:cs typeface="Arabic Typesetting" pitchFamily="66" charset="-78"/>
+            </a:endParaRPr>
+          </a:p>
+          <a:p>
+            <a:pPr lvl="1"/>
+            <a:endParaRPr lang="en-GB" dirty="0">
+              <a:latin typeface="Arabic Typesetting" pitchFamily="66" charset="-78"/>
+              <a:cs typeface="Arabic Typesetting" pitchFamily="66" charset="-78"/>
+            </a:endParaRPr>
+          </a:p>
+        </p:txBody>
+      </p:sp>
+    </p:spTree>
+  </p:cSld>
+  <p:clrMapOvr>
+    <a:masterClrMapping/>
+  </p:clrMapOvr>
+  <p:timing>
+    <p:tnLst>
+      <p:par>
+        <p:cTn id="1" dur="indefinite" restart="never" nodeType="tmRoot"/>
+      </p:par>
+    </p:tnLst>
+  </p:timing>
+</p:sld>
+</file>
+
+<file path=ppt/slides/slide20.xml><?xml version="1.0" encoding="utf-8"?>
 <p:sld xmlns:a="http://schemas.openxmlformats.org/drawingml/2006/main" xmlns:r="http://schemas.openxmlformats.org/officeDocument/2006/relationships" xmlns:p="http://schemas.openxmlformats.org/presentationml/2006/main">
   <p:cSld>
     <p:spTree>
@@ -6316,10 +5831,17 @@
   <p:clrMapOvr>
     <a:masterClrMapping/>
   </p:clrMapOvr>
+  <p:timing>
+    <p:tnLst>
+      <p:par>
+        <p:cTn id="1" dur="indefinite" restart="never" nodeType="tmRoot"/>
+      </p:par>
+    </p:tnLst>
+  </p:timing>
 </p:sld>
 </file>
 
-<file path=ppt/slides/slide22.xml><?xml version="1.0" encoding="utf-8"?>
+<file path=ppt/slides/slide21.xml><?xml version="1.0" encoding="utf-8"?>
 <p:sld xmlns:a="http://schemas.openxmlformats.org/drawingml/2006/main" xmlns:r="http://schemas.openxmlformats.org/officeDocument/2006/relationships" xmlns:p="http://schemas.openxmlformats.org/presentationml/2006/main">
   <p:cSld>
     <p:spTree>
@@ -7601,7 +7123,7 @@
 </p:sld>
 </file>
 
-<file path=ppt/slides/slide23.xml><?xml version="1.0" encoding="utf-8"?>
+<file path=ppt/slides/slide22.xml><?xml version="1.0" encoding="utf-8"?>
 <p:sld xmlns:a="http://schemas.openxmlformats.org/drawingml/2006/main" xmlns:r="http://schemas.openxmlformats.org/officeDocument/2006/relationships" xmlns:p="http://schemas.openxmlformats.org/presentationml/2006/main">
   <p:cSld>
     <p:spTree>
@@ -8912,7 +8434,7 @@
 </p:sld>
 </file>
 
-<file path=ppt/slides/slide24.xml><?xml version="1.0" encoding="utf-8"?>
+<file path=ppt/slides/slide23.xml><?xml version="1.0" encoding="utf-8"?>
 <p:sld xmlns:a="http://schemas.openxmlformats.org/drawingml/2006/main" xmlns:r="http://schemas.openxmlformats.org/officeDocument/2006/relationships" xmlns:p="http://schemas.openxmlformats.org/presentationml/2006/main">
   <p:cSld>
     <p:spTree>
@@ -9026,7 +8548,7 @@
           </a:p>
           <a:p>
             <a:r>
-              <a:rPr lang="hu-HU" sz="3900" b="1" dirty="0" smtClean="0">
+              <a:rPr lang="hu-HU" sz="3500" b="1" dirty="0" smtClean="0">
                 <a:latin typeface="Arabic Typesetting" pitchFamily="66" charset="-78"/>
                 <a:cs typeface="Arabic Typesetting" pitchFamily="66" charset="-78"/>
               </a:rPr>
@@ -9055,6 +8577,13 @@
   <p:clrMapOvr>
     <a:masterClrMapping/>
   </p:clrMapOvr>
+  <p:timing>
+    <p:tnLst>
+      <p:par>
+        <p:cTn id="1" dur="indefinite" restart="never" nodeType="tmRoot"/>
+      </p:par>
+    </p:tnLst>
+  </p:timing>
 </p:sld>
 </file>
 
@@ -9097,7 +8626,7 @@
                 <a:latin typeface="Arabic Typesetting" pitchFamily="66" charset="-78"/>
                 <a:cs typeface="Arabic Typesetting" pitchFamily="66" charset="-78"/>
               </a:rPr>
-              <a:t>Előzménye</a:t>
+              <a:t>A projekt célja</a:t>
             </a:r>
             <a:endParaRPr lang="en-GB" sz="6000" b="1" dirty="0">
               <a:latin typeface="Arabic Typesetting" pitchFamily="66" charset="-78"/>
@@ -9124,61 +8653,105 @@
           <a:lstStyle/>
           <a:p>
             <a:r>
+              <a:rPr lang="hu-HU" sz="3600" dirty="0" smtClean="0">
+                <a:latin typeface="Arabic Typesetting" pitchFamily="66" charset="-78"/>
+                <a:cs typeface="Arabic Typesetting" pitchFamily="66" charset="-78"/>
+              </a:rPr>
+              <a:t>Facebook-hoz hasonló blogmotor elkészítése, ahol</a:t>
+            </a:r>
+            <a:endParaRPr lang="hu-HU" dirty="0" smtClean="0">
+              <a:latin typeface="Arabic Typesetting" pitchFamily="66" charset="-78"/>
+              <a:cs typeface="Arabic Typesetting" pitchFamily="66" charset="-78"/>
+            </a:endParaRPr>
+          </a:p>
+          <a:p>
+            <a:pPr lvl="1"/>
+            <a:r>
               <a:rPr lang="hu-HU" dirty="0" smtClean="0">
                 <a:latin typeface="Arabic Typesetting" pitchFamily="66" charset="-78"/>
                 <a:cs typeface="Arabic Typesetting" pitchFamily="66" charset="-78"/>
               </a:rPr>
-              <a:t>számos lehetőség létezik egy iskola életének bemutatására</a:t>
+              <a:t>a tanárok és a diákok munkáikat közzétehetik</a:t>
+            </a:r>
+          </a:p>
+          <a:p>
+            <a:pPr lvl="2"/>
+            <a:r>
+              <a:rPr lang="hu-HU" sz="2800" dirty="0" smtClean="0">
+                <a:latin typeface="Arabic Typesetting" pitchFamily="66" charset="-78"/>
+                <a:cs typeface="Arabic Typesetting" pitchFamily="66" charset="-78"/>
+              </a:rPr>
+              <a:t>minden látogató számára </a:t>
+            </a:r>
+          </a:p>
+          <a:p>
+            <a:pPr lvl="2"/>
+            <a:r>
+              <a:rPr lang="hu-HU" sz="2800" dirty="0" smtClean="0">
+                <a:latin typeface="Arabic Typesetting" pitchFamily="66" charset="-78"/>
+                <a:cs typeface="Arabic Typesetting" pitchFamily="66" charset="-78"/>
+              </a:rPr>
+              <a:t>meghatározott célcsoport (pl. DÖK, 12.B osztály) számára</a:t>
             </a:r>
           </a:p>
           <a:p>
             <a:pPr lvl="1"/>
             <a:r>
-              <a:rPr lang="hu-HU" sz="3200" dirty="0" smtClean="0">
-                <a:latin typeface="Arabic Typesetting" pitchFamily="66" charset="-78"/>
-                <a:cs typeface="Arabic Typesetting" pitchFamily="66" charset="-78"/>
-              </a:rPr>
-              <a:t>bárki létrehozhat már szabadon weboldalakat</a:t>
+              <a:rPr lang="hu-HU" dirty="0" smtClean="0">
+                <a:latin typeface="Arabic Typesetting" pitchFamily="66" charset="-78"/>
+                <a:cs typeface="Arabic Typesetting" pitchFamily="66" charset="-78"/>
+              </a:rPr>
+              <a:t>csoportok/osztályok aloldalakat hozhatnak létre</a:t>
+            </a:r>
+          </a:p>
+          <a:p>
+            <a:pPr lvl="2"/>
+            <a:r>
+              <a:rPr lang="hu-HU" sz="2800" dirty="0" smtClean="0">
+                <a:latin typeface="Arabic Typesetting" pitchFamily="66" charset="-78"/>
+                <a:cs typeface="Arabic Typesetting" pitchFamily="66" charset="-78"/>
+              </a:rPr>
+              <a:t>megjegyzéseket/cikkeket írhatnak (élménybeszámolók, ötletek)</a:t>
             </a:r>
           </a:p>
           <a:p>
             <a:pPr lvl="1"/>
             <a:r>
-              <a:rPr lang="hu-HU" sz="3200" dirty="0" smtClean="0">
-                <a:latin typeface="Arabic Typesetting" pitchFamily="66" charset="-78"/>
-                <a:cs typeface="Arabic Typesetting" pitchFamily="66" charset="-78"/>
-              </a:rPr>
-              <a:t>a tartalmak publikálása ellenőrzés nélkül is megtörténhet</a:t>
-            </a:r>
-          </a:p>
-          <a:p>
-            <a:r>
               <a:rPr lang="hu-HU" dirty="0" smtClean="0">
                 <a:latin typeface="Arabic Typesetting" pitchFamily="66" charset="-78"/>
                 <a:cs typeface="Arabic Typesetting" pitchFamily="66" charset="-78"/>
               </a:rPr>
-              <a:t>rendszeressé vált az internetes kommunikáció</a:t>
-            </a:r>
-          </a:p>
-          <a:p>
-            <a:pPr lvl="1"/>
-            <a:r>
-              <a:rPr lang="hu-HU" sz="3200" dirty="0" smtClean="0">
-                <a:latin typeface="Arabic Typesetting" pitchFamily="66" charset="-78"/>
-                <a:cs typeface="Arabic Typesetting" pitchFamily="66" charset="-78"/>
-              </a:rPr>
-              <a:t>információközlés levelezőrendszeren keresztül</a:t>
-            </a:r>
-          </a:p>
-          <a:p>
-            <a:pPr lvl="1"/>
-            <a:r>
-              <a:rPr lang="hu-HU" sz="3200" dirty="0" smtClean="0">
-                <a:latin typeface="Arabic Typesetting" pitchFamily="66" charset="-78"/>
-                <a:cs typeface="Arabic Typesetting" pitchFamily="66" charset="-78"/>
-              </a:rPr>
-              <a:t>tananyagok megosztása különféle platformokon</a:t>
-            </a:r>
+              <a:t>a </a:t>
+            </a:r>
+            <a:r>
+              <a:rPr lang="hu-HU" smtClean="0">
+                <a:latin typeface="Arabic Typesetting" pitchFamily="66" charset="-78"/>
+                <a:cs typeface="Arabic Typesetting" pitchFamily="66" charset="-78"/>
+              </a:rPr>
+              <a:t>megjelenített tartalmakat a moderátorok </a:t>
+            </a:r>
+            <a:r>
+              <a:rPr lang="hu-HU" dirty="0" smtClean="0">
+                <a:latin typeface="Arabic Typesetting" pitchFamily="66" charset="-78"/>
+                <a:cs typeface="Arabic Typesetting" pitchFamily="66" charset="-78"/>
+              </a:rPr>
+              <a:t>publikálás előtt ellenőrizhetik</a:t>
+            </a:r>
+          </a:p>
+          <a:p>
+            <a:pPr lvl="2"/>
+            <a:r>
+              <a:rPr lang="hu-HU" sz="2800" dirty="0" smtClean="0">
+                <a:latin typeface="Arabic Typesetting" pitchFamily="66" charset="-78"/>
+                <a:cs typeface="Arabic Typesetting" pitchFamily="66" charset="-78"/>
+              </a:rPr>
+              <a:t>engedélyezhetik, törölhetik, szerkeszthetik</a:t>
+            </a:r>
+          </a:p>
+          <a:p>
+            <a:pPr lvl="2">
+              <a:buNone/>
+            </a:pPr>
             <a:endParaRPr lang="hu-HU" sz="2800" dirty="0" smtClean="0">
               <a:latin typeface="Arabic Typesetting" pitchFamily="66" charset="-78"/>
               <a:cs typeface="Arabic Typesetting" pitchFamily="66" charset="-78"/>
@@ -9186,7 +8759,7 @@
           </a:p>
           <a:p>
             <a:pPr lvl="1"/>
-            <a:endParaRPr lang="en-GB" dirty="0">
+            <a:endParaRPr lang="hu-HU" dirty="0" smtClean="0">
               <a:latin typeface="Arabic Typesetting" pitchFamily="66" charset="-78"/>
               <a:cs typeface="Arabic Typesetting" pitchFamily="66" charset="-78"/>
             </a:endParaRPr>
@@ -9278,105 +8851,47 @@
                 <a:latin typeface="Arabic Typesetting" pitchFamily="66" charset="-78"/>
                 <a:cs typeface="Arabic Typesetting" pitchFamily="66" charset="-78"/>
               </a:rPr>
-              <a:t>Facebook-hoz hasonló blogmotor elkészítése, ahol</a:t>
-            </a:r>
-            <a:endParaRPr lang="hu-HU" dirty="0" smtClean="0">
-              <a:latin typeface="Arabic Typesetting" pitchFamily="66" charset="-78"/>
-              <a:cs typeface="Arabic Typesetting" pitchFamily="66" charset="-78"/>
-            </a:endParaRPr>
+              <a:t>a projektben részvevő tanulók oktatása</a:t>
+            </a:r>
           </a:p>
           <a:p>
             <a:pPr lvl="1"/>
             <a:r>
-              <a:rPr lang="hu-HU" dirty="0" smtClean="0">
-                <a:latin typeface="Arabic Typesetting" pitchFamily="66" charset="-78"/>
-                <a:cs typeface="Arabic Typesetting" pitchFamily="66" charset="-78"/>
-              </a:rPr>
-              <a:t>a tanárok és a diákok munkáikat közzétehetik</a:t>
-            </a:r>
-          </a:p>
-          <a:p>
-            <a:pPr lvl="2"/>
-            <a:r>
-              <a:rPr lang="hu-HU" sz="2800" dirty="0" smtClean="0">
-                <a:latin typeface="Arabic Typesetting" pitchFamily="66" charset="-78"/>
-                <a:cs typeface="Arabic Typesetting" pitchFamily="66" charset="-78"/>
-              </a:rPr>
-              <a:t>minden látogató számára </a:t>
-            </a:r>
-          </a:p>
-          <a:p>
-            <a:pPr lvl="2"/>
-            <a:r>
-              <a:rPr lang="hu-HU" sz="2800" dirty="0" smtClean="0">
-                <a:latin typeface="Arabic Typesetting" pitchFamily="66" charset="-78"/>
-                <a:cs typeface="Arabic Typesetting" pitchFamily="66" charset="-78"/>
-              </a:rPr>
-              <a:t>meghatározott célcsoport (pl. DÖK, 12.B osztály) számára</a:t>
+              <a:rPr lang="hu-HU" sz="3000" dirty="0" smtClean="0">
+                <a:latin typeface="Arabic Typesetting" pitchFamily="66" charset="-78"/>
+                <a:cs typeface="Arabic Typesetting" pitchFamily="66" charset="-78"/>
+              </a:rPr>
+              <a:t>a webfejlesztéshez szükséges ismeretanyag elsajátítása</a:t>
             </a:r>
           </a:p>
           <a:p>
             <a:pPr lvl="1"/>
             <a:r>
-              <a:rPr lang="hu-HU" dirty="0" smtClean="0">
-                <a:latin typeface="Arabic Typesetting" pitchFamily="66" charset="-78"/>
-                <a:cs typeface="Arabic Typesetting" pitchFamily="66" charset="-78"/>
-              </a:rPr>
-              <a:t>csoportok/osztályok aloldalakat hozhatnak létre</a:t>
-            </a:r>
-          </a:p>
-          <a:p>
-            <a:pPr lvl="2"/>
-            <a:r>
-              <a:rPr lang="hu-HU" sz="2800" dirty="0" smtClean="0">
-                <a:latin typeface="Arabic Typesetting" pitchFamily="66" charset="-78"/>
-                <a:cs typeface="Arabic Typesetting" pitchFamily="66" charset="-78"/>
-              </a:rPr>
-              <a:t>megjegyzéseket/cikkeket írhatnak (élménybeszámolók, ötletek)</a:t>
+              <a:rPr lang="hu-HU" sz="3000" dirty="0" smtClean="0">
+                <a:latin typeface="Arabic Typesetting" pitchFamily="66" charset="-78"/>
+                <a:cs typeface="Arabic Typesetting" pitchFamily="66" charset="-78"/>
+              </a:rPr>
+              <a:t>problémamegoldó készség fejlesztése</a:t>
             </a:r>
           </a:p>
           <a:p>
             <a:pPr lvl="1"/>
             <a:r>
-              <a:rPr lang="hu-HU" dirty="0" smtClean="0">
-                <a:latin typeface="Arabic Typesetting" pitchFamily="66" charset="-78"/>
-                <a:cs typeface="Arabic Typesetting" pitchFamily="66" charset="-78"/>
-              </a:rPr>
-              <a:t>a </a:t>
-            </a:r>
-            <a:r>
-              <a:rPr lang="hu-HU" smtClean="0">
-                <a:latin typeface="Arabic Typesetting" pitchFamily="66" charset="-78"/>
-                <a:cs typeface="Arabic Typesetting" pitchFamily="66" charset="-78"/>
-              </a:rPr>
-              <a:t>megjelenített tartalmakat a moderátorok </a:t>
-            </a:r>
-            <a:r>
-              <a:rPr lang="hu-HU" dirty="0" smtClean="0">
-                <a:latin typeface="Arabic Typesetting" pitchFamily="66" charset="-78"/>
-                <a:cs typeface="Arabic Typesetting" pitchFamily="66" charset="-78"/>
-              </a:rPr>
-              <a:t>publikálás előtt ellenőrizhetik</a:t>
-            </a:r>
-          </a:p>
-          <a:p>
-            <a:pPr lvl="2"/>
-            <a:r>
-              <a:rPr lang="hu-HU" sz="2800" dirty="0" smtClean="0">
-                <a:latin typeface="Arabic Typesetting" pitchFamily="66" charset="-78"/>
-                <a:cs typeface="Arabic Typesetting" pitchFamily="66" charset="-78"/>
-              </a:rPr>
-              <a:t>engedélyezhetik, törölhetik, szerkeszthetik</a:t>
-            </a:r>
-          </a:p>
-          <a:p>
-            <a:pPr lvl="2">
-              <a:buNone/>
-            </a:pPr>
-            <a:endParaRPr lang="hu-HU" sz="2800" dirty="0" smtClean="0">
-              <a:latin typeface="Arabic Typesetting" pitchFamily="66" charset="-78"/>
-              <a:cs typeface="Arabic Typesetting" pitchFamily="66" charset="-78"/>
-            </a:endParaRPr>
+              <a:rPr lang="hu-HU" sz="3000" dirty="0" smtClean="0">
+                <a:latin typeface="Arabic Typesetting" pitchFamily="66" charset="-78"/>
+                <a:cs typeface="Arabic Typesetting" pitchFamily="66" charset="-78"/>
+              </a:rPr>
+              <a:t>csoportmunka megismerése</a:t>
+            </a:r>
+          </a:p>
+          <a:p>
+            <a:r>
+              <a:rPr lang="hu-HU" sz="3400" dirty="0" smtClean="0">
+                <a:latin typeface="Arabic Typesetting" pitchFamily="66" charset="-78"/>
+                <a:cs typeface="Arabic Typesetting" pitchFamily="66" charset="-78"/>
+              </a:rPr>
+              <a:t>szakmai gyakorlat igazolása és referencia szerzése</a:t>
+            </a:r>
           </a:p>
           <a:p>
             <a:pPr lvl="1"/>
@@ -9441,7 +8956,7 @@
                 <a:latin typeface="Arabic Typesetting" pitchFamily="66" charset="-78"/>
                 <a:cs typeface="Arabic Typesetting" pitchFamily="66" charset="-78"/>
               </a:rPr>
-              <a:t>A projekt célja</a:t>
+              <a:t>A projekt résztvevői</a:t>
             </a:r>
             <a:endParaRPr lang="en-GB" sz="6000" b="1" dirty="0">
               <a:latin typeface="Arabic Typesetting" pitchFamily="66" charset="-78"/>
@@ -9452,7 +8967,7 @@
       </p:sp>
       <p:sp>
         <p:nvSpPr>
-          <p:cNvPr id="3" name="Content Placeholder 2"/>
+          <p:cNvPr id="4" name="Content Placeholder 2"/>
           <p:cNvSpPr>
             <a:spLocks noGrp="1"/>
           </p:cNvSpPr>
@@ -9460,67 +8975,182 @@
             <p:ph idx="1"/>
           </p:nvPr>
         </p:nvSpPr>
-        <p:spPr/>
-        <p:txBody>
-          <a:bodyPr>
-            <a:normAutofit/>
+        <p:spPr>
+          <a:xfrm>
+            <a:off x="395536" y="1673424"/>
+            <a:ext cx="8229600" cy="4419872"/>
+          </a:xfrm>
+        </p:spPr>
+        <p:txBody>
+          <a:bodyPr numCol="1">
+            <a:noAutofit/>
           </a:bodyPr>
           <a:lstStyle/>
           <a:p>
             <a:r>
-              <a:rPr lang="hu-HU" sz="3600" dirty="0" smtClean="0">
-                <a:latin typeface="Arabic Typesetting" pitchFamily="66" charset="-78"/>
-                <a:cs typeface="Arabic Typesetting" pitchFamily="66" charset="-78"/>
-              </a:rPr>
-              <a:t>a projektben részvevő tanulók oktatása</a:t>
-            </a:r>
-          </a:p>
-          <a:p>
-            <a:pPr lvl="1"/>
+              <a:rPr lang="hu-HU" b="1" dirty="0" smtClean="0">
+                <a:latin typeface="Arabic Typesetting" pitchFamily="66" charset="-78"/>
+                <a:cs typeface="Arabic Typesetting" pitchFamily="66" charset="-78"/>
+              </a:rPr>
+              <a:t>Projektvezető/koordinátor: </a:t>
+            </a:r>
             <a:r>
               <a:rPr lang="hu-HU" sz="3000" dirty="0" smtClean="0">
                 <a:latin typeface="Arabic Typesetting" pitchFamily="66" charset="-78"/>
                 <a:cs typeface="Arabic Typesetting" pitchFamily="66" charset="-78"/>
               </a:rPr>
-              <a:t>a webfejlesztéshez szükséges ismeretanyag elsajátítása</a:t>
-            </a:r>
-          </a:p>
-          <a:p>
-            <a:pPr lvl="1"/>
+              <a:t>Gál Tamás, Sallai </a:t>
+            </a:r>
             <a:r>
               <a:rPr lang="hu-HU" sz="3000" dirty="0" smtClean="0">
                 <a:latin typeface="Arabic Typesetting" pitchFamily="66" charset="-78"/>
                 <a:cs typeface="Arabic Typesetting" pitchFamily="66" charset="-78"/>
               </a:rPr>
-              <a:t>problémamegoldó készség fejlesztése</a:t>
-            </a:r>
-          </a:p>
-          <a:p>
-            <a:pPr lvl="1"/>
+              <a:t>András</a:t>
+            </a:r>
+          </a:p>
+          <a:p>
+            <a:r>
+              <a:rPr lang="hu-HU" b="1" dirty="0" smtClean="0">
+                <a:latin typeface="Arabic Typesetting" pitchFamily="66" charset="-78"/>
+                <a:cs typeface="Arabic Typesetting" pitchFamily="66" charset="-78"/>
+              </a:rPr>
+              <a:t>Programkód: </a:t>
+            </a:r>
             <a:r>
               <a:rPr lang="hu-HU" sz="3000" dirty="0" smtClean="0">
                 <a:latin typeface="Arabic Typesetting" pitchFamily="66" charset="-78"/>
                 <a:cs typeface="Arabic Typesetting" pitchFamily="66" charset="-78"/>
               </a:rPr>
-              <a:t>csoportmunka megismerése</a:t>
-            </a:r>
-          </a:p>
-          <a:p>
-            <a:pPr lvl="1"/>
+              <a:t>Bárczi Dávid, </a:t>
+            </a:r>
             <a:r>
               <a:rPr lang="hu-HU" sz="3000" dirty="0" smtClean="0">
                 <a:latin typeface="Arabic Typesetting" pitchFamily="66" charset="-78"/>
                 <a:cs typeface="Arabic Typesetting" pitchFamily="66" charset="-78"/>
               </a:rPr>
-              <a:t>szakmai gyakorlat igazolása és referencia szerzése</a:t>
-            </a:r>
-          </a:p>
-          <a:p>
-            <a:pPr lvl="1"/>
-            <a:endParaRPr lang="hu-HU" dirty="0" smtClean="0">
+              <a:t>Guti Patrik, </a:t>
+            </a:r>
+            <a:r>
+              <a:rPr lang="hu-HU" sz="3000" dirty="0" smtClean="0">
+                <a:latin typeface="Arabic Typesetting" pitchFamily="66" charset="-78"/>
+                <a:cs typeface="Arabic Typesetting" pitchFamily="66" charset="-78"/>
+              </a:rPr>
+              <a:t>Szabó Máté, </a:t>
+            </a:r>
+            <a:r>
+              <a:rPr lang="hu-HU" sz="3000" dirty="0" smtClean="0">
+                <a:latin typeface="Arabic Typesetting" pitchFamily="66" charset="-78"/>
+                <a:cs typeface="Arabic Typesetting" pitchFamily="66" charset="-78"/>
+              </a:rPr>
+              <a:t>Szép Balázs, Tóth-Kovács Gellért, Wigmond Ádám</a:t>
+            </a:r>
+          </a:p>
+          <a:p>
+            <a:r>
+              <a:rPr lang="hu-HU" b="1" dirty="0" smtClean="0">
+                <a:latin typeface="Arabic Typesetting" pitchFamily="66" charset="-78"/>
+                <a:cs typeface="Arabic Typesetting" pitchFamily="66" charset="-78"/>
+              </a:rPr>
+              <a:t>Design és tesztelés: </a:t>
+            </a:r>
+            <a:r>
+              <a:rPr lang="hu-HU" sz="3000" dirty="0" smtClean="0">
+                <a:latin typeface="Arabic Typesetting" pitchFamily="66" charset="-78"/>
+                <a:cs typeface="Arabic Typesetting" pitchFamily="66" charset="-78"/>
+              </a:rPr>
+              <a:t>Bárczi Dávid, </a:t>
+            </a:r>
+            <a:r>
+              <a:rPr lang="hu-HU" sz="3000" dirty="0" smtClean="0">
+                <a:latin typeface="Arabic Typesetting" pitchFamily="66" charset="-78"/>
+                <a:cs typeface="Arabic Typesetting" pitchFamily="66" charset="-78"/>
+              </a:rPr>
+              <a:t>Beschenbacher Kornél, </a:t>
+            </a:r>
+            <a:r>
+              <a:rPr lang="hu-HU" sz="3000" dirty="0" smtClean="0">
+                <a:latin typeface="Arabic Typesetting" pitchFamily="66" charset="-78"/>
+                <a:cs typeface="Arabic Typesetting" pitchFamily="66" charset="-78"/>
+              </a:rPr>
+              <a:t>Guti Patrik, </a:t>
+            </a:r>
+            <a:r>
+              <a:rPr lang="hu-HU" sz="3000" dirty="0" smtClean="0">
+                <a:latin typeface="Arabic Typesetting" pitchFamily="66" charset="-78"/>
+                <a:cs typeface="Arabic Typesetting" pitchFamily="66" charset="-78"/>
+              </a:rPr>
+              <a:t>Nagy Gábor, </a:t>
+            </a:r>
+            <a:r>
+              <a:rPr lang="hu-HU" sz="3000" dirty="0" smtClean="0">
+                <a:latin typeface="Arabic Typesetting" pitchFamily="66" charset="-78"/>
+                <a:cs typeface="Arabic Typesetting" pitchFamily="66" charset="-78"/>
+              </a:rPr>
+              <a:t>Nagy Tamás, Pallagi Dániel, </a:t>
+            </a:r>
+            <a:r>
+              <a:rPr lang="hu-HU" sz="3000" dirty="0" smtClean="0">
+                <a:latin typeface="Arabic Typesetting" pitchFamily="66" charset="-78"/>
+                <a:cs typeface="Arabic Typesetting" pitchFamily="66" charset="-78"/>
+              </a:rPr>
+              <a:t>Parma Robin, </a:t>
+            </a:r>
+            <a:r>
+              <a:rPr lang="hu-HU" sz="3000" dirty="0" smtClean="0">
+                <a:latin typeface="Arabic Typesetting" pitchFamily="66" charset="-78"/>
+                <a:cs typeface="Arabic Typesetting" pitchFamily="66" charset="-78"/>
+              </a:rPr>
+              <a:t>Répás Benedek, </a:t>
+            </a:r>
+            <a:r>
+              <a:rPr lang="hu-HU" sz="3000" dirty="0" smtClean="0">
+                <a:latin typeface="Arabic Typesetting" pitchFamily="66" charset="-78"/>
+                <a:cs typeface="Arabic Typesetting" pitchFamily="66" charset="-78"/>
+              </a:rPr>
+              <a:t>Salamon Péter, </a:t>
+            </a:r>
+            <a:r>
+              <a:rPr lang="hu-HU" sz="3000" dirty="0" smtClean="0">
+                <a:latin typeface="Arabic Typesetting" pitchFamily="66" charset="-78"/>
+                <a:cs typeface="Arabic Typesetting" pitchFamily="66" charset="-78"/>
+              </a:rPr>
+              <a:t>Szabó Máté, </a:t>
+            </a:r>
+            <a:r>
+              <a:rPr lang="hu-HU" sz="3000" dirty="0" smtClean="0">
+                <a:latin typeface="Arabic Typesetting" pitchFamily="66" charset="-78"/>
+                <a:cs typeface="Arabic Typesetting" pitchFamily="66" charset="-78"/>
+              </a:rPr>
+              <a:t>Szilágyi István, Varga Krisztián, </a:t>
+            </a:r>
+            <a:r>
+              <a:rPr lang="hu-HU" sz="3000" dirty="0" smtClean="0">
+                <a:latin typeface="Arabic Typesetting" pitchFamily="66" charset="-78"/>
+                <a:cs typeface="Arabic Typesetting" pitchFamily="66" charset="-78"/>
+              </a:rPr>
+              <a:t>Wimetal Noémi</a:t>
+            </a:r>
+            <a:endParaRPr lang="hu-HU" sz="3000" dirty="0" smtClean="0">
               <a:latin typeface="Arabic Typesetting" pitchFamily="66" charset="-78"/>
               <a:cs typeface="Arabic Typesetting" pitchFamily="66" charset="-78"/>
             </a:endParaRPr>
+          </a:p>
+          <a:p>
+            <a:r>
+              <a:rPr lang="hu-HU" b="1" dirty="0" smtClean="0">
+                <a:latin typeface="Arabic Typesetting" pitchFamily="66" charset="-78"/>
+                <a:cs typeface="Arabic Typesetting" pitchFamily="66" charset="-78"/>
+              </a:rPr>
+              <a:t>Grafika: </a:t>
+            </a:r>
+            <a:r>
+              <a:rPr lang="hu-HU" sz="3000" dirty="0" smtClean="0">
+                <a:latin typeface="Arabic Typesetting" pitchFamily="66" charset="-78"/>
+                <a:cs typeface="Arabic Typesetting" pitchFamily="66" charset="-78"/>
+              </a:rPr>
+              <a:t>Gregus Bence</a:t>
+            </a:r>
           </a:p>
         </p:txBody>
       </p:sp>
@@ -9578,7 +9208,7 @@
                 <a:latin typeface="Arabic Typesetting" pitchFamily="66" charset="-78"/>
                 <a:cs typeface="Arabic Typesetting" pitchFamily="66" charset="-78"/>
               </a:rPr>
-              <a:t>A projekt résztvevői</a:t>
+              <a:t>A projekt megvalósítása</a:t>
             </a:r>
             <a:endParaRPr lang="en-GB" sz="6000" b="1" dirty="0">
               <a:latin typeface="Arabic Typesetting" pitchFamily="66" charset="-78"/>
@@ -9589,7 +9219,7 @@
       </p:sp>
       <p:sp>
         <p:nvSpPr>
-          <p:cNvPr id="4" name="Content Placeholder 2"/>
+          <p:cNvPr id="3" name="Content Placeholder 2"/>
           <p:cNvSpPr>
             <a:spLocks noGrp="1"/>
           </p:cNvSpPr>
@@ -9599,259 +9229,116 @@
         </p:nvSpPr>
         <p:spPr>
           <a:xfrm>
-            <a:off x="683568" y="1340768"/>
-            <a:ext cx="8229600" cy="5184576"/>
+            <a:off x="467544" y="1484784"/>
+            <a:ext cx="8229600" cy="4525963"/>
           </a:xfrm>
         </p:spPr>
         <p:txBody>
-          <a:bodyPr numCol="2">
+          <a:bodyPr>
             <a:noAutofit/>
           </a:bodyPr>
           <a:lstStyle/>
           <a:p>
             <a:r>
-              <a:rPr lang="hu-HU" sz="2500" b="1" dirty="0" smtClean="0">
-                <a:latin typeface="Arabic Typesetting" pitchFamily="66" charset="-78"/>
-                <a:cs typeface="Arabic Typesetting" pitchFamily="66" charset="-78"/>
-              </a:rPr>
-              <a:t>Projektvezető/koordinátor:</a:t>
+              <a:rPr lang="en-US" dirty="0" smtClean="0">
+                <a:latin typeface="Arabic Typesetting" pitchFamily="66" charset="-78"/>
+                <a:cs typeface="Arabic Typesetting" pitchFamily="66" charset="-78"/>
+              </a:rPr>
+              <a:t>GNU General Public License v3</a:t>
+            </a:r>
+            <a:r>
+              <a:rPr lang="hu-HU" dirty="0" smtClean="0">
+                <a:latin typeface="Arabic Typesetting" pitchFamily="66" charset="-78"/>
+                <a:cs typeface="Arabic Typesetting" pitchFamily="66" charset="-78"/>
+              </a:rPr>
+              <a:t> alatt érhető el</a:t>
             </a:r>
           </a:p>
           <a:p>
             <a:pPr lvl="1"/>
             <a:r>
-              <a:rPr lang="hu-HU" sz="2500" dirty="0" smtClean="0">
-                <a:latin typeface="Arabic Typesetting" pitchFamily="66" charset="-78"/>
-                <a:cs typeface="Arabic Typesetting" pitchFamily="66" charset="-78"/>
-              </a:rPr>
-              <a:t>Gál Tamás</a:t>
-            </a:r>
-          </a:p>
-          <a:p>
-            <a:pPr lvl="1">
-              <a:defRPr/>
-            </a:pPr>
-            <a:r>
-              <a:rPr lang="hu-HU" sz="2500" dirty="0" smtClean="0">
-                <a:latin typeface="Arabic Typesetting" pitchFamily="66" charset="-78"/>
-                <a:cs typeface="Arabic Typesetting" pitchFamily="66" charset="-78"/>
-              </a:rPr>
-              <a:t>Sallai András</a:t>
-            </a:r>
-          </a:p>
-          <a:p>
-            <a:pPr lvl="0">
-              <a:defRPr/>
-            </a:pPr>
-            <a:r>
-              <a:rPr lang="hu-HU" sz="2500" b="1" dirty="0" smtClean="0">
-                <a:latin typeface="Arabic Typesetting" pitchFamily="66" charset="-78"/>
-                <a:cs typeface="Arabic Typesetting" pitchFamily="66" charset="-78"/>
-              </a:rPr>
-              <a:t>Designerek és tesztelők:</a:t>
-            </a:r>
-          </a:p>
-          <a:p>
-            <a:pPr lvl="1">
-              <a:defRPr/>
-            </a:pPr>
-            <a:r>
-              <a:rPr lang="hu-HU" sz="2500" dirty="0" smtClean="0">
-                <a:latin typeface="Arabic Typesetting" pitchFamily="66" charset="-78"/>
-                <a:cs typeface="Arabic Typesetting" pitchFamily="66" charset="-78"/>
-              </a:rPr>
-              <a:t>Bárczi Dávid</a:t>
-            </a:r>
-          </a:p>
-          <a:p>
-            <a:pPr lvl="1">
-              <a:defRPr/>
-            </a:pPr>
-            <a:r>
-              <a:rPr lang="hu-HU" sz="2500" dirty="0" smtClean="0">
-                <a:latin typeface="Arabic Typesetting" pitchFamily="66" charset="-78"/>
-                <a:cs typeface="Arabic Typesetting" pitchFamily="66" charset="-78"/>
-              </a:rPr>
-              <a:t>Beschenbacher Kornél</a:t>
-            </a:r>
-          </a:p>
-          <a:p>
-            <a:pPr lvl="1">
-              <a:defRPr/>
-            </a:pPr>
-            <a:r>
-              <a:rPr lang="hu-HU" sz="2500" dirty="0" smtClean="0">
-                <a:latin typeface="Arabic Typesetting" pitchFamily="66" charset="-78"/>
-                <a:cs typeface="Arabic Typesetting" pitchFamily="66" charset="-78"/>
-              </a:rPr>
-              <a:t>Guti Patrik</a:t>
-            </a:r>
-          </a:p>
-          <a:p>
-            <a:pPr lvl="1">
-              <a:defRPr/>
-            </a:pPr>
-            <a:r>
-              <a:rPr lang="hu-HU" sz="2500" dirty="0" smtClean="0">
-                <a:latin typeface="Arabic Typesetting" pitchFamily="66" charset="-78"/>
-                <a:cs typeface="Arabic Typesetting" pitchFamily="66" charset="-78"/>
-              </a:rPr>
-              <a:t>Hegedüs Erik</a:t>
-            </a:r>
-          </a:p>
-          <a:p>
-            <a:pPr lvl="1">
-              <a:defRPr/>
-            </a:pPr>
-            <a:r>
-              <a:rPr lang="hu-HU" sz="2500" dirty="0" smtClean="0">
-                <a:latin typeface="Arabic Typesetting" pitchFamily="66" charset="-78"/>
-                <a:cs typeface="Arabic Typesetting" pitchFamily="66" charset="-78"/>
-              </a:rPr>
-              <a:t>Nagy Gábor</a:t>
-            </a:r>
-          </a:p>
-          <a:p>
-            <a:pPr lvl="1">
-              <a:defRPr/>
-            </a:pPr>
-            <a:r>
-              <a:rPr lang="hu-HU" sz="2500" dirty="0" smtClean="0">
-                <a:latin typeface="Arabic Typesetting" pitchFamily="66" charset="-78"/>
-                <a:cs typeface="Arabic Typesetting" pitchFamily="66" charset="-78"/>
-              </a:rPr>
-              <a:t>Nagy Tamás</a:t>
-            </a:r>
-          </a:p>
-          <a:p>
-            <a:pPr lvl="1">
-              <a:defRPr/>
-            </a:pPr>
-            <a:r>
-              <a:rPr lang="hu-HU" sz="2500" dirty="0" smtClean="0">
-                <a:latin typeface="Arabic Typesetting" pitchFamily="66" charset="-78"/>
-                <a:cs typeface="Arabic Typesetting" pitchFamily="66" charset="-78"/>
-              </a:rPr>
-              <a:t>Pallagi Dániel</a:t>
-            </a:r>
-          </a:p>
-          <a:p>
-            <a:pPr lvl="1">
-              <a:defRPr/>
-            </a:pPr>
-            <a:r>
-              <a:rPr lang="hu-HU" sz="2500" dirty="0" smtClean="0">
-                <a:latin typeface="Arabic Typesetting" pitchFamily="66" charset="-78"/>
-                <a:cs typeface="Arabic Typesetting" pitchFamily="66" charset="-78"/>
-              </a:rPr>
-              <a:t>Parma Robin</a:t>
-            </a:r>
-          </a:p>
-          <a:p>
-            <a:pPr lvl="1">
-              <a:defRPr/>
-            </a:pPr>
-            <a:r>
-              <a:rPr lang="hu-HU" sz="2500" dirty="0" smtClean="0">
-                <a:latin typeface="Arabic Typesetting" pitchFamily="66" charset="-78"/>
-                <a:cs typeface="Arabic Typesetting" pitchFamily="66" charset="-78"/>
-              </a:rPr>
-              <a:t>Répás Benedek</a:t>
-            </a:r>
-          </a:p>
-          <a:p>
-            <a:pPr lvl="1">
-              <a:defRPr/>
-            </a:pPr>
-            <a:r>
-              <a:rPr lang="hu-HU" sz="2500" dirty="0" smtClean="0">
-                <a:latin typeface="Arabic Typesetting" pitchFamily="66" charset="-78"/>
-                <a:cs typeface="Arabic Typesetting" pitchFamily="66" charset="-78"/>
-              </a:rPr>
-              <a:t>Szabó Máté</a:t>
-            </a:r>
-          </a:p>
-          <a:p>
-            <a:pPr lvl="1">
-              <a:defRPr/>
-            </a:pPr>
-            <a:r>
-              <a:rPr lang="hu-HU" sz="2500" dirty="0" smtClean="0">
-                <a:latin typeface="Arabic Typesetting" pitchFamily="66" charset="-78"/>
-                <a:cs typeface="Arabic Typesetting" pitchFamily="66" charset="-78"/>
-              </a:rPr>
-              <a:t>Szilágyi István</a:t>
-            </a:r>
-          </a:p>
-          <a:p>
-            <a:pPr lvl="1">
-              <a:defRPr/>
-            </a:pPr>
-            <a:r>
-              <a:rPr lang="hu-HU" sz="2500" dirty="0" smtClean="0">
-                <a:latin typeface="Arabic Typesetting" pitchFamily="66" charset="-78"/>
-                <a:cs typeface="Arabic Typesetting" pitchFamily="66" charset="-78"/>
-              </a:rPr>
-              <a:t>Varga Krisztián</a:t>
-            </a:r>
-          </a:p>
-          <a:p>
-            <a:r>
-              <a:rPr lang="hu-HU" sz="2500" b="1" dirty="0" smtClean="0">
-                <a:latin typeface="Arabic Typesetting" pitchFamily="66" charset="-78"/>
-                <a:cs typeface="Arabic Typesetting" pitchFamily="66" charset="-78"/>
-              </a:rPr>
-              <a:t>Programkód:</a:t>
+              <a:rPr lang="hu-HU" dirty="0" smtClean="0">
+                <a:latin typeface="Arabic Typesetting" pitchFamily="66" charset="-78"/>
+                <a:cs typeface="Arabic Typesetting" pitchFamily="66" charset="-78"/>
+              </a:rPr>
+              <a:t>korlátlan számban letölthető, másolható és telepítő</a:t>
             </a:r>
           </a:p>
           <a:p>
             <a:pPr lvl="1"/>
             <a:r>
-              <a:rPr lang="hu-HU" sz="2500" dirty="0" smtClean="0">
-                <a:latin typeface="Arabic Typesetting" pitchFamily="66" charset="-78"/>
-                <a:cs typeface="Arabic Typesetting" pitchFamily="66" charset="-78"/>
-              </a:rPr>
-              <a:t>Szép Balázs</a:t>
+              <a:rPr lang="hu-HU" sz="3000" dirty="0" smtClean="0">
+                <a:latin typeface="Arabic Typesetting" pitchFamily="66" charset="-78"/>
+                <a:cs typeface="Arabic Typesetting" pitchFamily="66" charset="-78"/>
+              </a:rPr>
+              <a:t>szabadon használható, módosítható és továbbfejleszthető</a:t>
+            </a:r>
+          </a:p>
+          <a:p>
+            <a:r>
+              <a:rPr lang="hu-HU" dirty="0" smtClean="0">
+                <a:latin typeface="Arabic Typesetting" pitchFamily="66" charset="-78"/>
+                <a:cs typeface="Arabic Typesetting" pitchFamily="66" charset="-78"/>
+              </a:rPr>
+              <a:t>nyílt forráskódú szoftverek használata:</a:t>
             </a:r>
           </a:p>
           <a:p>
             <a:pPr lvl="1"/>
             <a:r>
-              <a:rPr lang="hu-HU" sz="2500" dirty="0" smtClean="0">
-                <a:latin typeface="Arabic Typesetting" pitchFamily="66" charset="-78"/>
-                <a:cs typeface="Arabic Typesetting" pitchFamily="66" charset="-78"/>
-              </a:rPr>
-              <a:t>Tóth-Kovács Gellért</a:t>
+              <a:rPr lang="hu-HU" dirty="0" smtClean="0">
+                <a:latin typeface="Arabic Typesetting" pitchFamily="66" charset="-78"/>
+                <a:cs typeface="Arabic Typesetting" pitchFamily="66" charset="-78"/>
+              </a:rPr>
+              <a:t>Operációs rendszer: Linux</a:t>
             </a:r>
           </a:p>
           <a:p>
             <a:pPr lvl="1"/>
             <a:r>
-              <a:rPr lang="hu-HU" sz="2500" dirty="0" smtClean="0">
-                <a:latin typeface="Arabic Typesetting" pitchFamily="66" charset="-78"/>
-                <a:cs typeface="Arabic Typesetting" pitchFamily="66" charset="-78"/>
-              </a:rPr>
-              <a:t>Wigmond Ádám</a:t>
-            </a:r>
-          </a:p>
-          <a:p>
-            <a:r>
-              <a:rPr lang="hu-HU" sz="2500" b="1" dirty="0" smtClean="0">
-                <a:latin typeface="Arabic Typesetting" pitchFamily="66" charset="-78"/>
-                <a:cs typeface="Arabic Typesetting" pitchFamily="66" charset="-78"/>
-              </a:rPr>
-              <a:t>Grafika:</a:t>
+              <a:rPr lang="hu-HU" dirty="0" smtClean="0">
+                <a:latin typeface="Arabic Typesetting" pitchFamily="66" charset="-78"/>
+                <a:cs typeface="Arabic Typesetting" pitchFamily="66" charset="-78"/>
+              </a:rPr>
+              <a:t>Fejlesztői környezet: NetBeans</a:t>
             </a:r>
           </a:p>
           <a:p>
             <a:pPr lvl="1"/>
             <a:r>
-              <a:rPr lang="hu-HU" sz="2500" dirty="0" smtClean="0">
-                <a:latin typeface="Arabic Typesetting" pitchFamily="66" charset="-78"/>
-                <a:cs typeface="Arabic Typesetting" pitchFamily="66" charset="-78"/>
-              </a:rPr>
-              <a:t>Gregus Bence</a:t>
-            </a:r>
+              <a:rPr lang="hu-HU" dirty="0" smtClean="0">
+                <a:latin typeface="Arabic Typesetting" pitchFamily="66" charset="-78"/>
+                <a:cs typeface="Arabic Typesetting" pitchFamily="66" charset="-78"/>
+              </a:rPr>
+              <a:t>Programozás/kódolás: PHP</a:t>
+            </a:r>
+          </a:p>
+          <a:p>
+            <a:pPr lvl="1"/>
+            <a:r>
+              <a:rPr lang="hu-HU" dirty="0" smtClean="0">
+                <a:latin typeface="Arabic Typesetting" pitchFamily="66" charset="-78"/>
+                <a:cs typeface="Arabic Typesetting" pitchFamily="66" charset="-78"/>
+              </a:rPr>
+              <a:t>Adatbázis-kezelés: MySQLi</a:t>
+            </a:r>
+          </a:p>
+          <a:p>
+            <a:pPr lvl="1"/>
+            <a:r>
+              <a:rPr lang="hu-HU" dirty="0" smtClean="0">
+                <a:latin typeface="Arabic Typesetting" pitchFamily="66" charset="-78"/>
+                <a:cs typeface="Arabic Typesetting" pitchFamily="66" charset="-78"/>
+              </a:rPr>
+              <a:t>Grafika: GIMP</a:t>
+            </a:r>
+          </a:p>
+          <a:p>
+            <a:pPr lvl="1"/>
+            <a:endParaRPr lang="hu-HU" dirty="0" smtClean="0">
+              <a:latin typeface="Arabic Typesetting" pitchFamily="66" charset="-78"/>
+              <a:cs typeface="Arabic Typesetting" pitchFamily="66" charset="-78"/>
+            </a:endParaRPr>
           </a:p>
         </p:txBody>
       </p:sp>
@@ -9909,7 +9396,7 @@
                 <a:latin typeface="Arabic Typesetting" pitchFamily="66" charset="-78"/>
                 <a:cs typeface="Arabic Typesetting" pitchFamily="66" charset="-78"/>
               </a:rPr>
-              <a:t>A projekt megvalósítása</a:t>
+              <a:t>Alkalmazott technikák</a:t>
             </a:r>
             <a:endParaRPr lang="en-GB" sz="6000" b="1" dirty="0">
               <a:latin typeface="Arabic Typesetting" pitchFamily="66" charset="-78"/>
@@ -9941,28 +9428,60 @@
           <a:lstStyle/>
           <a:p>
             <a:r>
-              <a:rPr lang="en-US" dirty="0" smtClean="0">
-                <a:latin typeface="Arabic Typesetting" pitchFamily="66" charset="-78"/>
-                <a:cs typeface="Arabic Typesetting" pitchFamily="66" charset="-78"/>
-              </a:rPr>
-              <a:t>GNU General Public License v3</a:t>
-            </a:r>
-            <a:r>
               <a:rPr lang="hu-HU" dirty="0" smtClean="0">
                 <a:latin typeface="Arabic Typesetting" pitchFamily="66" charset="-78"/>
                 <a:cs typeface="Arabic Typesetting" pitchFamily="66" charset="-78"/>
               </a:rPr>
-              <a:t> alatt érhető el</a:t>
+              <a:t>A blogmotor felépítése:</a:t>
             </a:r>
           </a:p>
           <a:p>
             <a:pPr lvl="1"/>
             <a:r>
+              <a:rPr lang="hu-HU" sz="3000" dirty="0" smtClean="0">
+                <a:latin typeface="Arabic Typesetting" pitchFamily="66" charset="-78"/>
+                <a:cs typeface="Arabic Typesetting" pitchFamily="66" charset="-78"/>
+              </a:rPr>
+              <a:t>az oldal váza: HTML</a:t>
+            </a:r>
+          </a:p>
+          <a:p>
+            <a:pPr lvl="1"/>
+            <a:r>
+              <a:rPr lang="hu-HU" sz="3000" dirty="0" smtClean="0">
+                <a:latin typeface="Arabic Typesetting" pitchFamily="66" charset="-78"/>
+                <a:cs typeface="Arabic Typesetting" pitchFamily="66" charset="-78"/>
+              </a:rPr>
+              <a:t>elrendezés/design: CSS</a:t>
+            </a:r>
+          </a:p>
+          <a:p>
+            <a:pPr lvl="1"/>
+            <a:r>
+              <a:rPr lang="hu-HU" sz="3000" dirty="0" smtClean="0">
+                <a:latin typeface="Arabic Typesetting" pitchFamily="66" charset="-78"/>
+                <a:cs typeface="Arabic Typesetting" pitchFamily="66" charset="-78"/>
+              </a:rPr>
+              <a:t>algoritmus: PHP</a:t>
+            </a:r>
+          </a:p>
+          <a:p>
+            <a:pPr lvl="1"/>
+            <a:r>
+              <a:rPr lang="hu-HU" sz="3000" dirty="0" smtClean="0">
+                <a:latin typeface="Arabic Typesetting" pitchFamily="66" charset="-78"/>
+                <a:cs typeface="Arabic Typesetting" pitchFamily="66" charset="-78"/>
+              </a:rPr>
+              <a:t>adatbázis: MySQLi</a:t>
+            </a:r>
+          </a:p>
+          <a:p>
+            <a:r>
               <a:rPr lang="hu-HU" dirty="0" smtClean="0">
                 <a:latin typeface="Arabic Typesetting" pitchFamily="66" charset="-78"/>
                 <a:cs typeface="Arabic Typesetting" pitchFamily="66" charset="-78"/>
               </a:rPr>
-              <a:t>korlátlan számban letölthető, másolható és telepítő</a:t>
+              <a:t>Projekt állapotának követése:</a:t>
             </a:r>
           </a:p>
           <a:p>
@@ -9972,70 +9491,26 @@
                 <a:latin typeface="Arabic Typesetting" pitchFamily="66" charset="-78"/>
                 <a:cs typeface="Arabic Typesetting" pitchFamily="66" charset="-78"/>
               </a:rPr>
-              <a:t>szabadon használható, módosítható és továbbfejleszthető</a:t>
-            </a:r>
-          </a:p>
-          <a:p>
-            <a:r>
-              <a:rPr lang="hu-HU" dirty="0" smtClean="0">
-                <a:latin typeface="Arabic Typesetting" pitchFamily="66" charset="-78"/>
-                <a:cs typeface="Arabic Typesetting" pitchFamily="66" charset="-78"/>
-              </a:rPr>
-              <a:t>nyílt forráskódú szoftverek használata:</a:t>
+              <a:t>projekt előrehaladása: GitHub</a:t>
             </a:r>
           </a:p>
           <a:p>
             <a:pPr lvl="1"/>
             <a:r>
-              <a:rPr lang="hu-HU" dirty="0" smtClean="0">
-                <a:latin typeface="Arabic Typesetting" pitchFamily="66" charset="-78"/>
-                <a:cs typeface="Arabic Typesetting" pitchFamily="66" charset="-78"/>
-              </a:rPr>
-              <a:t>Operációs rendszer: Linux</a:t>
-            </a:r>
-          </a:p>
-          <a:p>
-            <a:pPr lvl="1"/>
-            <a:r>
-              <a:rPr lang="hu-HU" dirty="0" smtClean="0">
-                <a:latin typeface="Arabic Typesetting" pitchFamily="66" charset="-78"/>
-                <a:cs typeface="Arabic Typesetting" pitchFamily="66" charset="-78"/>
-              </a:rPr>
-              <a:t>Fejlesztői környezet: NetBeans</a:t>
-            </a:r>
-          </a:p>
-          <a:p>
-            <a:pPr lvl="1"/>
-            <a:r>
-              <a:rPr lang="hu-HU" dirty="0" smtClean="0">
-                <a:latin typeface="Arabic Typesetting" pitchFamily="66" charset="-78"/>
-                <a:cs typeface="Arabic Typesetting" pitchFamily="66" charset="-78"/>
-              </a:rPr>
-              <a:t>Programozás/kódolás: PHP</a:t>
-            </a:r>
-          </a:p>
-          <a:p>
-            <a:pPr lvl="1"/>
-            <a:r>
-              <a:rPr lang="hu-HU" dirty="0" smtClean="0">
-                <a:latin typeface="Arabic Typesetting" pitchFamily="66" charset="-78"/>
-                <a:cs typeface="Arabic Typesetting" pitchFamily="66" charset="-78"/>
-              </a:rPr>
-              <a:t>Adatbázis-kezelés: MySQLi</a:t>
-            </a:r>
-          </a:p>
-          <a:p>
-            <a:pPr lvl="1"/>
-            <a:r>
-              <a:rPr lang="hu-HU" dirty="0" smtClean="0">
-                <a:latin typeface="Arabic Typesetting" pitchFamily="66" charset="-78"/>
-                <a:cs typeface="Arabic Typesetting" pitchFamily="66" charset="-78"/>
-              </a:rPr>
-              <a:t>Grafika: GIMP</a:t>
-            </a:r>
-          </a:p>
-          <a:p>
-            <a:pPr lvl="1"/>
+              <a:rPr lang="hu-HU" sz="3000" dirty="0" smtClean="0">
+                <a:latin typeface="Arabic Typesetting" pitchFamily="66" charset="-78"/>
+                <a:cs typeface="Arabic Typesetting" pitchFamily="66" charset="-78"/>
+              </a:rPr>
+              <a:t>projekt résztvevőinek előrehaladása: Google Drive</a:t>
+            </a:r>
+          </a:p>
+          <a:p>
+            <a:endParaRPr lang="hu-HU" dirty="0" smtClean="0">
+              <a:latin typeface="Arabic Typesetting" pitchFamily="66" charset="-78"/>
+              <a:cs typeface="Arabic Typesetting" pitchFamily="66" charset="-78"/>
+            </a:endParaRPr>
+          </a:p>
+          <a:p>
             <a:endParaRPr lang="hu-HU" dirty="0" smtClean="0">
               <a:latin typeface="Arabic Typesetting" pitchFamily="66" charset="-78"/>
               <a:cs typeface="Arabic Typesetting" pitchFamily="66" charset="-78"/>
@@ -10097,7 +9572,7 @@
                 <a:latin typeface="Arabic Typesetting" pitchFamily="66" charset="-78"/>
                 <a:cs typeface="Arabic Typesetting" pitchFamily="66" charset="-78"/>
               </a:rPr>
-              <a:t>Alkalmazott technikák</a:t>
+              <a:t>HTML</a:t>
             </a:r>
             <a:endParaRPr lang="en-GB" sz="6000" b="1" dirty="0">
               <a:latin typeface="Arabic Typesetting" pitchFamily="66" charset="-78"/>
@@ -10118,101 +9593,96 @@
         </p:nvSpPr>
         <p:spPr>
           <a:xfrm>
-            <a:off x="467544" y="1484784"/>
-            <a:ext cx="8229600" cy="4525963"/>
+            <a:off x="457200" y="1600200"/>
+            <a:ext cx="8363272" cy="4525963"/>
           </a:xfrm>
         </p:spPr>
         <p:txBody>
           <a:bodyPr>
-            <a:noAutofit/>
+            <a:normAutofit/>
           </a:bodyPr>
           <a:lstStyle/>
           <a:p>
             <a:r>
+              <a:rPr lang="hu-HU" sz="3000" dirty="0" smtClean="0">
+                <a:latin typeface="Arabic Typesetting" pitchFamily="66" charset="-78"/>
+                <a:cs typeface="Arabic Typesetting" pitchFamily="66" charset="-78"/>
+              </a:rPr>
+              <a:t>blogmotor szerkezetének/elrendezésének kialakítása</a:t>
+            </a:r>
+          </a:p>
+          <a:p>
+            <a:r>
+              <a:rPr lang="hu-HU" sz="3000" dirty="0" smtClean="0">
+                <a:latin typeface="Arabic Typesetting" pitchFamily="66" charset="-78"/>
+                <a:cs typeface="Arabic Typesetting" pitchFamily="66" charset="-78"/>
+              </a:rPr>
+              <a:t>oldalak személyre szabása (űrlapok segítségével)</a:t>
+            </a:r>
+          </a:p>
+          <a:p>
+            <a:pPr lvl="1"/>
+            <a:r>
               <a:rPr lang="hu-HU" dirty="0" smtClean="0">
                 <a:latin typeface="Arabic Typesetting" pitchFamily="66" charset="-78"/>
                 <a:cs typeface="Arabic Typesetting" pitchFamily="66" charset="-78"/>
               </a:rPr>
-              <a:t>A blogmotor felépítése:</a:t>
+              <a:t>aloldalak és cikkek létrehozása</a:t>
             </a:r>
           </a:p>
           <a:p>
             <a:pPr lvl="1"/>
             <a:r>
+              <a:rPr lang="hu-HU" dirty="0" smtClean="0">
+                <a:latin typeface="Arabic Typesetting" pitchFamily="66" charset="-78"/>
+                <a:cs typeface="Arabic Typesetting" pitchFamily="66" charset="-78"/>
+              </a:rPr>
+              <a:t>megjelenítendő tartalmak feltöltése és módosítása</a:t>
+            </a:r>
+          </a:p>
+          <a:p>
+            <a:pPr lvl="1"/>
+            <a:r>
+              <a:rPr lang="hu-HU" dirty="0" smtClean="0">
+                <a:latin typeface="Arabic Typesetting" pitchFamily="66" charset="-78"/>
+                <a:cs typeface="Arabic Typesetting" pitchFamily="66" charset="-78"/>
+              </a:rPr>
+              <a:t>stíluslap kiválasztása</a:t>
+            </a:r>
+          </a:p>
+          <a:p>
+            <a:pPr lvl="1"/>
+            <a:r>
+              <a:rPr lang="hu-HU" dirty="0" smtClean="0">
+                <a:latin typeface="Arabic Typesetting" pitchFamily="66" charset="-78"/>
+                <a:cs typeface="Arabic Typesetting" pitchFamily="66" charset="-78"/>
+              </a:rPr>
+              <a:t>felhasználókezelés</a:t>
+            </a:r>
+          </a:p>
+          <a:p>
+            <a:r>
               <a:rPr lang="hu-HU" sz="3000" dirty="0" smtClean="0">
                 <a:latin typeface="Arabic Typesetting" pitchFamily="66" charset="-78"/>
                 <a:cs typeface="Arabic Typesetting" pitchFamily="66" charset="-78"/>
               </a:rPr>
-              <a:t>az oldal váza: HTML</a:t>
-            </a:r>
-          </a:p>
-          <a:p>
-            <a:pPr lvl="1"/>
+              <a:t>adott oldal tartalmának megjelenítése (</a:t>
+            </a:r>
+            <a:r>
+              <a:rPr lang="hu-HU" sz="3000" b="1" dirty="0" smtClean="0">
+                <a:latin typeface="Arabic Typesetting" pitchFamily="66" charset="-78"/>
+                <a:cs typeface="Arabic Typesetting" pitchFamily="66" charset="-78"/>
+              </a:rPr>
+              <a:t>dinamikus</a:t>
+            </a:r>
             <a:r>
               <a:rPr lang="hu-HU" sz="3000" dirty="0" smtClean="0">
                 <a:latin typeface="Arabic Typesetting" pitchFamily="66" charset="-78"/>
                 <a:cs typeface="Arabic Typesetting" pitchFamily="66" charset="-78"/>
               </a:rPr>
-              <a:t>elrendezés/design: CSS</a:t>
-            </a:r>
-          </a:p>
-          <a:p>
-            <a:pPr lvl="1"/>
-            <a:r>
-              <a:rPr lang="hu-HU" sz="3000" dirty="0" smtClean="0">
-                <a:latin typeface="Arabic Typesetting" pitchFamily="66" charset="-78"/>
-                <a:cs typeface="Arabic Typesetting" pitchFamily="66" charset="-78"/>
-              </a:rPr>
-              <a:t>algoritmus: PHP</a:t>
-            </a:r>
-          </a:p>
-          <a:p>
-            <a:pPr lvl="1"/>
-            <a:r>
-              <a:rPr lang="hu-HU" sz="3000" dirty="0" smtClean="0">
-                <a:latin typeface="Arabic Typesetting" pitchFamily="66" charset="-78"/>
-                <a:cs typeface="Arabic Typesetting" pitchFamily="66" charset="-78"/>
-              </a:rPr>
-              <a:t>adatbázis: MySQLi</a:t>
-            </a:r>
-          </a:p>
-          <a:p>
-            <a:r>
-              <a:rPr lang="hu-HU" dirty="0" smtClean="0">
-                <a:latin typeface="Arabic Typesetting" pitchFamily="66" charset="-78"/>
-                <a:cs typeface="Arabic Typesetting" pitchFamily="66" charset="-78"/>
-              </a:rPr>
-              <a:t>Projekt állapotának követése:</a:t>
-            </a:r>
-          </a:p>
-          <a:p>
-            <a:pPr lvl="1"/>
-            <a:r>
-              <a:rPr lang="hu-HU" sz="3000" dirty="0" smtClean="0">
-                <a:latin typeface="Arabic Typesetting" pitchFamily="66" charset="-78"/>
-                <a:cs typeface="Arabic Typesetting" pitchFamily="66" charset="-78"/>
-              </a:rPr>
-              <a:t>projekt előrehaladása: GitHub</a:t>
-            </a:r>
-          </a:p>
-          <a:p>
-            <a:pPr lvl="1"/>
-            <a:r>
-              <a:rPr lang="hu-HU" sz="3000" dirty="0" smtClean="0">
-                <a:latin typeface="Arabic Typesetting" pitchFamily="66" charset="-78"/>
-                <a:cs typeface="Arabic Typesetting" pitchFamily="66" charset="-78"/>
-              </a:rPr>
-              <a:t>projekt résztvevőinek előrehaladása: Google Drive</a:t>
-            </a:r>
-          </a:p>
-          <a:p>
-            <a:endParaRPr lang="hu-HU" dirty="0" smtClean="0">
-              <a:latin typeface="Arabic Typesetting" pitchFamily="66" charset="-78"/>
-              <a:cs typeface="Arabic Typesetting" pitchFamily="66" charset="-78"/>
-            </a:endParaRPr>
-          </a:p>
-          <a:p>
-            <a:endParaRPr lang="hu-HU" dirty="0" smtClean="0">
+              <a:t>)</a:t>
+            </a:r>
+            <a:endParaRPr lang="en-GB" sz="3000" dirty="0">
               <a:latin typeface="Arabic Typesetting" pitchFamily="66" charset="-78"/>
               <a:cs typeface="Arabic Typesetting" pitchFamily="66" charset="-78"/>
             </a:endParaRPr>
@@ -10251,129 +9721,487 @@
           <a:chExt cx="0" cy="0"/>
         </a:xfrm>
       </p:grpSpPr>
-      <p:sp>
-        <p:nvSpPr>
-          <p:cNvPr id="2" name="Title 1"/>
-          <p:cNvSpPr>
-            <a:spLocks noGrp="1"/>
-          </p:cNvSpPr>
-          <p:nvPr>
-            <p:ph type="title"/>
-          </p:nvPr>
-        </p:nvSpPr>
-        <p:spPr/>
-        <p:txBody>
-          <a:bodyPr>
-            <a:normAutofit/>
+      <p:grpSp>
+        <p:nvGrpSpPr>
+          <p:cNvPr id="17" name="Group 16"/>
+          <p:cNvGrpSpPr/>
+          <p:nvPr/>
+        </p:nvGrpSpPr>
+        <p:grpSpPr>
+          <a:xfrm>
+            <a:off x="827584" y="1484784"/>
+            <a:ext cx="7488832" cy="3888432"/>
+            <a:chOff x="1187624" y="476672"/>
+            <a:chExt cx="6984776" cy="3528392"/>
+          </a:xfrm>
+        </p:grpSpPr>
+        <p:grpSp>
+          <p:nvGrpSpPr>
+            <p:cNvPr id="12" name="Group 11"/>
+            <p:cNvGrpSpPr/>
+            <p:nvPr/>
+          </p:nvGrpSpPr>
+          <p:grpSpPr>
+            <a:xfrm>
+              <a:off x="1187624" y="476672"/>
+              <a:ext cx="6984776" cy="3528392"/>
+              <a:chOff x="1115616" y="404664"/>
+              <a:chExt cx="6984776" cy="3528392"/>
+            </a:xfrm>
+          </p:grpSpPr>
+          <p:grpSp>
+            <p:nvGrpSpPr>
+              <p:cNvPr id="10" name="Group 9"/>
+              <p:cNvGrpSpPr/>
+              <p:nvPr/>
+            </p:nvGrpSpPr>
+            <p:grpSpPr>
+              <a:xfrm>
+                <a:off x="1115616" y="404664"/>
+                <a:ext cx="6984776" cy="3528392"/>
+                <a:chOff x="1259632" y="548680"/>
+                <a:chExt cx="6984776" cy="2952328"/>
+              </a:xfrm>
+            </p:grpSpPr>
+            <p:sp>
+              <p:nvSpPr>
+                <p:cNvPr id="4" name="Rectangle 3"/>
+                <p:cNvSpPr/>
+                <p:nvPr/>
+              </p:nvSpPr>
+              <p:spPr>
+                <a:xfrm>
+                  <a:off x="1259632" y="548680"/>
+                  <a:ext cx="6984776" cy="2952328"/>
+                </a:xfrm>
+                <a:prstGeom prst="rect">
+                  <a:avLst/>
+                </a:prstGeom>
+              </p:spPr>
+              <p:style>
+                <a:lnRef idx="2">
+                  <a:schemeClr val="accent1">
+                    <a:shade val="50000"/>
+                  </a:schemeClr>
+                </a:lnRef>
+                <a:fillRef idx="1">
+                  <a:schemeClr val="accent1"/>
+                </a:fillRef>
+                <a:effectRef idx="0">
+                  <a:schemeClr val="accent1"/>
+                </a:effectRef>
+                <a:fontRef idx="minor">
+                  <a:schemeClr val="lt1"/>
+                </a:fontRef>
+              </p:style>
+              <p:txBody>
+                <a:bodyPr rtlCol="0" anchor="ctr"/>
+                <a:lstStyle/>
+                <a:p>
+                  <a:pPr algn="ctr"/>
+                  <a:endParaRPr lang="en-GB" b="1" dirty="0">
+                    <a:solidFill>
+                      <a:schemeClr val="tx1"/>
+                    </a:solidFill>
+                  </a:endParaRPr>
+                </a:p>
+              </p:txBody>
+            </p:sp>
+            <p:sp>
+              <p:nvSpPr>
+                <p:cNvPr id="5" name="Rectangle 4"/>
+                <p:cNvSpPr/>
+                <p:nvPr/>
+              </p:nvSpPr>
+              <p:spPr>
+                <a:xfrm>
+                  <a:off x="1259632" y="548680"/>
+                  <a:ext cx="6984776" cy="648072"/>
+                </a:xfrm>
+                <a:prstGeom prst="rect">
+                  <a:avLst/>
+                </a:prstGeom>
+                <a:solidFill>
+                  <a:srgbClr val="FF0000"/>
+                </a:solidFill>
+              </p:spPr>
+              <p:style>
+                <a:lnRef idx="2">
+                  <a:schemeClr val="accent1">
+                    <a:shade val="50000"/>
+                  </a:schemeClr>
+                </a:lnRef>
+                <a:fillRef idx="1">
+                  <a:schemeClr val="accent1"/>
+                </a:fillRef>
+                <a:effectRef idx="0">
+                  <a:schemeClr val="accent1"/>
+                </a:effectRef>
+                <a:fontRef idx="minor">
+                  <a:schemeClr val="lt1"/>
+                </a:fontRef>
+              </p:style>
+              <p:txBody>
+                <a:bodyPr rtlCol="0" anchor="ctr"/>
+                <a:lstStyle/>
+                <a:p>
+                  <a:pPr algn="ctr"/>
+                  <a:r>
+                    <a:rPr lang="hu-HU" sz="2000" b="1" dirty="0" smtClean="0">
+                      <a:solidFill>
+                        <a:schemeClr val="tx1"/>
+                      </a:solidFill>
+                    </a:rPr>
+                    <a:t>Fejléc</a:t>
+                  </a:r>
+                  <a:endParaRPr lang="en-GB" sz="2000" b="1" dirty="0">
+                    <a:solidFill>
+                      <a:schemeClr val="tx1"/>
+                    </a:solidFill>
+                  </a:endParaRPr>
+                </a:p>
+              </p:txBody>
+            </p:sp>
+            <p:sp>
+              <p:nvSpPr>
+                <p:cNvPr id="6" name="Rectangle 5"/>
+                <p:cNvSpPr/>
+                <p:nvPr/>
+              </p:nvSpPr>
+              <p:spPr>
+                <a:xfrm>
+                  <a:off x="1259632" y="1196752"/>
+                  <a:ext cx="6984776" cy="288032"/>
+                </a:xfrm>
+                <a:prstGeom prst="rect">
+                  <a:avLst/>
+                </a:prstGeom>
+                <a:solidFill>
+                  <a:srgbClr val="FFFF00"/>
+                </a:solidFill>
+              </p:spPr>
+              <p:style>
+                <a:lnRef idx="2">
+                  <a:schemeClr val="accent1">
+                    <a:shade val="50000"/>
+                  </a:schemeClr>
+                </a:lnRef>
+                <a:fillRef idx="1">
+                  <a:schemeClr val="accent1"/>
+                </a:fillRef>
+                <a:effectRef idx="0">
+                  <a:schemeClr val="accent1"/>
+                </a:effectRef>
+                <a:fontRef idx="minor">
+                  <a:schemeClr val="lt1"/>
+                </a:fontRef>
+              </p:style>
+              <p:txBody>
+                <a:bodyPr rtlCol="0" anchor="ctr"/>
+                <a:lstStyle/>
+                <a:p>
+                  <a:pPr algn="ctr"/>
+                  <a:r>
+                    <a:rPr lang="hu-HU" b="1" dirty="0" smtClean="0">
+                      <a:solidFill>
+                        <a:schemeClr val="tx1"/>
+                      </a:solidFill>
+                    </a:rPr>
+                    <a:t>Menüsor</a:t>
+                  </a:r>
+                  <a:endParaRPr lang="en-GB" b="1" dirty="0">
+                    <a:solidFill>
+                      <a:schemeClr val="tx1"/>
+                    </a:solidFill>
+                  </a:endParaRPr>
+                </a:p>
+              </p:txBody>
+            </p:sp>
+            <p:sp>
+              <p:nvSpPr>
+                <p:cNvPr id="7" name="Rectangle 6"/>
+                <p:cNvSpPr/>
+                <p:nvPr/>
+              </p:nvSpPr>
+              <p:spPr>
+                <a:xfrm>
+                  <a:off x="1259632" y="1484784"/>
+                  <a:ext cx="1224136" cy="1728192"/>
+                </a:xfrm>
+                <a:prstGeom prst="rect">
+                  <a:avLst/>
+                </a:prstGeom>
+                <a:solidFill>
+                  <a:srgbClr val="00B050"/>
+                </a:solidFill>
+              </p:spPr>
+              <p:style>
+                <a:lnRef idx="2">
+                  <a:schemeClr val="accent1">
+                    <a:shade val="50000"/>
+                  </a:schemeClr>
+                </a:lnRef>
+                <a:fillRef idx="1">
+                  <a:schemeClr val="accent1"/>
+                </a:fillRef>
+                <a:effectRef idx="0">
+                  <a:schemeClr val="accent1"/>
+                </a:effectRef>
+                <a:fontRef idx="minor">
+                  <a:schemeClr val="lt1"/>
+                </a:fontRef>
+              </p:style>
+              <p:txBody>
+                <a:bodyPr rtlCol="0" anchor="ctr"/>
+                <a:lstStyle/>
+                <a:p>
+                  <a:pPr algn="ctr"/>
+                  <a:r>
+                    <a:rPr lang="hu-HU" b="1" dirty="0" smtClean="0">
+                      <a:solidFill>
+                        <a:schemeClr val="tx1"/>
+                      </a:solidFill>
+                    </a:rPr>
+                    <a:t>Helyi menü</a:t>
+                  </a:r>
+                  <a:endParaRPr lang="en-GB" b="1" dirty="0">
+                    <a:solidFill>
+                      <a:schemeClr val="tx1"/>
+                    </a:solidFill>
+                  </a:endParaRPr>
+                </a:p>
+              </p:txBody>
+            </p:sp>
+            <p:sp>
+              <p:nvSpPr>
+                <p:cNvPr id="8" name="Rectangle 7"/>
+                <p:cNvSpPr/>
+                <p:nvPr/>
+              </p:nvSpPr>
+              <p:spPr>
+                <a:xfrm>
+                  <a:off x="7020272" y="1484784"/>
+                  <a:ext cx="1224136" cy="1728192"/>
+                </a:xfrm>
+                <a:prstGeom prst="rect">
+                  <a:avLst/>
+                </a:prstGeom>
+                <a:solidFill>
+                  <a:srgbClr val="00B050"/>
+                </a:solidFill>
+              </p:spPr>
+              <p:style>
+                <a:lnRef idx="2">
+                  <a:schemeClr val="accent1">
+                    <a:shade val="50000"/>
+                  </a:schemeClr>
+                </a:lnRef>
+                <a:fillRef idx="1">
+                  <a:schemeClr val="accent1"/>
+                </a:fillRef>
+                <a:effectRef idx="0">
+                  <a:schemeClr val="accent1"/>
+                </a:effectRef>
+                <a:fontRef idx="minor">
+                  <a:schemeClr val="lt1"/>
+                </a:fontRef>
+              </p:style>
+              <p:txBody>
+                <a:bodyPr rtlCol="0" anchor="ctr"/>
+                <a:lstStyle/>
+                <a:p>
+                  <a:pPr algn="ctr"/>
+                  <a:r>
+                    <a:rPr lang="hu-HU" b="1" dirty="0" smtClean="0">
+                      <a:solidFill>
+                        <a:schemeClr val="tx1"/>
+                      </a:solidFill>
+                    </a:rPr>
+                    <a:t>Kiegészítő tartalom</a:t>
+                  </a:r>
+                  <a:endParaRPr lang="en-GB" b="1" dirty="0">
+                    <a:solidFill>
+                      <a:schemeClr val="tx1"/>
+                    </a:solidFill>
+                  </a:endParaRPr>
+                </a:p>
+              </p:txBody>
+            </p:sp>
+            <p:sp>
+              <p:nvSpPr>
+                <p:cNvPr id="9" name="Rectangle 8"/>
+                <p:cNvSpPr/>
+                <p:nvPr/>
+              </p:nvSpPr>
+              <p:spPr>
+                <a:xfrm>
+                  <a:off x="1259632" y="3212976"/>
+                  <a:ext cx="6984776" cy="288032"/>
+                </a:xfrm>
+                <a:prstGeom prst="rect">
+                  <a:avLst/>
+                </a:prstGeom>
+                <a:solidFill>
+                  <a:schemeClr val="accent5">
+                    <a:lumMod val="40000"/>
+                    <a:lumOff val="60000"/>
+                  </a:schemeClr>
+                </a:solidFill>
+              </p:spPr>
+              <p:style>
+                <a:lnRef idx="2">
+                  <a:schemeClr val="accent1">
+                    <a:shade val="50000"/>
+                  </a:schemeClr>
+                </a:lnRef>
+                <a:fillRef idx="1">
+                  <a:schemeClr val="accent1"/>
+                </a:fillRef>
+                <a:effectRef idx="0">
+                  <a:schemeClr val="accent1"/>
+                </a:effectRef>
+                <a:fontRef idx="minor">
+                  <a:schemeClr val="lt1"/>
+                </a:fontRef>
+              </p:style>
+              <p:txBody>
+                <a:bodyPr rtlCol="0" anchor="ctr"/>
+                <a:lstStyle/>
+                <a:p>
+                  <a:pPr algn="ctr"/>
+                  <a:r>
+                    <a:rPr lang="hu-HU" b="1" dirty="0" smtClean="0">
+                      <a:solidFill>
+                        <a:schemeClr val="tx1"/>
+                      </a:solidFill>
+                    </a:rPr>
+                    <a:t>Lábléc</a:t>
+                  </a:r>
+                  <a:endParaRPr lang="en-GB" b="1" dirty="0">
+                    <a:solidFill>
+                      <a:schemeClr val="tx1"/>
+                    </a:solidFill>
+                  </a:endParaRPr>
+                </a:p>
+              </p:txBody>
+            </p:sp>
+          </p:grpSp>
+          <p:sp>
+            <p:nvSpPr>
+              <p:cNvPr id="11" name="Rectangle 10"/>
+              <p:cNvSpPr/>
+              <p:nvPr/>
+            </p:nvSpPr>
+            <p:spPr>
+              <a:xfrm>
+                <a:off x="2339752" y="1515454"/>
+                <a:ext cx="4536504" cy="2057562"/>
+              </a:xfrm>
+              <a:prstGeom prst="rect">
+                <a:avLst/>
+              </a:prstGeom>
+            </p:spPr>
+            <p:style>
+              <a:lnRef idx="2">
+                <a:schemeClr val="accent1">
+                  <a:shade val="50000"/>
+                </a:schemeClr>
+              </a:lnRef>
+              <a:fillRef idx="1">
+                <a:schemeClr val="accent1"/>
+              </a:fillRef>
+              <a:effectRef idx="0">
+                <a:schemeClr val="accent1"/>
+              </a:effectRef>
+              <a:fontRef idx="minor">
+                <a:schemeClr val="lt1"/>
+              </a:fontRef>
+            </p:style>
+            <p:txBody>
+              <a:bodyPr rtlCol="0" anchor="ctr"/>
+              <a:lstStyle/>
+              <a:p>
+                <a:pPr algn="ctr"/>
+                <a:r>
+                  <a:rPr lang="hu-HU" b="1" dirty="0" smtClean="0">
+                    <a:solidFill>
+                      <a:schemeClr val="tx1"/>
+                    </a:solidFill>
+                  </a:rPr>
+                  <a:t>Tartalom</a:t>
+                </a:r>
+                <a:endParaRPr lang="en-GB" b="1" dirty="0">
+                  <a:solidFill>
+                    <a:schemeClr val="tx1"/>
+                  </a:solidFill>
+                </a:endParaRPr>
+              </a:p>
+            </p:txBody>
+          </p:sp>
+        </p:grpSp>
+        <p:pic>
+          <p:nvPicPr>
+            <p:cNvPr id="13" name="Kép 11"/>
+            <p:cNvPicPr>
+              <a:picLocks noChangeAspect="1"/>
+            </p:cNvPicPr>
+            <p:nvPr/>
+          </p:nvPicPr>
+          <p:blipFill>
+            <a:blip r:embed="rId2" cstate="print">
+              <a:extLst>
+                <a:ext uri="{28A0092B-C50C-407E-A947-70E740481C1C}">
+                  <a14:useLocalDpi xmlns:a14="http://schemas.microsoft.com/office/drawing/2010/main" xmlns="" val="0"/>
+                </a:ext>
+              </a:extLst>
+            </a:blip>
+            <a:srcRect r="69230" b="-11533"/>
+            <a:stretch>
+              <a:fillRect/>
+            </a:stretch>
+          </p:blipFill>
+          <p:spPr>
+            <a:xfrm>
+              <a:off x="1259632" y="1268760"/>
+              <a:ext cx="288032" cy="288032"/>
+            </a:xfrm>
+            <a:prstGeom prst="rect">
+              <a:avLst/>
+            </a:prstGeom>
+          </p:spPr>
+        </p:pic>
+      </p:grpSp>
+      <p:sp>
+        <p:nvSpPr>
+          <p:cNvPr id="14" name="TextBox 13"/>
+          <p:cNvSpPr txBox="1"/>
+          <p:nvPr/>
+        </p:nvSpPr>
+        <p:spPr>
+          <a:xfrm>
+            <a:off x="0" y="5517232"/>
+            <a:ext cx="9144000" cy="553998"/>
+          </a:xfrm>
+          <a:prstGeom prst="rect">
+            <a:avLst/>
+          </a:prstGeom>
+          <a:noFill/>
+        </p:spPr>
+        <p:txBody>
+          <a:bodyPr wrap="square" rtlCol="0">
+            <a:spAutoFit/>
           </a:bodyPr>
           <a:lstStyle/>
           <a:p>
-            <a:r>
-              <a:rPr lang="hu-HU" sz="6000" b="1" dirty="0" smtClean="0">
-                <a:latin typeface="Arabic Typesetting" pitchFamily="66" charset="-78"/>
-                <a:cs typeface="Arabic Typesetting" pitchFamily="66" charset="-78"/>
-              </a:rPr>
-              <a:t>HTML</a:t>
-            </a:r>
-            <a:endParaRPr lang="en-GB" sz="6000" b="1" dirty="0">
-              <a:latin typeface="Arabic Typesetting" pitchFamily="66" charset="-78"/>
-              <a:cs typeface="Arabic Typesetting" pitchFamily="66" charset="-78"/>
-            </a:endParaRPr>
-          </a:p>
-        </p:txBody>
-      </p:sp>
-      <p:sp>
-        <p:nvSpPr>
-          <p:cNvPr id="3" name="Content Placeholder 2"/>
-          <p:cNvSpPr>
-            <a:spLocks noGrp="1"/>
-          </p:cNvSpPr>
-          <p:nvPr>
-            <p:ph idx="1"/>
-          </p:nvPr>
-        </p:nvSpPr>
-        <p:spPr>
-          <a:xfrm>
-            <a:off x="457200" y="1600200"/>
-            <a:ext cx="8363272" cy="4525963"/>
-          </a:xfrm>
-        </p:spPr>
-        <p:txBody>
-          <a:bodyPr>
-            <a:normAutofit/>
-          </a:bodyPr>
-          <a:lstStyle/>
-          <a:p>
-            <a:r>
-              <a:rPr lang="hu-HU" sz="3000" dirty="0" smtClean="0">
-                <a:latin typeface="Arabic Typesetting" pitchFamily="66" charset="-78"/>
-                <a:cs typeface="Arabic Typesetting" pitchFamily="66" charset="-78"/>
-              </a:rPr>
-              <a:t>blogmotor szerkezetének/elrendezésének kialakítása</a:t>
-            </a:r>
-          </a:p>
-          <a:p>
-            <a:r>
-              <a:rPr lang="hu-HU" sz="3000" dirty="0" smtClean="0">
-                <a:latin typeface="Arabic Typesetting" pitchFamily="66" charset="-78"/>
-                <a:cs typeface="Arabic Typesetting" pitchFamily="66" charset="-78"/>
-              </a:rPr>
-              <a:t>oldalak személyre szabása (űrlapok segítségével)</a:t>
-            </a:r>
-          </a:p>
-          <a:p>
-            <a:pPr lvl="1"/>
-            <a:r>
-              <a:rPr lang="hu-HU" dirty="0" smtClean="0">
-                <a:latin typeface="Arabic Typesetting" pitchFamily="66" charset="-78"/>
-                <a:cs typeface="Arabic Typesetting" pitchFamily="66" charset="-78"/>
-              </a:rPr>
-              <a:t>aloldalak és cikkek létrehozása</a:t>
-            </a:r>
-          </a:p>
-          <a:p>
-            <a:pPr lvl="1"/>
-            <a:r>
-              <a:rPr lang="hu-HU" dirty="0" smtClean="0">
-                <a:latin typeface="Arabic Typesetting" pitchFamily="66" charset="-78"/>
-                <a:cs typeface="Arabic Typesetting" pitchFamily="66" charset="-78"/>
-              </a:rPr>
-              <a:t>megjelenítendő tartalmak feltöltése és módosítása</a:t>
-            </a:r>
-          </a:p>
-          <a:p>
-            <a:pPr lvl="1"/>
-            <a:r>
-              <a:rPr lang="hu-HU" dirty="0" smtClean="0">
-                <a:latin typeface="Arabic Typesetting" pitchFamily="66" charset="-78"/>
-                <a:cs typeface="Arabic Typesetting" pitchFamily="66" charset="-78"/>
-              </a:rPr>
-              <a:t>stíluslap kiválasztása</a:t>
-            </a:r>
-          </a:p>
-          <a:p>
-            <a:r>
-              <a:rPr lang="hu-HU" sz="3000" dirty="0" smtClean="0">
-                <a:latin typeface="Arabic Typesetting" pitchFamily="66" charset="-78"/>
-                <a:cs typeface="Arabic Typesetting" pitchFamily="66" charset="-78"/>
-              </a:rPr>
-              <a:t>adott oldal tartalmának megjelenítése (</a:t>
-            </a:r>
-            <a:r>
-              <a:rPr lang="hu-HU" sz="3000" b="1" dirty="0" smtClean="0">
-                <a:latin typeface="Arabic Typesetting" pitchFamily="66" charset="-78"/>
-                <a:cs typeface="Arabic Typesetting" pitchFamily="66" charset="-78"/>
-              </a:rPr>
-              <a:t>dinamikus</a:t>
-            </a:r>
-            <a:r>
-              <a:rPr lang="hu-HU" sz="3000" dirty="0" smtClean="0">
-                <a:latin typeface="Arabic Typesetting" pitchFamily="66" charset="-78"/>
-                <a:cs typeface="Arabic Typesetting" pitchFamily="66" charset="-78"/>
-              </a:rPr>
-              <a:t>)</a:t>
-            </a:r>
-            <a:endParaRPr lang="en-GB" sz="3000" dirty="0">
+            <a:pPr algn="ctr"/>
+            <a:r>
+              <a:rPr lang="hu-HU" sz="3000" i="1" dirty="0" smtClean="0">
+                <a:latin typeface="Arabic Typesetting" pitchFamily="66" charset="-78"/>
+                <a:cs typeface="Arabic Typesetting" pitchFamily="66" charset="-78"/>
+              </a:rPr>
+              <a:t>A blogmotor szerkezetének terve</a:t>
+            </a:r>
+            <a:endParaRPr lang="en-GB" sz="3000" i="1" dirty="0">
               <a:latin typeface="Arabic Typesetting" pitchFamily="66" charset="-78"/>
               <a:cs typeface="Arabic Typesetting" pitchFamily="66" charset="-78"/>
             </a:endParaRPr>
